--- a/Presentation.pptx
+++ b/Presentation.pptx
@@ -2,16 +2,17 @@
 <file path=ppt/presentation.xml><?xml version="1.0" encoding="utf-8"?>
 <p:presentation xmlns:a="http://schemas.openxmlformats.org/drawingml/2006/main" xmlns:r="http://schemas.openxmlformats.org/officeDocument/2006/relationships" xmlns:p="http://schemas.openxmlformats.org/presentationml/2006/main" removePersonalInfoOnSave="1" saveSubsetFonts="1">
   <p:sldMasterIdLst>
-    <p:sldMasterId id="2147483690" r:id="rId1"/>
+    <p:sldMasterId id="2147483732" r:id="rId1"/>
   </p:sldMasterIdLst>
   <p:notesMasterIdLst>
-    <p:notesMasterId r:id="rId6"/>
+    <p:notesMasterId r:id="rId7"/>
   </p:notesMasterIdLst>
   <p:sldIdLst>
     <p:sldId id="256" r:id="rId2"/>
     <p:sldId id="257" r:id="rId3"/>
     <p:sldId id="295" r:id="rId4"/>
     <p:sldId id="296" r:id="rId5"/>
+    <p:sldId id="297" r:id="rId6"/>
   </p:sldIdLst>
   <p:sldSz cx="19010313" cy="10693400"/>
   <p:notesSz cx="7556500" cy="10693400"/>
@@ -909,7 +910,7 @@
         <a:p>
           <a:r>
             <a:rPr lang="en-US" smtClean="0"/>
-            <a:t>Faster Time to Market</a:t>
+            <a:t>Increase Revenue</a:t>
           </a:r>
           <a:endParaRPr lang="en-US"/>
         </a:p>
@@ -947,7 +948,11 @@
           <a:pPr algn="l"/>
           <a:r>
             <a:rPr lang="en-US" smtClean="0"/>
-            <a:t>CI/CD enables rapid and frequent releases, allowing businesses to deliver new features and updates to customers quickly. This helps in staying ahead of the competition and meeting customer demands.</a:t>
+            <a:t>CI/CD enables rapid and frequent releases, allowing businesses to deliver new features and updates to customers quickly. This helps </a:t>
+          </a:r>
+          <a:r>
+            <a:rPr lang="en-US" smtClean="0"/>
+            <a:t>in attracting more customers and increase revenue for application</a:t>
           </a:r>
           <a:endParaRPr lang="en-US"/>
         </a:p>
@@ -975,43 +980,6 @@
         </a:p>
       </dgm:t>
     </dgm:pt>
-    <dgm:pt modelId="{58CC8950-7A69-4DAD-A8D7-11E87075D632}">
-      <dgm:prSet phldrT="[Text]"/>
-      <dgm:spPr/>
-      <dgm:t>
-        <a:bodyPr/>
-        <a:lstStyle/>
-        <a:p>
-          <a:r>
-            <a:rPr lang="en-US" smtClean="0"/>
-            <a:t>Reduced Risk</a:t>
-          </a:r>
-          <a:endParaRPr lang="en-US"/>
-        </a:p>
-      </dgm:t>
-    </dgm:pt>
-    <dgm:pt modelId="{4FFE5F9B-D91F-4D23-98E6-7BCD123AF7FF}" type="parTrans" cxnId="{DE6F0E0D-9466-4B32-AFB2-EE807FA83A5A}">
-      <dgm:prSet/>
-      <dgm:spPr/>
-      <dgm:t>
-        <a:bodyPr/>
-        <a:lstStyle/>
-        <a:p>
-          <a:endParaRPr lang="en-US"/>
-        </a:p>
-      </dgm:t>
-    </dgm:pt>
-    <dgm:pt modelId="{1CC8736E-8889-4E5B-8CE8-7394322B7C6A}" type="sibTrans" cxnId="{DE6F0E0D-9466-4B32-AFB2-EE807FA83A5A}">
-      <dgm:prSet/>
-      <dgm:spPr/>
-      <dgm:t>
-        <a:bodyPr/>
-        <a:lstStyle/>
-        <a:p>
-          <a:endParaRPr lang="en-US"/>
-        </a:p>
-      </dgm:t>
-    </dgm:pt>
     <dgm:pt modelId="{C3BEBB00-E666-4C2F-8393-5C2B36D52C98}">
       <dgm:prSet phldrT="[Text]"/>
       <dgm:spPr/>
@@ -1021,7 +989,7 @@
         <a:p>
           <a:r>
             <a:rPr lang="en-US" smtClean="0"/>
-            <a:t>Cost Efficiency</a:t>
+            <a:t>Avoid Cost</a:t>
           </a:r>
           <a:endParaRPr lang="en-US"/>
         </a:p>
@@ -1095,7 +1063,7 @@
         <a:p>
           <a:r>
             <a:rPr lang="en-US" smtClean="0"/>
-            <a:t>Improved Quality</a:t>
+            <a:t>Protect Revenue</a:t>
           </a:r>
           <a:endParaRPr lang="en-US"/>
         </a:p>
@@ -1169,7 +1137,11 @@
         <a:p>
           <a:r>
             <a:rPr lang="en-US" smtClean="0"/>
-            <a:t>By automating the build and test processes, CI/CD ensures that every code change is thoroughly tested before deployment. This reduces the chances of introducing bugs or issues into the production environment, leading to higher quality software.</a:t>
+            <a:t>By automating the build and test processes, CI/CD ensures that every code change is thoroughly tested before deployment. This reduces the chances of introducing bugs or issues into the production </a:t>
+          </a:r>
+          <a:r>
+            <a:rPr lang="en-US" smtClean="0"/>
+            <a:t>environment to make sure that couldn’t damage to company’s reputation and revenue.</a:t>
           </a:r>
           <a:endParaRPr lang="en-US"/>
         </a:p>
@@ -1234,8 +1206,8 @@
         </a:p>
       </dgm:t>
     </dgm:pt>
-    <dgm:pt modelId="{389D8B03-A7BE-48AD-980D-7CB930BA58C7}">
-      <dgm:prSet phldrT="[Text]"/>
+    <dgm:pt modelId="{8BEF352D-FE69-4B96-BFF2-FD4BDF9CCA6F}">
+      <dgm:prSet/>
       <dgm:spPr/>
       <dgm:t>
         <a:bodyPr/>
@@ -1249,7 +1221,7 @@
         </a:p>
       </dgm:t>
     </dgm:pt>
-    <dgm:pt modelId="{510FD6C4-28C8-438D-9DE2-4CA0DE76BF40}" type="parTrans" cxnId="{D62A535E-8F91-4C55-9505-F6B7B60B6513}">
+    <dgm:pt modelId="{D3146D52-9B50-4A48-8AFF-3F9F2F1E127E}" type="parTrans" cxnId="{98384143-768F-4D0E-815D-DCB58CF134CD}">
       <dgm:prSet/>
       <dgm:spPr/>
       <dgm:t>
@@ -1260,7 +1232,7 @@
         </a:p>
       </dgm:t>
     </dgm:pt>
-    <dgm:pt modelId="{13EDA241-D380-49C1-A2FB-54A73E5089C9}" type="sibTrans" cxnId="{D62A535E-8F91-4C55-9505-F6B7B60B6513}">
+    <dgm:pt modelId="{E44F2A1A-E1AF-443C-B372-959A7568436F}" type="sibTrans" cxnId="{98384143-768F-4D0E-815D-DCB58CF134CD}">
       <dgm:prSet/>
       <dgm:spPr/>
       <dgm:t>
@@ -1280,13 +1252,20 @@
         </dgm:presLayoutVars>
       </dgm:prSet>
       <dgm:spPr/>
+      <dgm:t>
+        <a:bodyPr/>
+        <a:lstStyle/>
+        <a:p>
+          <a:endParaRPr lang="en-US"/>
+        </a:p>
+      </dgm:t>
     </dgm:pt>
     <dgm:pt modelId="{13C3615B-D792-460D-8EBA-1D0B2EA0995F}" type="pres">
       <dgm:prSet presAssocID="{51CFAB52-EDF7-43AE-AAAD-D3B4F7B1085F}" presName="composite" presStyleCnt="0"/>
       <dgm:spPr/>
     </dgm:pt>
     <dgm:pt modelId="{20B7B8A3-C2C2-4B65-85E2-D74B74372ACF}" type="pres">
-      <dgm:prSet presAssocID="{51CFAB52-EDF7-43AE-AAAD-D3B4F7B1085F}" presName="parentText" presStyleLbl="alignNode1" presStyleIdx="0" presStyleCnt="5" custScaleX="104241" custLinFactNeighborX="1980" custLinFactNeighborY="-25">
+      <dgm:prSet presAssocID="{51CFAB52-EDF7-43AE-AAAD-D3B4F7B1085F}" presName="parentText" presStyleLbl="alignNode1" presStyleIdx="0" presStyleCnt="4" custScaleX="104241" custLinFactNeighborX="1980" custLinFactNeighborY="-25">
         <dgm:presLayoutVars>
           <dgm:chMax val="1"/>
           <dgm:bulletEnabled val="1"/>
@@ -1302,7 +1281,7 @@
       </dgm:t>
     </dgm:pt>
     <dgm:pt modelId="{31AE70CE-6AD7-4AD7-93E6-0A9D4B1D89F0}" type="pres">
-      <dgm:prSet presAssocID="{51CFAB52-EDF7-43AE-AAAD-D3B4F7B1085F}" presName="descendantText" presStyleLbl="alignAcc1" presStyleIdx="0" presStyleCnt="5" custLinFactNeighborX="6311" custLinFactNeighborY="-2167">
+      <dgm:prSet presAssocID="{51CFAB52-EDF7-43AE-AAAD-D3B4F7B1085F}" presName="descendantText" presStyleLbl="alignAcc1" presStyleIdx="0" presStyleCnt="4" custLinFactNeighborX="6311" custLinFactNeighborY="-2167">
         <dgm:presLayoutVars>
           <dgm:bulletEnabled val="1"/>
         </dgm:presLayoutVars>
@@ -1325,7 +1304,7 @@
       <dgm:spPr/>
     </dgm:pt>
     <dgm:pt modelId="{BD105D74-8BA9-4BCB-BFA2-9BD56117AC5C}" type="pres">
-      <dgm:prSet presAssocID="{C7A2C205-726B-419A-A48B-1BC5088B19A1}" presName="parentText" presStyleLbl="alignNode1" presStyleIdx="1" presStyleCnt="5" custScaleX="104241" custLinFactNeighborX="1980" custLinFactNeighborY="-25">
+      <dgm:prSet presAssocID="{C7A2C205-726B-419A-A48B-1BC5088B19A1}" presName="parentText" presStyleLbl="alignNode1" presStyleIdx="1" presStyleCnt="4" custScaleX="104241" custLinFactNeighborX="1980" custLinFactNeighborY="-25">
         <dgm:presLayoutVars>
           <dgm:chMax val="1"/>
           <dgm:bulletEnabled val="1"/>
@@ -1341,12 +1320,19 @@
       </dgm:t>
     </dgm:pt>
     <dgm:pt modelId="{D5A0A093-095B-4AC6-B999-97365E08C8BB}" type="pres">
-      <dgm:prSet presAssocID="{C7A2C205-726B-419A-A48B-1BC5088B19A1}" presName="descendantText" presStyleLbl="alignAcc1" presStyleIdx="1" presStyleCnt="5">
+      <dgm:prSet presAssocID="{C7A2C205-726B-419A-A48B-1BC5088B19A1}" presName="descendantText" presStyleLbl="alignAcc1" presStyleIdx="1" presStyleCnt="4">
         <dgm:presLayoutVars>
           <dgm:bulletEnabled val="1"/>
         </dgm:presLayoutVars>
       </dgm:prSet>
       <dgm:spPr/>
+      <dgm:t>
+        <a:bodyPr/>
+        <a:lstStyle/>
+        <a:p>
+          <a:endParaRPr lang="en-US"/>
+        </a:p>
+      </dgm:t>
     </dgm:pt>
     <dgm:pt modelId="{77B1D5CC-EAFF-48B7-BB3A-DCACED99F90A}" type="pres">
       <dgm:prSet presAssocID="{45D2CAD2-A17C-4C43-A709-FBD68F694F1A}" presName="sp" presStyleCnt="0"/>
@@ -1357,7 +1343,7 @@
       <dgm:spPr/>
     </dgm:pt>
     <dgm:pt modelId="{6AA46873-90FE-49D9-A9D8-20DCBB2A2C16}" type="pres">
-      <dgm:prSet presAssocID="{8617D5E7-848F-4572-915B-7491E0F5F7F2}" presName="parentText" presStyleLbl="alignNode1" presStyleIdx="2" presStyleCnt="5" custScaleX="104241" custLinFactNeighborX="1980" custLinFactNeighborY="-25">
+      <dgm:prSet presAssocID="{8617D5E7-848F-4572-915B-7491E0F5F7F2}" presName="parentText" presStyleLbl="alignNode1" presStyleIdx="2" presStyleCnt="4" custScaleX="104241" custLinFactNeighborX="1980" custLinFactNeighborY="-25">
         <dgm:presLayoutVars>
           <dgm:chMax val="1"/>
           <dgm:bulletEnabled val="1"/>
@@ -1373,23 +1359,30 @@
       </dgm:t>
     </dgm:pt>
     <dgm:pt modelId="{7979C76B-89C3-4E8D-9BA3-9CC679F297C8}" type="pres">
-      <dgm:prSet presAssocID="{8617D5E7-848F-4572-915B-7491E0F5F7F2}" presName="descendantText" presStyleLbl="alignAcc1" presStyleIdx="2" presStyleCnt="5">
+      <dgm:prSet presAssocID="{8617D5E7-848F-4572-915B-7491E0F5F7F2}" presName="descendantText" presStyleLbl="alignAcc1" presStyleIdx="2" presStyleCnt="4">
         <dgm:presLayoutVars>
           <dgm:bulletEnabled val="1"/>
         </dgm:presLayoutVars>
       </dgm:prSet>
       <dgm:spPr/>
+      <dgm:t>
+        <a:bodyPr/>
+        <a:lstStyle/>
+        <a:p>
+          <a:endParaRPr lang="en-US"/>
+        </a:p>
+      </dgm:t>
     </dgm:pt>
     <dgm:pt modelId="{3CBF4EC0-1AAE-42DF-AB1E-46FAA9CB1F98}" type="pres">
       <dgm:prSet presAssocID="{E8E76642-9F36-4180-BE7A-011311C3F9D5}" presName="sp" presStyleCnt="0"/>
       <dgm:spPr/>
     </dgm:pt>
-    <dgm:pt modelId="{FA9B6E4C-AEF5-4B3B-8126-6D428544D83E}" type="pres">
-      <dgm:prSet presAssocID="{58CC8950-7A69-4DAD-A8D7-11E87075D632}" presName="composite" presStyleCnt="0"/>
+    <dgm:pt modelId="{3AAB5794-C66B-4E6F-B368-51E719E54758}" type="pres">
+      <dgm:prSet presAssocID="{C3BEBB00-E666-4C2F-8393-5C2B36D52C98}" presName="composite" presStyleCnt="0"/>
       <dgm:spPr/>
     </dgm:pt>
-    <dgm:pt modelId="{05D4A352-BC4E-4240-9327-1BF826B3936D}" type="pres">
-      <dgm:prSet presAssocID="{58CC8950-7A69-4DAD-A8D7-11E87075D632}" presName="parentText" presStyleLbl="alignNode1" presStyleIdx="3" presStyleCnt="5" custScaleX="104241">
+    <dgm:pt modelId="{0C419DF9-CA91-4238-A70E-2AC8126BDBF6}" type="pres">
+      <dgm:prSet presAssocID="{C3BEBB00-E666-4C2F-8393-5C2B36D52C98}" presName="parentText" presStyleLbl="alignNode1" presStyleIdx="3" presStyleCnt="4">
         <dgm:presLayoutVars>
           <dgm:chMax val="1"/>
           <dgm:bulletEnabled val="1"/>
@@ -1404,8 +1397,8 @@
         </a:p>
       </dgm:t>
     </dgm:pt>
-    <dgm:pt modelId="{C6418941-44A6-4CA8-8EF8-D5E255BB6ACC}" type="pres">
-      <dgm:prSet presAssocID="{58CC8950-7A69-4DAD-A8D7-11E87075D632}" presName="descendantText" presStyleLbl="alignAcc1" presStyleIdx="3" presStyleCnt="5">
+    <dgm:pt modelId="{3BCA21FE-DC26-4269-9DD6-33079E003228}" type="pres">
+      <dgm:prSet presAssocID="{C3BEBB00-E666-4C2F-8393-5C2B36D52C98}" presName="descendantText" presStyleLbl="alignAcc1" presStyleIdx="3" presStyleCnt="4" custLinFactNeighborX="424" custLinFactNeighborY="1007">
         <dgm:presLayoutVars>
           <dgm:bulletEnabled val="1"/>
         </dgm:presLayoutVars>
@@ -1419,54 +1412,27 @@
         </a:p>
       </dgm:t>
     </dgm:pt>
-    <dgm:pt modelId="{BCA566E2-A6F8-4E95-986B-E1A9DB7B8761}" type="pres">
-      <dgm:prSet presAssocID="{1CC8736E-8889-4E5B-8CE8-7394322B7C6A}" presName="sp" presStyleCnt="0"/>
-      <dgm:spPr/>
-    </dgm:pt>
-    <dgm:pt modelId="{3AAB5794-C66B-4E6F-B368-51E719E54758}" type="pres">
-      <dgm:prSet presAssocID="{C3BEBB00-E666-4C2F-8393-5C2B36D52C98}" presName="composite" presStyleCnt="0"/>
-      <dgm:spPr/>
-    </dgm:pt>
-    <dgm:pt modelId="{0C419DF9-CA91-4238-A70E-2AC8126BDBF6}" type="pres">
-      <dgm:prSet presAssocID="{C3BEBB00-E666-4C2F-8393-5C2B36D52C98}" presName="parentText" presStyleLbl="alignNode1" presStyleIdx="4" presStyleCnt="5">
-        <dgm:presLayoutVars>
-          <dgm:chMax val="1"/>
-          <dgm:bulletEnabled val="1"/>
-        </dgm:presLayoutVars>
-      </dgm:prSet>
-      <dgm:spPr/>
-    </dgm:pt>
-    <dgm:pt modelId="{3BCA21FE-DC26-4269-9DD6-33079E003228}" type="pres">
-      <dgm:prSet presAssocID="{C3BEBB00-E666-4C2F-8393-5C2B36D52C98}" presName="descendantText" presStyleLbl="alignAcc1" presStyleIdx="4" presStyleCnt="5" custLinFactNeighborX="424" custLinFactNeighborY="1007">
-        <dgm:presLayoutVars>
-          <dgm:bulletEnabled val="1"/>
-        </dgm:presLayoutVars>
-      </dgm:prSet>
-      <dgm:spPr/>
-    </dgm:pt>
   </dgm:ptLst>
   <dgm:cxnLst>
-    <dgm:cxn modelId="{E3C82B96-CCF3-4A66-B2B6-4A9CC15AA498}" type="presOf" srcId="{58CC8950-7A69-4DAD-A8D7-11E87075D632}" destId="{05D4A352-BC4E-4240-9327-1BF826B3936D}" srcOrd="0" destOrd="0" presId="urn:microsoft.com/office/officeart/2005/8/layout/chevron2"/>
+    <dgm:cxn modelId="{403BA732-F289-4A7B-9C0A-ABEC87DCC126}" srcId="{C3BEBB00-E666-4C2F-8393-5C2B36D52C98}" destId="{040F6DCE-34F9-4D27-AFB9-78467E11DE6D}" srcOrd="0" destOrd="0" parTransId="{9F8C464B-65FB-413E-A527-2D4526F42361}" sibTransId="{3905389E-CC60-4D44-8D94-B506AD1E1516}"/>
+    <dgm:cxn modelId="{0551507D-1CB0-4D41-A54F-7FE1ED8CDD0A}" srcId="{C7A2C205-726B-419A-A48B-1BC5088B19A1}" destId="{8D4B9172-2A85-4E4C-BF4E-76D323C938B2}" srcOrd="0" destOrd="0" parTransId="{33849F35-CA8C-4A6C-86F2-99D0BEFDBB01}" sibTransId="{098EC5AC-EE22-4AA6-981D-43E258A190ED}"/>
+    <dgm:cxn modelId="{72B8590B-D046-4604-B06D-3C48F690862C}" type="presOf" srcId="{4B71ED0B-8F4B-4082-BDE5-8D08763543B4}" destId="{7979C76B-89C3-4E8D-9BA3-9CC679F297C8}" srcOrd="0" destOrd="0" presId="urn:microsoft.com/office/officeart/2005/8/layout/chevron2"/>
+    <dgm:cxn modelId="{C48126B6-EB2F-4CEB-9EB1-E2A2EE046B6F}" type="presOf" srcId="{040F6DCE-34F9-4D27-AFB9-78467E11DE6D}" destId="{3BCA21FE-DC26-4269-9DD6-33079E003228}" srcOrd="0" destOrd="0" presId="urn:microsoft.com/office/officeart/2005/8/layout/chevron2"/>
+    <dgm:cxn modelId="{C2435EE3-AFD5-41F3-81E8-DD8CB7123BB0}" srcId="{51CFAB52-EDF7-43AE-AAAD-D3B4F7B1085F}" destId="{5EDA9EE0-E4CA-4036-A372-B69305761303}" srcOrd="0" destOrd="0" parTransId="{410F599D-4D97-4F10-9D67-008B6D7FC88E}" sibTransId="{15CB406C-D974-4DEE-B528-A6CC1E4C21E0}"/>
+    <dgm:cxn modelId="{C6253B59-401C-48D2-85FC-247C3F9880D7}" srcId="{DC401447-3F15-4E1B-977B-9DF37DD51BFF}" destId="{C3BEBB00-E666-4C2F-8393-5C2B36D52C98}" srcOrd="3" destOrd="0" parTransId="{DA4E8BA4-DE3A-4A15-8A4D-BAE80E9AAA3C}" sibTransId="{4F13C33B-DEA6-44D8-943F-48E2A9AEAF84}"/>
+    <dgm:cxn modelId="{EC21EF4A-296E-4E75-ADCB-48375D7FA412}" srcId="{8617D5E7-848F-4572-915B-7491E0F5F7F2}" destId="{4B71ED0B-8F4B-4082-BDE5-8D08763543B4}" srcOrd="0" destOrd="0" parTransId="{9AFD20DD-D044-4875-9703-FAA67E268285}" sibTransId="{9AC6921E-1F23-466D-A380-CA479B265C26}"/>
+    <dgm:cxn modelId="{BA9A0FA1-48A1-4DE8-8D07-C3BA893CDFAC}" type="presOf" srcId="{8617D5E7-848F-4572-915B-7491E0F5F7F2}" destId="{6AA46873-90FE-49D9-A9D8-20DCBB2A2C16}" srcOrd="0" destOrd="0" presId="urn:microsoft.com/office/officeart/2005/8/layout/chevron2"/>
+    <dgm:cxn modelId="{98384143-768F-4D0E-815D-DCB58CF134CD}" srcId="{C7A2C205-726B-419A-A48B-1BC5088B19A1}" destId="{8BEF352D-FE69-4B96-BFF2-FD4BDF9CCA6F}" srcOrd="1" destOrd="0" parTransId="{D3146D52-9B50-4A48-8AFF-3F9F2F1E127E}" sibTransId="{E44F2A1A-E1AF-443C-B372-959A7568436F}"/>
+    <dgm:cxn modelId="{95BC56AA-7A96-43A8-9489-1ABE33AE39B1}" type="presOf" srcId="{8BEF352D-FE69-4B96-BFF2-FD4BDF9CCA6F}" destId="{D5A0A093-095B-4AC6-B999-97365E08C8BB}" srcOrd="0" destOrd="1" presId="urn:microsoft.com/office/officeart/2005/8/layout/chevron2"/>
+    <dgm:cxn modelId="{1415A9D6-6E9D-4575-99A3-B5023EC7D32E}" type="presOf" srcId="{5EDA9EE0-E4CA-4036-A372-B69305761303}" destId="{31AE70CE-6AD7-4AD7-93E6-0A9D4B1D89F0}" srcOrd="0" destOrd="0" presId="urn:microsoft.com/office/officeart/2005/8/layout/chevron2"/>
+    <dgm:cxn modelId="{F937C961-F384-4911-9B6F-82BCF3EE841B}" srcId="{DC401447-3F15-4E1B-977B-9DF37DD51BFF}" destId="{51CFAB52-EDF7-43AE-AAAD-D3B4F7B1085F}" srcOrd="0" destOrd="0" parTransId="{D84B8DA4-C28C-4164-91DD-B0B61BE28097}" sibTransId="{041E7953-66D2-4511-AD11-3F2FCFD20002}"/>
+    <dgm:cxn modelId="{6FAA2C53-F50A-49A3-B52F-9CF82C235C97}" type="presOf" srcId="{DC401447-3F15-4E1B-977B-9DF37DD51BFF}" destId="{A5D0338B-AAE7-4DFB-B785-C8096EFB4AB3}" srcOrd="0" destOrd="0" presId="urn:microsoft.com/office/officeart/2005/8/layout/chevron2"/>
+    <dgm:cxn modelId="{B6374698-B2AA-4DA9-B70C-E8C4B012B958}" type="presOf" srcId="{C3BEBB00-E666-4C2F-8393-5C2B36D52C98}" destId="{0C419DF9-CA91-4238-A70E-2AC8126BDBF6}" srcOrd="0" destOrd="0" presId="urn:microsoft.com/office/officeart/2005/8/layout/chevron2"/>
+    <dgm:cxn modelId="{AE78C6D6-B8AE-4A2F-9864-15CC14921898}" srcId="{DC401447-3F15-4E1B-977B-9DF37DD51BFF}" destId="{8617D5E7-848F-4572-915B-7491E0F5F7F2}" srcOrd="2" destOrd="0" parTransId="{51F50FCB-AF8B-4794-A62D-2CC242EC0412}" sibTransId="{E8E76642-9F36-4180-BE7A-011311C3F9D5}"/>
     <dgm:cxn modelId="{E8CB0470-AF21-42A6-949B-7294BEC8F53A}" type="presOf" srcId="{C7A2C205-726B-419A-A48B-1BC5088B19A1}" destId="{BD105D74-8BA9-4BCB-BFA2-9BD56117AC5C}" srcOrd="0" destOrd="0" presId="urn:microsoft.com/office/officeart/2005/8/layout/chevron2"/>
     <dgm:cxn modelId="{5343FBF5-114B-40D3-9EC7-15A6A231E4EE}" type="presOf" srcId="{51CFAB52-EDF7-43AE-AAAD-D3B4F7B1085F}" destId="{20B7B8A3-C2C2-4B65-85E2-D74B74372ACF}" srcOrd="0" destOrd="0" presId="urn:microsoft.com/office/officeart/2005/8/layout/chevron2"/>
-    <dgm:cxn modelId="{AE78C6D6-B8AE-4A2F-9864-15CC14921898}" srcId="{DC401447-3F15-4E1B-977B-9DF37DD51BFF}" destId="{8617D5E7-848F-4572-915B-7491E0F5F7F2}" srcOrd="2" destOrd="0" parTransId="{51F50FCB-AF8B-4794-A62D-2CC242EC0412}" sibTransId="{E8E76642-9F36-4180-BE7A-011311C3F9D5}"/>
-    <dgm:cxn modelId="{C48126B6-EB2F-4CEB-9EB1-E2A2EE046B6F}" type="presOf" srcId="{040F6DCE-34F9-4D27-AFB9-78467E11DE6D}" destId="{3BCA21FE-DC26-4269-9DD6-33079E003228}" srcOrd="0" destOrd="0" presId="urn:microsoft.com/office/officeart/2005/8/layout/chevron2"/>
-    <dgm:cxn modelId="{D62A535E-8F91-4C55-9505-F6B7B60B6513}" srcId="{58CC8950-7A69-4DAD-A8D7-11E87075D632}" destId="{389D8B03-A7BE-48AD-980D-7CB930BA58C7}" srcOrd="0" destOrd="0" parTransId="{510FD6C4-28C8-438D-9DE2-4CA0DE76BF40}" sibTransId="{13EDA241-D380-49C1-A2FB-54A73E5089C9}"/>
     <dgm:cxn modelId="{9CDA0071-A562-4B80-AD02-4D0581F5C26C}" srcId="{DC401447-3F15-4E1B-977B-9DF37DD51BFF}" destId="{C7A2C205-726B-419A-A48B-1BC5088B19A1}" srcOrd="1" destOrd="0" parTransId="{61D4CF52-35DC-46D4-A48A-1F7A297A8F46}" sibTransId="{45D2CAD2-A17C-4C43-A709-FBD68F694F1A}"/>
-    <dgm:cxn modelId="{C6253B59-401C-48D2-85FC-247C3F9880D7}" srcId="{DC401447-3F15-4E1B-977B-9DF37DD51BFF}" destId="{C3BEBB00-E666-4C2F-8393-5C2B36D52C98}" srcOrd="4" destOrd="0" parTransId="{DA4E8BA4-DE3A-4A15-8A4D-BAE80E9AAA3C}" sibTransId="{4F13C33B-DEA6-44D8-943F-48E2A9AEAF84}"/>
-    <dgm:cxn modelId="{C2435EE3-AFD5-41F3-81E8-DD8CB7123BB0}" srcId="{51CFAB52-EDF7-43AE-AAAD-D3B4F7B1085F}" destId="{5EDA9EE0-E4CA-4036-A372-B69305761303}" srcOrd="0" destOrd="0" parTransId="{410F599D-4D97-4F10-9D67-008B6D7FC88E}" sibTransId="{15CB406C-D974-4DEE-B528-A6CC1E4C21E0}"/>
-    <dgm:cxn modelId="{B6374698-B2AA-4DA9-B70C-E8C4B012B958}" type="presOf" srcId="{C3BEBB00-E666-4C2F-8393-5C2B36D52C98}" destId="{0C419DF9-CA91-4238-A70E-2AC8126BDBF6}" srcOrd="0" destOrd="0" presId="urn:microsoft.com/office/officeart/2005/8/layout/chevron2"/>
-    <dgm:cxn modelId="{1415A9D6-6E9D-4575-99A3-B5023EC7D32E}" type="presOf" srcId="{5EDA9EE0-E4CA-4036-A372-B69305761303}" destId="{31AE70CE-6AD7-4AD7-93E6-0A9D4B1D89F0}" srcOrd="0" destOrd="0" presId="urn:microsoft.com/office/officeart/2005/8/layout/chevron2"/>
     <dgm:cxn modelId="{60A86779-B660-4776-9198-AD2F43DD9344}" type="presOf" srcId="{8D4B9172-2A85-4E4C-BF4E-76D323C938B2}" destId="{D5A0A093-095B-4AC6-B999-97365E08C8BB}" srcOrd="0" destOrd="0" presId="urn:microsoft.com/office/officeart/2005/8/layout/chevron2"/>
-    <dgm:cxn modelId="{403BA732-F289-4A7B-9C0A-ABEC87DCC126}" srcId="{C3BEBB00-E666-4C2F-8393-5C2B36D52C98}" destId="{040F6DCE-34F9-4D27-AFB9-78467E11DE6D}" srcOrd="0" destOrd="0" parTransId="{9F8C464B-65FB-413E-A527-2D4526F42361}" sibTransId="{3905389E-CC60-4D44-8D94-B506AD1E1516}"/>
-    <dgm:cxn modelId="{6FAA2C53-F50A-49A3-B52F-9CF82C235C97}" type="presOf" srcId="{DC401447-3F15-4E1B-977B-9DF37DD51BFF}" destId="{A5D0338B-AAE7-4DFB-B785-C8096EFB4AB3}" srcOrd="0" destOrd="0" presId="urn:microsoft.com/office/officeart/2005/8/layout/chevron2"/>
-    <dgm:cxn modelId="{DE6F0E0D-9466-4B32-AFB2-EE807FA83A5A}" srcId="{DC401447-3F15-4E1B-977B-9DF37DD51BFF}" destId="{58CC8950-7A69-4DAD-A8D7-11E87075D632}" srcOrd="3" destOrd="0" parTransId="{4FFE5F9B-D91F-4D23-98E6-7BCD123AF7FF}" sibTransId="{1CC8736E-8889-4E5B-8CE8-7394322B7C6A}"/>
-    <dgm:cxn modelId="{0551507D-1CB0-4D41-A54F-7FE1ED8CDD0A}" srcId="{C7A2C205-726B-419A-A48B-1BC5088B19A1}" destId="{8D4B9172-2A85-4E4C-BF4E-76D323C938B2}" srcOrd="0" destOrd="0" parTransId="{33849F35-CA8C-4A6C-86F2-99D0BEFDBB01}" sibTransId="{098EC5AC-EE22-4AA6-981D-43E258A190ED}"/>
-    <dgm:cxn modelId="{3CBE3CF1-38C4-46F3-B562-F1A8435F501A}" type="presOf" srcId="{389D8B03-A7BE-48AD-980D-7CB930BA58C7}" destId="{C6418941-44A6-4CA8-8EF8-D5E255BB6ACC}" srcOrd="0" destOrd="0" presId="urn:microsoft.com/office/officeart/2005/8/layout/chevron2"/>
-    <dgm:cxn modelId="{BA9A0FA1-48A1-4DE8-8D07-C3BA893CDFAC}" type="presOf" srcId="{8617D5E7-848F-4572-915B-7491E0F5F7F2}" destId="{6AA46873-90FE-49D9-A9D8-20DCBB2A2C16}" srcOrd="0" destOrd="0" presId="urn:microsoft.com/office/officeart/2005/8/layout/chevron2"/>
-    <dgm:cxn modelId="{F937C961-F384-4911-9B6F-82BCF3EE841B}" srcId="{DC401447-3F15-4E1B-977B-9DF37DD51BFF}" destId="{51CFAB52-EDF7-43AE-AAAD-D3B4F7B1085F}" srcOrd="0" destOrd="0" parTransId="{D84B8DA4-C28C-4164-91DD-B0B61BE28097}" sibTransId="{041E7953-66D2-4511-AD11-3F2FCFD20002}"/>
-    <dgm:cxn modelId="{72B8590B-D046-4604-B06D-3C48F690862C}" type="presOf" srcId="{4B71ED0B-8F4B-4082-BDE5-8D08763543B4}" destId="{7979C76B-89C3-4E8D-9BA3-9CC679F297C8}" srcOrd="0" destOrd="0" presId="urn:microsoft.com/office/officeart/2005/8/layout/chevron2"/>
-    <dgm:cxn modelId="{EC21EF4A-296E-4E75-ADCB-48375D7FA412}" srcId="{8617D5E7-848F-4572-915B-7491E0F5F7F2}" destId="{4B71ED0B-8F4B-4082-BDE5-8D08763543B4}" srcOrd="0" destOrd="0" parTransId="{9AFD20DD-D044-4875-9703-FAA67E268285}" sibTransId="{9AC6921E-1F23-466D-A380-CA479B265C26}"/>
     <dgm:cxn modelId="{79EA3606-7B21-40B2-838C-614A2DAB5428}" type="presParOf" srcId="{A5D0338B-AAE7-4DFB-B785-C8096EFB4AB3}" destId="{13C3615B-D792-460D-8EBA-1D0B2EA0995F}" srcOrd="0" destOrd="0" presId="urn:microsoft.com/office/officeart/2005/8/layout/chevron2"/>
     <dgm:cxn modelId="{50AA9BAD-0DB2-427B-9F0C-24BC0616211E}" type="presParOf" srcId="{13C3615B-D792-460D-8EBA-1D0B2EA0995F}" destId="{20B7B8A3-C2C2-4B65-85E2-D74B74372ACF}" srcOrd="0" destOrd="0" presId="urn:microsoft.com/office/officeart/2005/8/layout/chevron2"/>
     <dgm:cxn modelId="{B9F6A07B-223C-4EB6-AD1C-FB876CA8C24D}" type="presParOf" srcId="{13C3615B-D792-460D-8EBA-1D0B2EA0995F}" destId="{31AE70CE-6AD7-4AD7-93E6-0A9D4B1D89F0}" srcOrd="1" destOrd="0" presId="urn:microsoft.com/office/officeart/2005/8/layout/chevron2"/>
@@ -1479,11 +1445,7 @@
     <dgm:cxn modelId="{9C845108-4F0D-4E33-ADDE-E714847036EF}" type="presParOf" srcId="{301DE989-1D08-4C95-A38D-A777B5DC0538}" destId="{6AA46873-90FE-49D9-A9D8-20DCBB2A2C16}" srcOrd="0" destOrd="0" presId="urn:microsoft.com/office/officeart/2005/8/layout/chevron2"/>
     <dgm:cxn modelId="{03C4F592-BA6B-4337-A92D-7CBD024FE0B5}" type="presParOf" srcId="{301DE989-1D08-4C95-A38D-A777B5DC0538}" destId="{7979C76B-89C3-4E8D-9BA3-9CC679F297C8}" srcOrd="1" destOrd="0" presId="urn:microsoft.com/office/officeart/2005/8/layout/chevron2"/>
     <dgm:cxn modelId="{61C42485-2A32-4896-A596-BF6C16E02FAA}" type="presParOf" srcId="{A5D0338B-AAE7-4DFB-B785-C8096EFB4AB3}" destId="{3CBF4EC0-1AAE-42DF-AB1E-46FAA9CB1F98}" srcOrd="5" destOrd="0" presId="urn:microsoft.com/office/officeart/2005/8/layout/chevron2"/>
-    <dgm:cxn modelId="{F9722394-79C9-4269-B109-9CB43692D297}" type="presParOf" srcId="{A5D0338B-AAE7-4DFB-B785-C8096EFB4AB3}" destId="{FA9B6E4C-AEF5-4B3B-8126-6D428544D83E}" srcOrd="6" destOrd="0" presId="urn:microsoft.com/office/officeart/2005/8/layout/chevron2"/>
-    <dgm:cxn modelId="{D63C2B72-79D6-4CEE-A77A-60BC459F566A}" type="presParOf" srcId="{FA9B6E4C-AEF5-4B3B-8126-6D428544D83E}" destId="{05D4A352-BC4E-4240-9327-1BF826B3936D}" srcOrd="0" destOrd="0" presId="urn:microsoft.com/office/officeart/2005/8/layout/chevron2"/>
-    <dgm:cxn modelId="{B1C967A7-05D1-40D7-9694-13CF8FC2EAC9}" type="presParOf" srcId="{FA9B6E4C-AEF5-4B3B-8126-6D428544D83E}" destId="{C6418941-44A6-4CA8-8EF8-D5E255BB6ACC}" srcOrd="1" destOrd="0" presId="urn:microsoft.com/office/officeart/2005/8/layout/chevron2"/>
-    <dgm:cxn modelId="{59B2D298-955B-4B9C-8CE4-8724180936E6}" type="presParOf" srcId="{A5D0338B-AAE7-4DFB-B785-C8096EFB4AB3}" destId="{BCA566E2-A6F8-4E95-986B-E1A9DB7B8761}" srcOrd="7" destOrd="0" presId="urn:microsoft.com/office/officeart/2005/8/layout/chevron2"/>
-    <dgm:cxn modelId="{EB1C8970-3333-4232-91DA-8B0B8667731B}" type="presParOf" srcId="{A5D0338B-AAE7-4DFB-B785-C8096EFB4AB3}" destId="{3AAB5794-C66B-4E6F-B368-51E719E54758}" srcOrd="8" destOrd="0" presId="urn:microsoft.com/office/officeart/2005/8/layout/chevron2"/>
+    <dgm:cxn modelId="{EB1C8970-3333-4232-91DA-8B0B8667731B}" type="presParOf" srcId="{A5D0338B-AAE7-4DFB-B785-C8096EFB4AB3}" destId="{3AAB5794-C66B-4E6F-B368-51E719E54758}" srcOrd="6" destOrd="0" presId="urn:microsoft.com/office/officeart/2005/8/layout/chevron2"/>
     <dgm:cxn modelId="{83BF59E5-C08A-4818-AD3B-A50F8EDA1950}" type="presParOf" srcId="{3AAB5794-C66B-4E6F-B368-51E719E54758}" destId="{0C419DF9-CA91-4238-A70E-2AC8126BDBF6}" srcOrd="0" destOrd="0" presId="urn:microsoft.com/office/officeart/2005/8/layout/chevron2"/>
     <dgm:cxn modelId="{0F7A6C9D-6025-449F-A232-D3C33733632B}" type="presParOf" srcId="{3AAB5794-C66B-4E6F-B368-51E719E54758}" destId="{3BCA21FE-DC26-4269-9DD6-33079E003228}" srcOrd="1" destOrd="0" presId="urn:microsoft.com/office/officeart/2005/8/layout/chevron2"/>
   </dgm:cxnLst>
@@ -1512,8 +1474,8 @@
       </dsp:nvSpPr>
       <dsp:spPr>
         <a:xfrm rot="5400000">
-          <a:off x="-228649" y="248515"/>
-          <a:ext cx="1776354" cy="1296183"/>
+          <a:off x="-284883" y="307113"/>
+          <a:ext cx="2213231" cy="1614965"/>
         </a:xfrm>
         <a:prstGeom prst="chevron">
           <a:avLst/>
@@ -1526,7 +1488,7 @@
             <a:alphaOff val="0"/>
           </a:schemeClr>
         </a:solidFill>
-        <a:ln w="12700" cap="flat" cmpd="sng" algn="ctr">
+        <a:ln w="15875" cap="rnd" cmpd="sng" algn="ctr">
           <a:solidFill>
             <a:schemeClr val="accent1">
               <a:hueOff val="0"/>
@@ -1536,7 +1498,6 @@
             </a:schemeClr>
           </a:solidFill>
           <a:prstDash val="solid"/>
-          <a:miter lim="800000"/>
         </a:ln>
         <a:effectLst/>
       </dsp:spPr>
@@ -1555,12 +1516,12 @@
         </a:fontRef>
       </dsp:style>
       <dsp:txBody>
-        <a:bodyPr spcFirstLastPara="0" vert="horz" wrap="square" lIns="10160" tIns="10160" rIns="10160" bIns="10160" numCol="1" spcCol="1270" anchor="ctr" anchorCtr="0">
+        <a:bodyPr spcFirstLastPara="0" vert="horz" wrap="square" lIns="11430" tIns="11430" rIns="11430" bIns="11430" numCol="1" spcCol="1270" anchor="ctr" anchorCtr="0">
           <a:noAutofit/>
         </a:bodyPr>
         <a:lstStyle/>
         <a:p>
-          <a:pPr lvl="0" algn="ctr" defTabSz="711200">
+          <a:pPr lvl="0" algn="ctr" defTabSz="800100">
             <a:lnSpc>
               <a:spcPct val="90000"/>
             </a:lnSpc>
@@ -1572,15 +1533,15 @@
             </a:spcAft>
           </a:pPr>
           <a:r>
-            <a:rPr lang="en-US" sz="1600" kern="1200" smtClean="0"/>
-            <a:t>Faster Time to Market</a:t>
+            <a:rPr lang="en-US" sz="1800" kern="1200" smtClean="0"/>
+            <a:t>Increase Revenue</a:t>
           </a:r>
-          <a:endParaRPr lang="en-US" sz="1600" kern="1200"/>
+          <a:endParaRPr lang="en-US" sz="1800" kern="1200"/>
         </a:p>
       </dsp:txBody>
       <dsp:txXfrm rot="-5400000">
-        <a:off x="11437" y="656522"/>
-        <a:ext cx="1296183" cy="480171"/>
+        <a:off x="14251" y="815463"/>
+        <a:ext cx="1614965" cy="598266"/>
       </dsp:txXfrm>
     </dsp:sp>
     <dsp:sp modelId="{31AE70CE-6AD7-4AD7-93E6-0A9D4B1D89F0}">
@@ -1590,8 +1551,8 @@
       </dsp:nvSpPr>
       <dsp:spPr>
         <a:xfrm rot="5400000">
-          <a:off x="7294396" y="-6037764"/>
-          <a:ext cx="1154630" cy="13230159"/>
+          <a:off x="7308560" y="-5742873"/>
+          <a:ext cx="1438600" cy="12924346"/>
         </a:xfrm>
         <a:prstGeom prst="round2SameRect">
           <a:avLst/>
@@ -1605,7 +1566,7 @@
             <a:alphaOff val="0"/>
           </a:schemeClr>
         </a:solidFill>
-        <a:ln w="12700" cap="flat" cmpd="sng" algn="ctr">
+        <a:ln w="15875" cap="rnd" cmpd="sng" algn="ctr">
           <a:solidFill>
             <a:schemeClr val="accent1">
               <a:hueOff val="0"/>
@@ -1615,7 +1576,6 @@
             </a:schemeClr>
           </a:solidFill>
           <a:prstDash val="solid"/>
-          <a:miter lim="800000"/>
         </a:ln>
         <a:effectLst/>
       </dsp:spPr>
@@ -1632,12 +1592,12 @@
         <a:fontRef idx="minor"/>
       </dsp:style>
       <dsp:txBody>
-        <a:bodyPr spcFirstLastPara="0" vert="horz" wrap="square" lIns="170688" tIns="15240" rIns="15240" bIns="15240" numCol="1" spcCol="1270" anchor="ctr" anchorCtr="0">
+        <a:bodyPr spcFirstLastPara="0" vert="horz" wrap="square" lIns="120904" tIns="10795" rIns="10795" bIns="10795" numCol="1" spcCol="1270" anchor="ctr" anchorCtr="0">
           <a:noAutofit/>
         </a:bodyPr>
         <a:lstStyle/>
         <a:p>
-          <a:pPr marL="228600" lvl="1" indent="-228600" algn="l" defTabSz="1066800">
+          <a:pPr marL="171450" lvl="1" indent="-171450" algn="l" defTabSz="755650">
             <a:lnSpc>
               <a:spcPct val="90000"/>
             </a:lnSpc>
@@ -1650,15 +1610,19 @@
             <a:buChar char="••"/>
           </a:pPr>
           <a:r>
-            <a:rPr lang="en-US" sz="2400" kern="1200" smtClean="0"/>
-            <a:t>CI/CD enables rapid and frequent releases, allowing businesses to deliver new features and updates to customers quickly. This helps in staying ahead of the competition and meeting customer demands.</a:t>
+            <a:rPr lang="en-US" sz="1700" kern="1200" smtClean="0"/>
+            <a:t>CI/CD enables rapid and frequent releases, allowing businesses to deliver new features and updates to customers quickly. This helps </a:t>
           </a:r>
-          <a:endParaRPr lang="en-US" sz="2400" kern="1200"/>
+          <a:r>
+            <a:rPr lang="en-US" sz="1700" kern="1200" smtClean="0"/>
+            <a:t>in attracting more customers and increase revenue for application</a:t>
+          </a:r>
+          <a:endParaRPr lang="en-US" sz="1700" kern="1200"/>
         </a:p>
       </dsp:txBody>
       <dsp:txXfrm rot="-5400000">
-        <a:off x="1256632" y="56364"/>
-        <a:ext cx="13173795" cy="1041902"/>
+        <a:off x="1565688" y="70226"/>
+        <a:ext cx="12854119" cy="1298146"/>
       </dsp:txXfrm>
     </dsp:sp>
     <dsp:sp modelId="{BD105D74-8BA9-4BCB-BFA2-9BD56117AC5C}">
@@ -1668,8 +1632,8 @@
       </dsp:nvSpPr>
       <dsp:spPr>
         <a:xfrm rot="5400000">
-          <a:off x="-228649" y="1912246"/>
-          <a:ext cx="1776354" cy="1296183"/>
+          <a:off x="-284883" y="2380023"/>
+          <a:ext cx="2213231" cy="1614965"/>
         </a:xfrm>
         <a:prstGeom prst="chevron">
           <a:avLst/>
@@ -1682,7 +1646,7 @@
             <a:alphaOff val="0"/>
           </a:schemeClr>
         </a:solidFill>
-        <a:ln w="12700" cap="flat" cmpd="sng" algn="ctr">
+        <a:ln w="15875" cap="rnd" cmpd="sng" algn="ctr">
           <a:solidFill>
             <a:schemeClr val="accent1">
               <a:hueOff val="0"/>
@@ -1692,7 +1656,6 @@
             </a:schemeClr>
           </a:solidFill>
           <a:prstDash val="solid"/>
-          <a:miter lim="800000"/>
         </a:ln>
         <a:effectLst/>
       </dsp:spPr>
@@ -1711,12 +1674,12 @@
         </a:fontRef>
       </dsp:style>
       <dsp:txBody>
-        <a:bodyPr spcFirstLastPara="0" vert="horz" wrap="square" lIns="10160" tIns="10160" rIns="10160" bIns="10160" numCol="1" spcCol="1270" anchor="ctr" anchorCtr="0">
+        <a:bodyPr spcFirstLastPara="0" vert="horz" wrap="square" lIns="11430" tIns="11430" rIns="11430" bIns="11430" numCol="1" spcCol="1270" anchor="ctr" anchorCtr="0">
           <a:noAutofit/>
         </a:bodyPr>
         <a:lstStyle/>
         <a:p>
-          <a:pPr lvl="0" algn="ctr" defTabSz="711200">
+          <a:pPr lvl="0" algn="ctr" defTabSz="800100">
             <a:lnSpc>
               <a:spcPct val="90000"/>
             </a:lnSpc>
@@ -1728,15 +1691,15 @@
             </a:spcAft>
           </a:pPr>
           <a:r>
-            <a:rPr lang="en-US" sz="1600" kern="1200" smtClean="0"/>
-            <a:t>Improved Quality</a:t>
+            <a:rPr lang="en-US" sz="1800" kern="1200" smtClean="0"/>
+            <a:t>Protect Revenue</a:t>
           </a:r>
-          <a:endParaRPr lang="en-US" sz="1600" kern="1200"/>
+          <a:endParaRPr lang="en-US" sz="1800" kern="1200"/>
         </a:p>
       </dsp:txBody>
       <dsp:txXfrm rot="-5400000">
-        <a:off x="11437" y="2320253"/>
-        <a:ext cx="1296183" cy="480171"/>
+        <a:off x="14251" y="2888373"/>
+        <a:ext cx="1614965" cy="598266"/>
       </dsp:txXfrm>
     </dsp:sp>
     <dsp:sp modelId="{D5A0A093-095B-4AC6-B999-97365E08C8BB}">
@@ -1746,8 +1709,8 @@
       </dsp:nvSpPr>
       <dsp:spPr>
         <a:xfrm rot="5400000">
-          <a:off x="7294396" y="-4365159"/>
-          <a:ext cx="1154630" cy="13230159"/>
+          <a:off x="7308560" y="-3661429"/>
+          <a:ext cx="1438600" cy="12924346"/>
         </a:xfrm>
         <a:prstGeom prst="round2SameRect">
           <a:avLst/>
@@ -1761,7 +1724,7 @@
             <a:alphaOff val="0"/>
           </a:schemeClr>
         </a:solidFill>
-        <a:ln w="12700" cap="flat" cmpd="sng" algn="ctr">
+        <a:ln w="15875" cap="rnd" cmpd="sng" algn="ctr">
           <a:solidFill>
             <a:schemeClr val="accent1">
               <a:hueOff val="0"/>
@@ -1771,7 +1734,6 @@
             </a:schemeClr>
           </a:solidFill>
           <a:prstDash val="solid"/>
-          <a:miter lim="800000"/>
         </a:ln>
         <a:effectLst/>
       </dsp:spPr>
@@ -1788,12 +1750,12 @@
         <a:fontRef idx="minor"/>
       </dsp:style>
       <dsp:txBody>
-        <a:bodyPr spcFirstLastPara="0" vert="horz" wrap="square" lIns="170688" tIns="15240" rIns="15240" bIns="15240" numCol="1" spcCol="1270" anchor="ctr" anchorCtr="0">
+        <a:bodyPr spcFirstLastPara="0" vert="horz" wrap="square" lIns="120904" tIns="10795" rIns="10795" bIns="10795" numCol="1" spcCol="1270" anchor="ctr" anchorCtr="0">
           <a:noAutofit/>
         </a:bodyPr>
         <a:lstStyle/>
         <a:p>
-          <a:pPr marL="228600" lvl="1" indent="-228600" algn="l" defTabSz="1066800">
+          <a:pPr marL="171450" lvl="1" indent="-171450" algn="l" defTabSz="755650">
             <a:lnSpc>
               <a:spcPct val="90000"/>
             </a:lnSpc>
@@ -1806,15 +1768,38 @@
             <a:buChar char="••"/>
           </a:pPr>
           <a:r>
-            <a:rPr lang="en-US" sz="2400" kern="1200" smtClean="0"/>
-            <a:t>By automating the build and test processes, CI/CD ensures that every code change is thoroughly tested before deployment. This reduces the chances of introducing bugs or issues into the production environment, leading to higher quality software.</a:t>
+            <a:rPr lang="en-US" sz="1700" kern="1200" smtClean="0"/>
+            <a:t>By automating the build and test processes, CI/CD ensures that every code change is thoroughly tested before deployment. This reduces the chances of introducing bugs or issues into the production </a:t>
           </a:r>
-          <a:endParaRPr lang="en-US" sz="2400" kern="1200"/>
+          <a:r>
+            <a:rPr lang="en-US" sz="1700" kern="1200" smtClean="0"/>
+            <a:t>environment to make sure that couldn’t damage to company’s reputation and revenue.</a:t>
+          </a:r>
+          <a:endParaRPr lang="en-US" sz="1700" kern="1200"/>
+        </a:p>
+        <a:p>
+          <a:pPr marL="171450" lvl="1" indent="-171450" algn="l" defTabSz="755650">
+            <a:lnSpc>
+              <a:spcPct val="90000"/>
+            </a:lnSpc>
+            <a:spcBef>
+              <a:spcPct val="0"/>
+            </a:spcBef>
+            <a:spcAft>
+              <a:spcPct val="15000"/>
+            </a:spcAft>
+            <a:buChar char="••"/>
+          </a:pPr>
+          <a:r>
+            <a:rPr lang="en-US" sz="1700" kern="1200" smtClean="0"/>
+            <a:t>With CI/CD, smaller code changes are continuously deployed, reducing the risk associated with large, infrequent releases. If any issues arise, they can be quickly identified and addressed, minimizing the impact on users.</a:t>
+          </a:r>
+          <a:endParaRPr lang="en-US" sz="1700" kern="1200"/>
         </a:p>
       </dsp:txBody>
       <dsp:txXfrm rot="-5400000">
-        <a:off x="1256632" y="1728969"/>
-        <a:ext cx="13173795" cy="1041902"/>
+        <a:off x="1565688" y="2151670"/>
+        <a:ext cx="12854119" cy="1298146"/>
       </dsp:txXfrm>
     </dsp:sp>
     <dsp:sp modelId="{6AA46873-90FE-49D9-A9D8-20DCBB2A2C16}">
@@ -1824,8 +1809,8 @@
       </dsp:nvSpPr>
       <dsp:spPr>
         <a:xfrm rot="5400000">
-          <a:off x="-228649" y="3575978"/>
-          <a:ext cx="1776354" cy="1296183"/>
+          <a:off x="-284883" y="4452932"/>
+          <a:ext cx="2213231" cy="1614965"/>
         </a:xfrm>
         <a:prstGeom prst="chevron">
           <a:avLst/>
@@ -1838,7 +1823,7 @@
             <a:alphaOff val="0"/>
           </a:schemeClr>
         </a:solidFill>
-        <a:ln w="12700" cap="flat" cmpd="sng" algn="ctr">
+        <a:ln w="15875" cap="rnd" cmpd="sng" algn="ctr">
           <a:solidFill>
             <a:schemeClr val="accent1">
               <a:hueOff val="0"/>
@@ -1848,7 +1833,6 @@
             </a:schemeClr>
           </a:solidFill>
           <a:prstDash val="solid"/>
-          <a:miter lim="800000"/>
         </a:ln>
         <a:effectLst/>
       </dsp:spPr>
@@ -1867,12 +1851,12 @@
         </a:fontRef>
       </dsp:style>
       <dsp:txBody>
-        <a:bodyPr spcFirstLastPara="0" vert="horz" wrap="square" lIns="10160" tIns="10160" rIns="10160" bIns="10160" numCol="1" spcCol="1270" anchor="ctr" anchorCtr="0">
+        <a:bodyPr spcFirstLastPara="0" vert="horz" wrap="square" lIns="11430" tIns="11430" rIns="11430" bIns="11430" numCol="1" spcCol="1270" anchor="ctr" anchorCtr="0">
           <a:noAutofit/>
         </a:bodyPr>
         <a:lstStyle/>
         <a:p>
-          <a:pPr lvl="0" algn="ctr" defTabSz="711200">
+          <a:pPr lvl="0" algn="ctr" defTabSz="800100">
             <a:lnSpc>
               <a:spcPct val="90000"/>
             </a:lnSpc>
@@ -1884,15 +1868,15 @@
             </a:spcAft>
           </a:pPr>
           <a:r>
-            <a:rPr lang="en-US" sz="1600" kern="1200" smtClean="0"/>
+            <a:rPr lang="en-US" sz="1800" kern="1200" smtClean="0"/>
             <a:t>Increased Collaboration</a:t>
           </a:r>
-          <a:endParaRPr lang="en-US" sz="1600" kern="1200"/>
+          <a:endParaRPr lang="en-US" sz="1800" kern="1200"/>
         </a:p>
       </dsp:txBody>
       <dsp:txXfrm rot="-5400000">
-        <a:off x="11437" y="3983985"/>
-        <a:ext cx="1296183" cy="480171"/>
+        <a:off x="14251" y="4961282"/>
+        <a:ext cx="1614965" cy="598266"/>
       </dsp:txXfrm>
     </dsp:sp>
     <dsp:sp modelId="{7979C76B-89C3-4E8D-9BA3-9CC679F297C8}">
@@ -1902,8 +1886,8 @@
       </dsp:nvSpPr>
       <dsp:spPr>
         <a:xfrm rot="5400000">
-          <a:off x="7294396" y="-2701427"/>
-          <a:ext cx="1154630" cy="13230159"/>
+          <a:off x="7308560" y="-1588519"/>
+          <a:ext cx="1438600" cy="12924346"/>
         </a:xfrm>
         <a:prstGeom prst="round2SameRect">
           <a:avLst/>
@@ -1917,7 +1901,7 @@
             <a:alphaOff val="0"/>
           </a:schemeClr>
         </a:solidFill>
-        <a:ln w="12700" cap="flat" cmpd="sng" algn="ctr">
+        <a:ln w="15875" cap="rnd" cmpd="sng" algn="ctr">
           <a:solidFill>
             <a:schemeClr val="accent1">
               <a:hueOff val="0"/>
@@ -1927,7 +1911,6 @@
             </a:schemeClr>
           </a:solidFill>
           <a:prstDash val="solid"/>
-          <a:miter lim="800000"/>
         </a:ln>
         <a:effectLst/>
       </dsp:spPr>
@@ -1944,12 +1927,12 @@
         <a:fontRef idx="minor"/>
       </dsp:style>
       <dsp:txBody>
-        <a:bodyPr spcFirstLastPara="0" vert="horz" wrap="square" lIns="170688" tIns="15240" rIns="15240" bIns="15240" numCol="1" spcCol="1270" anchor="ctr" anchorCtr="0">
+        <a:bodyPr spcFirstLastPara="0" vert="horz" wrap="square" lIns="120904" tIns="10795" rIns="10795" bIns="10795" numCol="1" spcCol="1270" anchor="ctr" anchorCtr="0">
           <a:noAutofit/>
         </a:bodyPr>
         <a:lstStyle/>
         <a:p>
-          <a:pPr marL="228600" lvl="1" indent="-228600" algn="l" defTabSz="1066800">
+          <a:pPr marL="171450" lvl="1" indent="-171450" algn="l" defTabSz="755650">
             <a:lnSpc>
               <a:spcPct val="90000"/>
             </a:lnSpc>
@@ -1962,26 +1945,26 @@
             <a:buChar char="••"/>
           </a:pPr>
           <a:r>
-            <a:rPr lang="en-US" sz="2400" kern="1200" smtClean="0"/>
+            <a:rPr lang="en-US" sz="1700" kern="1200" smtClean="0"/>
             <a:t>CI/CD encourages collaboration among developers by providing a shared repository and automated processes. This leads to better communication, faster feedback loops, and smoother integration of code changes.</a:t>
           </a:r>
-          <a:endParaRPr lang="en-US" sz="2400" kern="1200"/>
+          <a:endParaRPr lang="en-US" sz="1700" kern="1200"/>
         </a:p>
       </dsp:txBody>
       <dsp:txXfrm rot="-5400000">
-        <a:off x="1256632" y="3392701"/>
-        <a:ext cx="13173795" cy="1041902"/>
+        <a:off x="1565688" y="4224580"/>
+        <a:ext cx="12854119" cy="1298146"/>
       </dsp:txXfrm>
     </dsp:sp>
-    <dsp:sp modelId="{05D4A352-BC4E-4240-9327-1BF826B3936D}">
+    <dsp:sp modelId="{0C419DF9-CA91-4238-A70E-2AC8126BDBF6}">
       <dsp:nvSpPr>
         <dsp:cNvPr id="0" name=""/>
         <dsp:cNvSpPr/>
       </dsp:nvSpPr>
       <dsp:spPr>
         <a:xfrm rot="5400000">
-          <a:off x="-253269" y="5240154"/>
-          <a:ext cx="1776354" cy="1296183"/>
+          <a:off x="-348410" y="6559246"/>
+          <a:ext cx="2213231" cy="1549261"/>
         </a:xfrm>
         <a:prstGeom prst="chevron">
           <a:avLst/>
@@ -1994,7 +1977,7 @@
             <a:alphaOff val="0"/>
           </a:schemeClr>
         </a:solidFill>
-        <a:ln w="12700" cap="flat" cmpd="sng" algn="ctr">
+        <a:ln w="15875" cap="rnd" cmpd="sng" algn="ctr">
           <a:solidFill>
             <a:schemeClr val="accent1">
               <a:hueOff val="0"/>
@@ -2004,7 +1987,6 @@
             </a:schemeClr>
           </a:solidFill>
           <a:prstDash val="solid"/>
-          <a:miter lim="800000"/>
         </a:ln>
         <a:effectLst/>
       </dsp:spPr>
@@ -2023,12 +2005,12 @@
         </a:fontRef>
       </dsp:style>
       <dsp:txBody>
-        <a:bodyPr spcFirstLastPara="0" vert="horz" wrap="square" lIns="10160" tIns="10160" rIns="10160" bIns="10160" numCol="1" spcCol="1270" anchor="ctr" anchorCtr="0">
+        <a:bodyPr spcFirstLastPara="0" vert="horz" wrap="square" lIns="11430" tIns="11430" rIns="11430" bIns="11430" numCol="1" spcCol="1270" anchor="ctr" anchorCtr="0">
           <a:noAutofit/>
         </a:bodyPr>
         <a:lstStyle/>
         <a:p>
-          <a:pPr lvl="0" algn="ctr" defTabSz="711200">
+          <a:pPr lvl="0" algn="ctr" defTabSz="800100">
             <a:lnSpc>
               <a:spcPct val="90000"/>
             </a:lnSpc>
@@ -2040,26 +2022,26 @@
             </a:spcAft>
           </a:pPr>
           <a:r>
-            <a:rPr lang="en-US" sz="1600" kern="1200" smtClean="0"/>
-            <a:t>Reduced Risk</a:t>
+            <a:rPr lang="en-US" sz="1800" kern="1200" smtClean="0"/>
+            <a:t>Avoid Cost</a:t>
           </a:r>
-          <a:endParaRPr lang="en-US" sz="1600" kern="1200"/>
+          <a:endParaRPr lang="en-US" sz="1800" kern="1200"/>
         </a:p>
       </dsp:txBody>
       <dsp:txXfrm rot="-5400000">
-        <a:off x="-13183" y="5648161"/>
-        <a:ext cx="1296183" cy="480171"/>
+        <a:off x="-16424" y="7001892"/>
+        <a:ext cx="1549261" cy="663970"/>
       </dsp:txXfrm>
     </dsp:sp>
-    <dsp:sp modelId="{C6418941-44A6-4CA8-8EF8-D5E255BB6ACC}">
+    <dsp:sp modelId="{3BCA21FE-DC26-4269-9DD6-33079E003228}">
       <dsp:nvSpPr>
         <dsp:cNvPr id="0" name=""/>
         <dsp:cNvSpPr/>
       </dsp:nvSpPr>
       <dsp:spPr>
         <a:xfrm rot="5400000">
-          <a:off x="7294396" y="-1037696"/>
-          <a:ext cx="1154630" cy="13230159"/>
+          <a:off x="7292134" y="498875"/>
+          <a:ext cx="1438600" cy="12924346"/>
         </a:xfrm>
         <a:prstGeom prst="round2SameRect">
           <a:avLst/>
@@ -2073,7 +2055,7 @@
             <a:alphaOff val="0"/>
           </a:schemeClr>
         </a:solidFill>
-        <a:ln w="12700" cap="flat" cmpd="sng" algn="ctr">
+        <a:ln w="15875" cap="rnd" cmpd="sng" algn="ctr">
           <a:solidFill>
             <a:schemeClr val="accent1">
               <a:hueOff val="0"/>
@@ -2083,7 +2065,6 @@
             </a:schemeClr>
           </a:solidFill>
           <a:prstDash val="solid"/>
-          <a:miter lim="800000"/>
         </a:ln>
         <a:effectLst/>
       </dsp:spPr>
@@ -2100,12 +2081,12 @@
         <a:fontRef idx="minor"/>
       </dsp:style>
       <dsp:txBody>
-        <a:bodyPr spcFirstLastPara="0" vert="horz" wrap="square" lIns="170688" tIns="15240" rIns="15240" bIns="15240" numCol="1" spcCol="1270" anchor="ctr" anchorCtr="0">
+        <a:bodyPr spcFirstLastPara="0" vert="horz" wrap="square" lIns="120904" tIns="10795" rIns="10795" bIns="10795" numCol="1" spcCol="1270" anchor="ctr" anchorCtr="0">
           <a:noAutofit/>
         </a:bodyPr>
         <a:lstStyle/>
         <a:p>
-          <a:pPr marL="228600" lvl="1" indent="-228600" algn="l" defTabSz="1066800">
+          <a:pPr marL="171450" lvl="1" indent="-171450" algn="l" defTabSz="755650">
             <a:lnSpc>
               <a:spcPct val="90000"/>
             </a:lnSpc>
@@ -2118,171 +2099,15 @@
             <a:buChar char="••"/>
           </a:pPr>
           <a:r>
-            <a:rPr lang="en-US" sz="2400" kern="1200" smtClean="0"/>
-            <a:t>With CI/CD, smaller code changes are continuously deployed, reducing the risk associated with large, infrequent releases. If any issues arise, they can be quickly identified and addressed, minimizing the impact on users.</a:t>
+            <a:rPr lang="en-US" sz="1700" kern="1200" smtClean="0"/>
+            <a:t>CI/CD helps in automating repetitive tasks, such as building and testing, which saves time and reduces manual effort. This leads to cost savings and allows developers to focus on more valuable tasks.</a:t>
           </a:r>
-          <a:endParaRPr lang="en-US" sz="2400" kern="1200"/>
+          <a:endParaRPr lang="en-US" sz="1700" kern="1200"/>
         </a:p>
       </dsp:txBody>
       <dsp:txXfrm rot="-5400000">
-        <a:off x="1256632" y="5056432"/>
-        <a:ext cx="13173795" cy="1041902"/>
-      </dsp:txXfrm>
-    </dsp:sp>
-    <dsp:sp modelId="{0C419DF9-CA91-4238-A70E-2AC8126BDBF6}">
-      <dsp:nvSpPr>
-        <dsp:cNvPr id="0" name=""/>
-        <dsp:cNvSpPr/>
-      </dsp:nvSpPr>
-      <dsp:spPr>
-        <a:xfrm rot="5400000">
-          <a:off x="-279636" y="6930252"/>
-          <a:ext cx="1776354" cy="1243448"/>
-        </a:xfrm>
-        <a:prstGeom prst="chevron">
-          <a:avLst/>
-        </a:prstGeom>
-        <a:solidFill>
-          <a:schemeClr val="accent1">
-            <a:hueOff val="0"/>
-            <a:satOff val="0"/>
-            <a:lumOff val="0"/>
-            <a:alphaOff val="0"/>
-          </a:schemeClr>
-        </a:solidFill>
-        <a:ln w="12700" cap="flat" cmpd="sng" algn="ctr">
-          <a:solidFill>
-            <a:schemeClr val="accent1">
-              <a:hueOff val="0"/>
-              <a:satOff val="0"/>
-              <a:lumOff val="0"/>
-              <a:alphaOff val="0"/>
-            </a:schemeClr>
-          </a:solidFill>
-          <a:prstDash val="solid"/>
-          <a:miter lim="800000"/>
-        </a:ln>
-        <a:effectLst/>
-      </dsp:spPr>
-      <dsp:style>
-        <a:lnRef idx="2">
-          <a:scrgbClr r="0" g="0" b="0"/>
-        </a:lnRef>
-        <a:fillRef idx="1">
-          <a:scrgbClr r="0" g="0" b="0"/>
-        </a:fillRef>
-        <a:effectRef idx="0">
-          <a:scrgbClr r="0" g="0" b="0"/>
-        </a:effectRef>
-        <a:fontRef idx="minor">
-          <a:schemeClr val="lt1"/>
-        </a:fontRef>
-      </dsp:style>
-      <dsp:txBody>
-        <a:bodyPr spcFirstLastPara="0" vert="horz" wrap="square" lIns="10160" tIns="10160" rIns="10160" bIns="10160" numCol="1" spcCol="1270" anchor="ctr" anchorCtr="0">
-          <a:noAutofit/>
-        </a:bodyPr>
-        <a:lstStyle/>
-        <a:p>
-          <a:pPr lvl="0" algn="ctr" defTabSz="711200">
-            <a:lnSpc>
-              <a:spcPct val="90000"/>
-            </a:lnSpc>
-            <a:spcBef>
-              <a:spcPct val="0"/>
-            </a:spcBef>
-            <a:spcAft>
-              <a:spcPct val="35000"/>
-            </a:spcAft>
-          </a:pPr>
-          <a:r>
-            <a:rPr lang="en-US" sz="1600" kern="1200" smtClean="0"/>
-            <a:t>Cost Efficiency</a:t>
-          </a:r>
-          <a:endParaRPr lang="en-US" sz="1600" kern="1200"/>
-        </a:p>
-      </dsp:txBody>
-      <dsp:txXfrm rot="-5400000">
-        <a:off x="-13183" y="7285523"/>
-        <a:ext cx="1243448" cy="532906"/>
-      </dsp:txXfrm>
-    </dsp:sp>
-    <dsp:sp modelId="{3BCA21FE-DC26-4269-9DD6-33079E003228}">
-      <dsp:nvSpPr>
-        <dsp:cNvPr id="0" name=""/>
-        <dsp:cNvSpPr/>
-      </dsp:nvSpPr>
-      <dsp:spPr>
-        <a:xfrm rot="5400000">
-          <a:off x="7281212" y="637662"/>
-          <a:ext cx="1154630" cy="13230159"/>
-        </a:xfrm>
-        <a:prstGeom prst="round2SameRect">
-          <a:avLst/>
-        </a:prstGeom>
-        <a:solidFill>
-          <a:schemeClr val="lt1">
-            <a:alpha val="90000"/>
-            <a:hueOff val="0"/>
-            <a:satOff val="0"/>
-            <a:lumOff val="0"/>
-            <a:alphaOff val="0"/>
-          </a:schemeClr>
-        </a:solidFill>
-        <a:ln w="12700" cap="flat" cmpd="sng" algn="ctr">
-          <a:solidFill>
-            <a:schemeClr val="accent1">
-              <a:hueOff val="0"/>
-              <a:satOff val="0"/>
-              <a:lumOff val="0"/>
-              <a:alphaOff val="0"/>
-            </a:schemeClr>
-          </a:solidFill>
-          <a:prstDash val="solid"/>
-          <a:miter lim="800000"/>
-        </a:ln>
-        <a:effectLst/>
-      </dsp:spPr>
-      <dsp:style>
-        <a:lnRef idx="2">
-          <a:scrgbClr r="0" g="0" b="0"/>
-        </a:lnRef>
-        <a:fillRef idx="1">
-          <a:scrgbClr r="0" g="0" b="0"/>
-        </a:fillRef>
-        <a:effectRef idx="0">
-          <a:scrgbClr r="0" g="0" b="0"/>
-        </a:effectRef>
-        <a:fontRef idx="minor"/>
-      </dsp:style>
-      <dsp:txBody>
-        <a:bodyPr spcFirstLastPara="0" vert="horz" wrap="square" lIns="170688" tIns="15240" rIns="15240" bIns="15240" numCol="1" spcCol="1270" anchor="ctr" anchorCtr="0">
-          <a:noAutofit/>
-        </a:bodyPr>
-        <a:lstStyle/>
-        <a:p>
-          <a:pPr marL="228600" lvl="1" indent="-228600" algn="l" defTabSz="1066800">
-            <a:lnSpc>
-              <a:spcPct val="90000"/>
-            </a:lnSpc>
-            <a:spcBef>
-              <a:spcPct val="0"/>
-            </a:spcBef>
-            <a:spcAft>
-              <a:spcPct val="15000"/>
-            </a:spcAft>
-            <a:buChar char="••"/>
-          </a:pPr>
-          <a:r>
-            <a:rPr lang="en-US" sz="2400" kern="1200" smtClean="0"/>
-            <a:t>CI/CD helps in automating repetitive tasks, such as building and testing, which saves time and reduces manual effort. This leads to cost savings and allows developers to focus on more valuable tasks.</a:t>
-          </a:r>
-          <a:endParaRPr lang="en-US" sz="2400" kern="1200"/>
-        </a:p>
-      </dsp:txBody>
-      <dsp:txXfrm rot="-5400000">
-        <a:off x="1243448" y="6731790"/>
-        <a:ext cx="13173795" cy="1041902"/>
+        <a:off x="1549262" y="6311975"/>
+        <a:ext cx="12854119" cy="1298146"/>
       </dsp:txXfrm>
     </dsp:sp>
   </dsp:spTree>
@@ -3661,7 +3486,7 @@
           <a:p>
             <a:fld id="{A2BF3456-A29E-41FE-BFB7-B24F24BEE47B}" type="datetimeFigureOut">
               <a:rPr lang="cs-CZ" smtClean="0"/>
-              <a:t>24.07.2023</a:t>
+              <a:t>20.08.2023</a:t>
             </a:fld>
             <a:endParaRPr lang="cs-CZ"/>
           </a:p>
@@ -4042,15 +3867,17 @@
         </p:nvSpPr>
         <p:spPr>
           <a:xfrm>
-            <a:off x="2376289" y="1750055"/>
-            <a:ext cx="14257735" cy="3722887"/>
+            <a:off x="4037218" y="3920914"/>
+            <a:ext cx="13901290" cy="3528262"/>
           </a:xfrm>
         </p:spPr>
         <p:txBody>
-          <a:bodyPr anchor="b"/>
+          <a:bodyPr anchor="b">
+            <a:normAutofit/>
+          </a:bodyPr>
           <a:lstStyle>
-            <a:lvl1pPr algn="ctr">
-              <a:defRPr sz="9355"/>
+            <a:lvl1pPr>
+              <a:defRPr sz="8420"/>
             </a:lvl1pPr>
           </a:lstStyle>
           <a:p>
@@ -4074,48 +3901,103 @@
         </p:nvSpPr>
         <p:spPr>
           <a:xfrm>
-            <a:off x="2376289" y="5616511"/>
-            <a:ext cx="14257735" cy="2581762"/>
+            <a:off x="4037218" y="7449173"/>
+            <a:ext cx="13901290" cy="1756167"/>
           </a:xfrm>
         </p:spPr>
         <p:txBody>
-          <a:bodyPr/>
+          <a:bodyPr anchor="t"/>
           <a:lstStyle>
-            <a:lvl1pPr marL="0" indent="0" algn="ctr">
+            <a:lvl1pPr marL="0" indent="0" algn="l">
               <a:buNone/>
-              <a:defRPr sz="3742"/>
+              <a:defRPr>
+                <a:solidFill>
+                  <a:schemeClr val="tx1">
+                    <a:lumMod val="65000"/>
+                    <a:lumOff val="35000"/>
+                  </a:schemeClr>
+                </a:solidFill>
+              </a:defRPr>
             </a:lvl1pPr>
             <a:lvl2pPr marL="712866" indent="0" algn="ctr">
               <a:buNone/>
-              <a:defRPr sz="3118"/>
+              <a:defRPr>
+                <a:solidFill>
+                  <a:schemeClr val="tx1">
+                    <a:tint val="75000"/>
+                  </a:schemeClr>
+                </a:solidFill>
+              </a:defRPr>
             </a:lvl2pPr>
             <a:lvl3pPr marL="1425732" indent="0" algn="ctr">
               <a:buNone/>
-              <a:defRPr sz="2807"/>
+              <a:defRPr>
+                <a:solidFill>
+                  <a:schemeClr val="tx1">
+                    <a:tint val="75000"/>
+                  </a:schemeClr>
+                </a:solidFill>
+              </a:defRPr>
             </a:lvl3pPr>
             <a:lvl4pPr marL="2138599" indent="0" algn="ctr">
               <a:buNone/>
-              <a:defRPr sz="2495"/>
+              <a:defRPr>
+                <a:solidFill>
+                  <a:schemeClr val="tx1">
+                    <a:tint val="75000"/>
+                  </a:schemeClr>
+                </a:solidFill>
+              </a:defRPr>
             </a:lvl4pPr>
             <a:lvl5pPr marL="2851465" indent="0" algn="ctr">
               <a:buNone/>
-              <a:defRPr sz="2495"/>
+              <a:defRPr>
+                <a:solidFill>
+                  <a:schemeClr val="tx1">
+                    <a:tint val="75000"/>
+                  </a:schemeClr>
+                </a:solidFill>
+              </a:defRPr>
             </a:lvl5pPr>
             <a:lvl6pPr marL="3564331" indent="0" algn="ctr">
               <a:buNone/>
-              <a:defRPr sz="2495"/>
+              <a:defRPr>
+                <a:solidFill>
+                  <a:schemeClr val="tx1">
+                    <a:tint val="75000"/>
+                  </a:schemeClr>
+                </a:solidFill>
+              </a:defRPr>
             </a:lvl6pPr>
             <a:lvl7pPr marL="4277197" indent="0" algn="ctr">
               <a:buNone/>
-              <a:defRPr sz="2495"/>
+              <a:defRPr>
+                <a:solidFill>
+                  <a:schemeClr val="tx1">
+                    <a:tint val="75000"/>
+                  </a:schemeClr>
+                </a:solidFill>
+              </a:defRPr>
             </a:lvl7pPr>
             <a:lvl8pPr marL="4990064" indent="0" algn="ctr">
               <a:buNone/>
-              <a:defRPr sz="2495"/>
+              <a:defRPr>
+                <a:solidFill>
+                  <a:schemeClr val="tx1">
+                    <a:tint val="75000"/>
+                  </a:schemeClr>
+                </a:solidFill>
+              </a:defRPr>
             </a:lvl8pPr>
             <a:lvl9pPr marL="5702930" indent="0" algn="ctr">
               <a:buNone/>
-              <a:defRPr sz="2495"/>
+              <a:defRPr>
+                <a:solidFill>
+                  <a:schemeClr val="tx1">
+                    <a:tint val="75000"/>
+                  </a:schemeClr>
+                </a:solidFill>
+              </a:defRPr>
             </a:lvl9pPr>
           </a:lstStyle>
           <a:p>
@@ -4144,7 +4026,7 @@
           <a:p>
             <a:fld id="{1D8BD707-D9CF-40AE-B4C6-C98DA3205C09}" type="datetimeFigureOut">
               <a:rPr lang="en-US" smtClean="0"/>
-              <a:t>7/24/2023</a:t>
+              <a:t>8/20/2023</a:t>
             </a:fld>
             <a:endParaRPr lang="en-US" dirty="0"/>
           </a:p>
@@ -4171,6 +4053,88 @@
       </p:sp>
       <p:sp>
         <p:nvSpPr>
+          <p:cNvPr id="7" name="Freeform 6"/>
+          <p:cNvSpPr/>
+          <p:nvPr/>
+        </p:nvSpPr>
+        <p:spPr bwMode="auto">
+          <a:xfrm>
+            <a:off x="0" y="6741942"/>
+            <a:ext cx="2720340" cy="1214022"/>
+          </a:xfrm>
+          <a:custGeom>
+            <a:avLst/>
+            <a:gdLst/>
+            <a:ahLst/>
+            <a:cxnLst/>
+            <a:rect l="0" t="0" r="r" b="b"/>
+            <a:pathLst>
+              <a:path w="372" h="166">
+                <a:moveTo>
+                  <a:pt x="287" y="166"/>
+                </a:moveTo>
+                <a:cubicBezTo>
+                  <a:pt x="290" y="166"/>
+                  <a:pt x="292" y="165"/>
+                  <a:pt x="293" y="164"/>
+                </a:cubicBezTo>
+                <a:cubicBezTo>
+                  <a:pt x="293" y="163"/>
+                  <a:pt x="294" y="163"/>
+                  <a:pt x="294" y="163"/>
+                </a:cubicBezTo>
+                <a:cubicBezTo>
+                  <a:pt x="370" y="87"/>
+                  <a:pt x="370" y="87"/>
+                  <a:pt x="370" y="87"/>
+                </a:cubicBezTo>
+                <a:cubicBezTo>
+                  <a:pt x="372" y="85"/>
+                  <a:pt x="372" y="81"/>
+                  <a:pt x="370" y="78"/>
+                </a:cubicBezTo>
+                <a:cubicBezTo>
+                  <a:pt x="294" y="3"/>
+                  <a:pt x="294" y="3"/>
+                  <a:pt x="294" y="3"/>
+                </a:cubicBezTo>
+                <a:cubicBezTo>
+                  <a:pt x="294" y="2"/>
+                  <a:pt x="293" y="2"/>
+                  <a:pt x="293" y="2"/>
+                </a:cubicBezTo>
+                <a:cubicBezTo>
+                  <a:pt x="292" y="1"/>
+                  <a:pt x="290" y="0"/>
+                  <a:pt x="287" y="0"/>
+                </a:cubicBezTo>
+                <a:cubicBezTo>
+                  <a:pt x="0" y="0"/>
+                  <a:pt x="0" y="0"/>
+                  <a:pt x="0" y="0"/>
+                </a:cubicBezTo>
+                <a:cubicBezTo>
+                  <a:pt x="0" y="166"/>
+                  <a:pt x="0" y="166"/>
+                  <a:pt x="0" y="166"/>
+                </a:cubicBezTo>
+                <a:lnTo>
+                  <a:pt x="287" y="166"/>
+                </a:lnTo>
+                <a:close/>
+              </a:path>
+            </a:pathLst>
+          </a:custGeom>
+          <a:solidFill>
+            <a:schemeClr val="accent1"/>
+          </a:solidFill>
+          <a:ln>
+            <a:noFill/>
+          </a:ln>
+        </p:spPr>
+      </p:sp>
+      <p:sp>
+        <p:nvSpPr>
           <p:cNvPr id="6" name="Slide Number Placeholder 5"/>
           <p:cNvSpPr>
             <a:spLocks noGrp="1"/>
@@ -4179,7 +4143,12 @@
             <p:ph type="sldNum" sz="quarter" idx="12"/>
           </p:nvPr>
         </p:nvSpPr>
-        <p:spPr/>
+        <p:spPr>
+          <a:xfrm>
+            <a:off x="829226" y="7062728"/>
+            <a:ext cx="1215848" cy="569325"/>
+          </a:xfrm>
+        </p:spPr>
         <p:txBody>
           <a:bodyPr/>
           <a:lstStyle/>
@@ -4195,7 +4164,7 @@
     </p:spTree>
     <p:extLst>
       <p:ext uri="{BB962C8B-B14F-4D97-AF65-F5344CB8AC3E}">
-        <p14:creationId xmlns:p14="http://schemas.microsoft.com/office/powerpoint/2010/main" val="3329698922"/>
+        <p14:creationId xmlns:p14="http://schemas.microsoft.com/office/powerpoint/2010/main" val="1022817007"/>
       </p:ext>
     </p:extLst>
   </p:cSld>
@@ -4206,6 +4175,1797 @@
 </file>
 
 <file path=ppt/slideLayouts/slideLayout10.xml><?xml version="1.0" encoding="utf-8"?>
+<p:sldLayout xmlns:a="http://schemas.openxmlformats.org/drawingml/2006/main" xmlns:r="http://schemas.openxmlformats.org/officeDocument/2006/relationships" xmlns:p="http://schemas.openxmlformats.org/presentationml/2006/main" preserve="1">
+  <p:cSld name="Title and Caption">
+    <p:spTree>
+      <p:nvGrpSpPr>
+        <p:cNvPr id="1" name=""/>
+        <p:cNvGrpSpPr/>
+        <p:nvPr/>
+      </p:nvGrpSpPr>
+      <p:grpSpPr>
+        <a:xfrm>
+          <a:off x="0" y="0"/>
+          <a:ext cx="0" cy="0"/>
+          <a:chOff x="0" y="0"/>
+          <a:chExt cx="0" cy="0"/>
+        </a:xfrm>
+      </p:grpSpPr>
+      <p:sp>
+        <p:nvSpPr>
+          <p:cNvPr id="2" name="Title 1"/>
+          <p:cNvSpPr>
+            <a:spLocks noGrp="1"/>
+          </p:cNvSpPr>
+          <p:nvPr>
+            <p:ph type="title"/>
+          </p:nvPr>
+        </p:nvSpPr>
+        <p:spPr>
+          <a:xfrm>
+            <a:off x="4037216" y="950525"/>
+            <a:ext cx="13901290" cy="4860273"/>
+          </a:xfrm>
+        </p:spPr>
+        <p:txBody>
+          <a:bodyPr anchor="ctr">
+            <a:normAutofit/>
+          </a:bodyPr>
+          <a:lstStyle>
+            <a:lvl1pPr algn="l">
+              <a:defRPr sz="7484" b="0" cap="none"/>
+            </a:lvl1pPr>
+          </a:lstStyle>
+          <a:p>
+            <a:r>
+              <a:rPr lang="en-US" smtClean="0"/>
+              <a:t>Click to edit Master title style</a:t>
+            </a:r>
+            <a:endParaRPr lang="en-US" dirty="0"/>
+          </a:p>
+        </p:txBody>
+      </p:sp>
+      <p:sp>
+        <p:nvSpPr>
+          <p:cNvPr id="3" name="Text Placeholder 2"/>
+          <p:cNvSpPr>
+            <a:spLocks noGrp="1"/>
+          </p:cNvSpPr>
+          <p:nvPr>
+            <p:ph type="body" idx="1"/>
+          </p:nvPr>
+        </p:nvSpPr>
+        <p:spPr>
+          <a:xfrm>
+            <a:off x="4037216" y="6789087"/>
+            <a:ext cx="13901290" cy="2425995"/>
+          </a:xfrm>
+        </p:spPr>
+        <p:txBody>
+          <a:bodyPr anchor="ctr">
+            <a:normAutofit/>
+          </a:bodyPr>
+          <a:lstStyle>
+            <a:lvl1pPr marL="0" indent="0" algn="l">
+              <a:buNone/>
+              <a:defRPr sz="2807">
+                <a:solidFill>
+                  <a:schemeClr val="tx1">
+                    <a:lumMod val="65000"/>
+                    <a:lumOff val="35000"/>
+                  </a:schemeClr>
+                </a:solidFill>
+              </a:defRPr>
+            </a:lvl1pPr>
+            <a:lvl2pPr marL="712866" indent="0">
+              <a:buNone/>
+              <a:defRPr sz="2807">
+                <a:solidFill>
+                  <a:schemeClr val="tx1">
+                    <a:tint val="75000"/>
+                  </a:schemeClr>
+                </a:solidFill>
+              </a:defRPr>
+            </a:lvl2pPr>
+            <a:lvl3pPr marL="1425732" indent="0">
+              <a:buNone/>
+              <a:defRPr sz="2495">
+                <a:solidFill>
+                  <a:schemeClr val="tx1">
+                    <a:tint val="75000"/>
+                  </a:schemeClr>
+                </a:solidFill>
+              </a:defRPr>
+            </a:lvl3pPr>
+            <a:lvl4pPr marL="2138599" indent="0">
+              <a:buNone/>
+              <a:defRPr sz="2183">
+                <a:solidFill>
+                  <a:schemeClr val="tx1">
+                    <a:tint val="75000"/>
+                  </a:schemeClr>
+                </a:solidFill>
+              </a:defRPr>
+            </a:lvl4pPr>
+            <a:lvl5pPr marL="2851465" indent="0">
+              <a:buNone/>
+              <a:defRPr sz="2183">
+                <a:solidFill>
+                  <a:schemeClr val="tx1">
+                    <a:tint val="75000"/>
+                  </a:schemeClr>
+                </a:solidFill>
+              </a:defRPr>
+            </a:lvl5pPr>
+            <a:lvl6pPr marL="3564331" indent="0">
+              <a:buNone/>
+              <a:defRPr sz="2183">
+                <a:solidFill>
+                  <a:schemeClr val="tx1">
+                    <a:tint val="75000"/>
+                  </a:schemeClr>
+                </a:solidFill>
+              </a:defRPr>
+            </a:lvl6pPr>
+            <a:lvl7pPr marL="4277197" indent="0">
+              <a:buNone/>
+              <a:defRPr sz="2183">
+                <a:solidFill>
+                  <a:schemeClr val="tx1">
+                    <a:tint val="75000"/>
+                  </a:schemeClr>
+                </a:solidFill>
+              </a:defRPr>
+            </a:lvl7pPr>
+            <a:lvl8pPr marL="4990064" indent="0">
+              <a:buNone/>
+              <a:defRPr sz="2183">
+                <a:solidFill>
+                  <a:schemeClr val="tx1">
+                    <a:tint val="75000"/>
+                  </a:schemeClr>
+                </a:solidFill>
+              </a:defRPr>
+            </a:lvl8pPr>
+            <a:lvl9pPr marL="5702930" indent="0">
+              <a:buNone/>
+              <a:defRPr sz="2183">
+                <a:solidFill>
+                  <a:schemeClr val="tx1">
+                    <a:tint val="75000"/>
+                  </a:schemeClr>
+                </a:solidFill>
+              </a:defRPr>
+            </a:lvl9pPr>
+          </a:lstStyle>
+          <a:p>
+            <a:pPr lvl="0"/>
+            <a:r>
+              <a:rPr lang="en-US" smtClean="0"/>
+              <a:t>Edit Master text styles</a:t>
+            </a:r>
+          </a:p>
+        </p:txBody>
+      </p:sp>
+      <p:sp>
+        <p:nvSpPr>
+          <p:cNvPr id="4" name="Date Placeholder 3"/>
+          <p:cNvSpPr>
+            <a:spLocks noGrp="1"/>
+          </p:cNvSpPr>
+          <p:nvPr>
+            <p:ph type="dt" sz="half" idx="10"/>
+          </p:nvPr>
+        </p:nvSpPr>
+        <p:spPr/>
+        <p:txBody>
+          <a:bodyPr/>
+          <a:lstStyle/>
+          <a:p>
+            <a:fld id="{1D8BD707-D9CF-40AE-B4C6-C98DA3205C09}" type="datetimeFigureOut">
+              <a:rPr lang="en-US" smtClean="0"/>
+              <a:t>8/20/2023</a:t>
+            </a:fld>
+            <a:endParaRPr lang="en-US" dirty="0"/>
+          </a:p>
+        </p:txBody>
+      </p:sp>
+      <p:sp>
+        <p:nvSpPr>
+          <p:cNvPr id="5" name="Footer Placeholder 4"/>
+          <p:cNvSpPr>
+            <a:spLocks noGrp="1"/>
+          </p:cNvSpPr>
+          <p:nvPr>
+            <p:ph type="ftr" sz="quarter" idx="11"/>
+          </p:nvPr>
+        </p:nvSpPr>
+        <p:spPr/>
+        <p:txBody>
+          <a:bodyPr/>
+          <a:lstStyle/>
+          <a:p>
+            <a:endParaRPr lang="cs-CZ"/>
+          </a:p>
+        </p:txBody>
+      </p:sp>
+      <p:sp>
+        <p:nvSpPr>
+          <p:cNvPr id="9" name="Freeform 11"/>
+          <p:cNvSpPr/>
+          <p:nvPr/>
+        </p:nvSpPr>
+        <p:spPr bwMode="auto">
+          <a:xfrm flipV="1">
+            <a:off x="-6531" y="4955599"/>
+            <a:ext cx="2476903" cy="791008"/>
+          </a:xfrm>
+          <a:custGeom>
+            <a:avLst/>
+            <a:gdLst/>
+            <a:ahLst/>
+            <a:cxnLst/>
+            <a:rect l="l" t="t" r="r" b="b"/>
+            <a:pathLst>
+              <a:path w="9248" h="10000">
+                <a:moveTo>
+                  <a:pt x="9248" y="4701"/>
+                </a:moveTo>
+                <a:lnTo>
+                  <a:pt x="7915" y="188"/>
+                </a:lnTo>
+                <a:cubicBezTo>
+                  <a:pt x="7906" y="156"/>
+                  <a:pt x="7895" y="126"/>
+                  <a:pt x="7886" y="94"/>
+                </a:cubicBezTo>
+                <a:cubicBezTo>
+                  <a:pt x="7859" y="0"/>
+                  <a:pt x="7831" y="0"/>
+                  <a:pt x="7803" y="0"/>
+                </a:cubicBezTo>
+                <a:lnTo>
+                  <a:pt x="7275" y="0"/>
+                </a:lnTo>
+                <a:lnTo>
+                  <a:pt x="0" y="70"/>
+                </a:lnTo>
+                <a:cubicBezTo>
+                  <a:pt x="8" y="3380"/>
+                  <a:pt x="17" y="6690"/>
+                  <a:pt x="25" y="10000"/>
+                </a:cubicBezTo>
+                <a:lnTo>
+                  <a:pt x="7275" y="9966"/>
+                </a:lnTo>
+                <a:lnTo>
+                  <a:pt x="7803" y="9966"/>
+                </a:lnTo>
+                <a:cubicBezTo>
+                  <a:pt x="7831" y="9966"/>
+                  <a:pt x="7859" y="9872"/>
+                  <a:pt x="7886" y="9872"/>
+                </a:cubicBezTo>
+                <a:cubicBezTo>
+                  <a:pt x="7886" y="9778"/>
+                  <a:pt x="7915" y="9778"/>
+                  <a:pt x="7915" y="9778"/>
+                </a:cubicBezTo>
+                <a:lnTo>
+                  <a:pt x="9248" y="5265"/>
+                </a:lnTo>
+                <a:cubicBezTo>
+                  <a:pt x="9303" y="5077"/>
+                  <a:pt x="9303" y="4889"/>
+                  <a:pt x="9248" y="4701"/>
+                </a:cubicBezTo>
+                <a:close/>
+              </a:path>
+            </a:pathLst>
+          </a:custGeom>
+          <a:solidFill>
+            <a:schemeClr val="accent1"/>
+          </a:solidFill>
+          <a:ln>
+            <a:noFill/>
+          </a:ln>
+        </p:spPr>
+      </p:sp>
+      <p:sp>
+        <p:nvSpPr>
+          <p:cNvPr id="6" name="Slide Number Placeholder 5"/>
+          <p:cNvSpPr>
+            <a:spLocks noGrp="1"/>
+          </p:cNvSpPr>
+          <p:nvPr>
+            <p:ph type="sldNum" sz="quarter" idx="12"/>
+          </p:nvPr>
+        </p:nvSpPr>
+        <p:spPr>
+          <a:xfrm>
+            <a:off x="829226" y="5058454"/>
+            <a:ext cx="1215848" cy="569325"/>
+          </a:xfrm>
+        </p:spPr>
+        <p:txBody>
+          <a:bodyPr/>
+          <a:lstStyle/>
+          <a:p>
+            <a:fld id="{B6F15528-21DE-4FAA-801E-634DDDAF4B2B}" type="slidenum">
+              <a:rPr lang="cs-CZ" smtClean="0"/>
+              <a:t>‹#›</a:t>
+            </a:fld>
+            <a:endParaRPr lang="cs-CZ"/>
+          </a:p>
+        </p:txBody>
+      </p:sp>
+    </p:spTree>
+    <p:extLst>
+      <p:ext uri="{BB962C8B-B14F-4D97-AF65-F5344CB8AC3E}">
+        <p14:creationId xmlns:p14="http://schemas.microsoft.com/office/powerpoint/2010/main" val="3282921225"/>
+      </p:ext>
+    </p:extLst>
+  </p:cSld>
+  <p:clrMapOvr>
+    <a:masterClrMapping/>
+  </p:clrMapOvr>
+</p:sldLayout>
+</file>
+
+<file path=ppt/slideLayouts/slideLayout11.xml><?xml version="1.0" encoding="utf-8"?>
+<p:sldLayout xmlns:a="http://schemas.openxmlformats.org/drawingml/2006/main" xmlns:r="http://schemas.openxmlformats.org/officeDocument/2006/relationships" xmlns:p="http://schemas.openxmlformats.org/presentationml/2006/main" preserve="1">
+  <p:cSld name="Quote with Caption">
+    <p:spTree>
+      <p:nvGrpSpPr>
+        <p:cNvPr id="1" name=""/>
+        <p:cNvGrpSpPr/>
+        <p:nvPr/>
+      </p:nvGrpSpPr>
+      <p:grpSpPr>
+        <a:xfrm>
+          <a:off x="0" y="0"/>
+          <a:ext cx="0" cy="0"/>
+          <a:chOff x="0" y="0"/>
+          <a:chExt cx="0" cy="0"/>
+        </a:xfrm>
+      </p:grpSpPr>
+      <p:sp>
+        <p:nvSpPr>
+          <p:cNvPr id="2" name="Title 1"/>
+          <p:cNvSpPr>
+            <a:spLocks noGrp="1"/>
+          </p:cNvSpPr>
+          <p:nvPr>
+            <p:ph type="title"/>
+          </p:nvPr>
+        </p:nvSpPr>
+        <p:spPr>
+          <a:xfrm>
+            <a:off x="4443768" y="950525"/>
+            <a:ext cx="13088186" cy="4514991"/>
+          </a:xfrm>
+        </p:spPr>
+        <p:txBody>
+          <a:bodyPr anchor="ctr">
+            <a:normAutofit/>
+          </a:bodyPr>
+          <a:lstStyle>
+            <a:lvl1pPr algn="l">
+              <a:defRPr sz="7484" b="0" cap="none"/>
+            </a:lvl1pPr>
+          </a:lstStyle>
+          <a:p>
+            <a:r>
+              <a:rPr lang="en-US" smtClean="0"/>
+              <a:t>Click to edit Master title style</a:t>
+            </a:r>
+            <a:endParaRPr lang="en-US" dirty="0"/>
+          </a:p>
+        </p:txBody>
+      </p:sp>
+      <p:sp>
+        <p:nvSpPr>
+          <p:cNvPr id="13" name="Text Placeholder 9"/>
+          <p:cNvSpPr>
+            <a:spLocks noGrp="1"/>
+          </p:cNvSpPr>
+          <p:nvPr>
+            <p:ph type="body" sz="quarter" idx="13"/>
+          </p:nvPr>
+        </p:nvSpPr>
+        <p:spPr>
+          <a:xfrm>
+            <a:off x="5106545" y="5465515"/>
+            <a:ext cx="11751333" cy="594078"/>
+          </a:xfrm>
+        </p:spPr>
+        <p:txBody>
+          <a:bodyPr anchor="ctr">
+            <a:noAutofit/>
+          </a:bodyPr>
+          <a:lstStyle>
+            <a:lvl1pPr marL="0" indent="0">
+              <a:buFontTx/>
+              <a:buNone/>
+              <a:defRPr sz="2495">
+                <a:solidFill>
+                  <a:schemeClr val="tx1">
+                    <a:lumMod val="50000"/>
+                    <a:lumOff val="50000"/>
+                  </a:schemeClr>
+                </a:solidFill>
+              </a:defRPr>
+            </a:lvl1pPr>
+            <a:lvl2pPr marL="712866" indent="0">
+              <a:buFontTx/>
+              <a:buNone/>
+              <a:defRPr/>
+            </a:lvl2pPr>
+            <a:lvl3pPr marL="1425732" indent="0">
+              <a:buFontTx/>
+              <a:buNone/>
+              <a:defRPr/>
+            </a:lvl3pPr>
+            <a:lvl4pPr marL="2138599" indent="0">
+              <a:buFontTx/>
+              <a:buNone/>
+              <a:defRPr/>
+            </a:lvl4pPr>
+            <a:lvl5pPr marL="2851465" indent="0">
+              <a:buFontTx/>
+              <a:buNone/>
+              <a:defRPr/>
+            </a:lvl5pPr>
+          </a:lstStyle>
+          <a:p>
+            <a:pPr lvl="0"/>
+            <a:r>
+              <a:rPr lang="en-US" smtClean="0"/>
+              <a:t>Edit Master text styles</a:t>
+            </a:r>
+          </a:p>
+        </p:txBody>
+      </p:sp>
+      <p:sp>
+        <p:nvSpPr>
+          <p:cNvPr id="3" name="Text Placeholder 2"/>
+          <p:cNvSpPr>
+            <a:spLocks noGrp="1"/>
+          </p:cNvSpPr>
+          <p:nvPr>
+            <p:ph type="body" idx="1"/>
+          </p:nvPr>
+        </p:nvSpPr>
+        <p:spPr>
+          <a:xfrm>
+            <a:off x="4037216" y="6789087"/>
+            <a:ext cx="13901290" cy="2425995"/>
+          </a:xfrm>
+        </p:spPr>
+        <p:txBody>
+          <a:bodyPr anchor="ctr">
+            <a:normAutofit/>
+          </a:bodyPr>
+          <a:lstStyle>
+            <a:lvl1pPr marL="0" indent="0" algn="l">
+              <a:buNone/>
+              <a:defRPr sz="2807">
+                <a:solidFill>
+                  <a:schemeClr val="tx1">
+                    <a:lumMod val="65000"/>
+                    <a:lumOff val="35000"/>
+                  </a:schemeClr>
+                </a:solidFill>
+              </a:defRPr>
+            </a:lvl1pPr>
+            <a:lvl2pPr marL="712866" indent="0">
+              <a:buNone/>
+              <a:defRPr sz="2807">
+                <a:solidFill>
+                  <a:schemeClr val="tx1">
+                    <a:tint val="75000"/>
+                  </a:schemeClr>
+                </a:solidFill>
+              </a:defRPr>
+            </a:lvl2pPr>
+            <a:lvl3pPr marL="1425732" indent="0">
+              <a:buNone/>
+              <a:defRPr sz="2495">
+                <a:solidFill>
+                  <a:schemeClr val="tx1">
+                    <a:tint val="75000"/>
+                  </a:schemeClr>
+                </a:solidFill>
+              </a:defRPr>
+            </a:lvl3pPr>
+            <a:lvl4pPr marL="2138599" indent="0">
+              <a:buNone/>
+              <a:defRPr sz="2183">
+                <a:solidFill>
+                  <a:schemeClr val="tx1">
+                    <a:tint val="75000"/>
+                  </a:schemeClr>
+                </a:solidFill>
+              </a:defRPr>
+            </a:lvl4pPr>
+            <a:lvl5pPr marL="2851465" indent="0">
+              <a:buNone/>
+              <a:defRPr sz="2183">
+                <a:solidFill>
+                  <a:schemeClr val="tx1">
+                    <a:tint val="75000"/>
+                  </a:schemeClr>
+                </a:solidFill>
+              </a:defRPr>
+            </a:lvl5pPr>
+            <a:lvl6pPr marL="3564331" indent="0">
+              <a:buNone/>
+              <a:defRPr sz="2183">
+                <a:solidFill>
+                  <a:schemeClr val="tx1">
+                    <a:tint val="75000"/>
+                  </a:schemeClr>
+                </a:solidFill>
+              </a:defRPr>
+            </a:lvl6pPr>
+            <a:lvl7pPr marL="4277197" indent="0">
+              <a:buNone/>
+              <a:defRPr sz="2183">
+                <a:solidFill>
+                  <a:schemeClr val="tx1">
+                    <a:tint val="75000"/>
+                  </a:schemeClr>
+                </a:solidFill>
+              </a:defRPr>
+            </a:lvl7pPr>
+            <a:lvl8pPr marL="4990064" indent="0">
+              <a:buNone/>
+              <a:defRPr sz="2183">
+                <a:solidFill>
+                  <a:schemeClr val="tx1">
+                    <a:tint val="75000"/>
+                  </a:schemeClr>
+                </a:solidFill>
+              </a:defRPr>
+            </a:lvl8pPr>
+            <a:lvl9pPr marL="5702930" indent="0">
+              <a:buNone/>
+              <a:defRPr sz="2183">
+                <a:solidFill>
+                  <a:schemeClr val="tx1">
+                    <a:tint val="75000"/>
+                  </a:schemeClr>
+                </a:solidFill>
+              </a:defRPr>
+            </a:lvl9pPr>
+          </a:lstStyle>
+          <a:p>
+            <a:pPr lvl="0"/>
+            <a:r>
+              <a:rPr lang="en-US" smtClean="0"/>
+              <a:t>Edit Master text styles</a:t>
+            </a:r>
+          </a:p>
+        </p:txBody>
+      </p:sp>
+      <p:sp>
+        <p:nvSpPr>
+          <p:cNvPr id="4" name="Date Placeholder 3"/>
+          <p:cNvSpPr>
+            <a:spLocks noGrp="1"/>
+          </p:cNvSpPr>
+          <p:nvPr>
+            <p:ph type="dt" sz="half" idx="10"/>
+          </p:nvPr>
+        </p:nvSpPr>
+        <p:spPr/>
+        <p:txBody>
+          <a:bodyPr/>
+          <a:lstStyle/>
+          <a:p>
+            <a:fld id="{1D8BD707-D9CF-40AE-B4C6-C98DA3205C09}" type="datetimeFigureOut">
+              <a:rPr lang="en-US" smtClean="0"/>
+              <a:t>8/20/2023</a:t>
+            </a:fld>
+            <a:endParaRPr lang="en-US" dirty="0"/>
+          </a:p>
+        </p:txBody>
+      </p:sp>
+      <p:sp>
+        <p:nvSpPr>
+          <p:cNvPr id="5" name="Footer Placeholder 4"/>
+          <p:cNvSpPr>
+            <a:spLocks noGrp="1"/>
+          </p:cNvSpPr>
+          <p:nvPr>
+            <p:ph type="ftr" sz="quarter" idx="11"/>
+          </p:nvPr>
+        </p:nvSpPr>
+        <p:spPr/>
+        <p:txBody>
+          <a:bodyPr/>
+          <a:lstStyle/>
+          <a:p>
+            <a:endParaRPr lang="cs-CZ"/>
+          </a:p>
+        </p:txBody>
+      </p:sp>
+      <p:sp>
+        <p:nvSpPr>
+          <p:cNvPr id="11" name="Freeform 11"/>
+          <p:cNvSpPr/>
+          <p:nvPr/>
+        </p:nvSpPr>
+        <p:spPr bwMode="auto">
+          <a:xfrm flipV="1">
+            <a:off x="-6531" y="4955599"/>
+            <a:ext cx="2476903" cy="791008"/>
+          </a:xfrm>
+          <a:custGeom>
+            <a:avLst/>
+            <a:gdLst/>
+            <a:ahLst/>
+            <a:cxnLst/>
+            <a:rect l="l" t="t" r="r" b="b"/>
+            <a:pathLst>
+              <a:path w="9248" h="10000">
+                <a:moveTo>
+                  <a:pt x="9248" y="4701"/>
+                </a:moveTo>
+                <a:lnTo>
+                  <a:pt x="7915" y="188"/>
+                </a:lnTo>
+                <a:cubicBezTo>
+                  <a:pt x="7906" y="156"/>
+                  <a:pt x="7895" y="126"/>
+                  <a:pt x="7886" y="94"/>
+                </a:cubicBezTo>
+                <a:cubicBezTo>
+                  <a:pt x="7859" y="0"/>
+                  <a:pt x="7831" y="0"/>
+                  <a:pt x="7803" y="0"/>
+                </a:cubicBezTo>
+                <a:lnTo>
+                  <a:pt x="7275" y="0"/>
+                </a:lnTo>
+                <a:lnTo>
+                  <a:pt x="0" y="70"/>
+                </a:lnTo>
+                <a:cubicBezTo>
+                  <a:pt x="8" y="3380"/>
+                  <a:pt x="17" y="6690"/>
+                  <a:pt x="25" y="10000"/>
+                </a:cubicBezTo>
+                <a:lnTo>
+                  <a:pt x="7275" y="9966"/>
+                </a:lnTo>
+                <a:lnTo>
+                  <a:pt x="7803" y="9966"/>
+                </a:lnTo>
+                <a:cubicBezTo>
+                  <a:pt x="7831" y="9966"/>
+                  <a:pt x="7859" y="9872"/>
+                  <a:pt x="7886" y="9872"/>
+                </a:cubicBezTo>
+                <a:cubicBezTo>
+                  <a:pt x="7886" y="9778"/>
+                  <a:pt x="7915" y="9778"/>
+                  <a:pt x="7915" y="9778"/>
+                </a:cubicBezTo>
+                <a:lnTo>
+                  <a:pt x="9248" y="5265"/>
+                </a:lnTo>
+                <a:cubicBezTo>
+                  <a:pt x="9303" y="5077"/>
+                  <a:pt x="9303" y="4889"/>
+                  <a:pt x="9248" y="4701"/>
+                </a:cubicBezTo>
+                <a:close/>
+              </a:path>
+            </a:pathLst>
+          </a:custGeom>
+          <a:solidFill>
+            <a:schemeClr val="accent1"/>
+          </a:solidFill>
+          <a:ln>
+            <a:noFill/>
+          </a:ln>
+        </p:spPr>
+      </p:sp>
+      <p:sp>
+        <p:nvSpPr>
+          <p:cNvPr id="6" name="Slide Number Placeholder 5"/>
+          <p:cNvSpPr>
+            <a:spLocks noGrp="1"/>
+          </p:cNvSpPr>
+          <p:nvPr>
+            <p:ph type="sldNum" sz="quarter" idx="12"/>
+          </p:nvPr>
+        </p:nvSpPr>
+        <p:spPr>
+          <a:xfrm>
+            <a:off x="829226" y="5058454"/>
+            <a:ext cx="1215848" cy="569325"/>
+          </a:xfrm>
+        </p:spPr>
+        <p:txBody>
+          <a:bodyPr/>
+          <a:lstStyle/>
+          <a:p>
+            <a:fld id="{B6F15528-21DE-4FAA-801E-634DDDAF4B2B}" type="slidenum">
+              <a:rPr lang="cs-CZ" smtClean="0"/>
+              <a:t>‹#›</a:t>
+            </a:fld>
+            <a:endParaRPr lang="cs-CZ"/>
+          </a:p>
+        </p:txBody>
+      </p:sp>
+      <p:sp>
+        <p:nvSpPr>
+          <p:cNvPr id="14" name="TextBox 13"/>
+          <p:cNvSpPr txBox="1"/>
+          <p:nvPr/>
+        </p:nvSpPr>
+        <p:spPr>
+          <a:xfrm>
+            <a:off x="3847673" y="1010408"/>
+            <a:ext cx="950516" cy="911817"/>
+          </a:xfrm>
+          <a:prstGeom prst="rect">
+            <a:avLst/>
+          </a:prstGeom>
+        </p:spPr>
+        <p:txBody>
+          <a:bodyPr vert="horz" lIns="142577" tIns="71289" rIns="142577" bIns="71289" rtlCol="0" anchor="ctr">
+            <a:noAutofit/>
+          </a:bodyPr>
+          <a:lstStyle/>
+          <a:p>
+            <a:pPr lvl="0"/>
+            <a:r>
+              <a:rPr lang="en-US" sz="12474" baseline="0" dirty="0">
+                <a:ln w="3175" cmpd="sng">
+                  <a:noFill/>
+                </a:ln>
+                <a:solidFill>
+                  <a:schemeClr val="accent1"/>
+                </a:solidFill>
+                <a:effectLst/>
+                <a:latin typeface="Arial"/>
+              </a:rPr>
+              <a:t>“</a:t>
+            </a:r>
+          </a:p>
+        </p:txBody>
+      </p:sp>
+      <p:sp>
+        <p:nvSpPr>
+          <p:cNvPr id="15" name="TextBox 14"/>
+          <p:cNvSpPr txBox="1"/>
+          <p:nvPr/>
+        </p:nvSpPr>
+        <p:spPr>
+          <a:xfrm>
+            <a:off x="17330775" y="4530125"/>
+            <a:ext cx="950516" cy="911817"/>
+          </a:xfrm>
+          <a:prstGeom prst="rect">
+            <a:avLst/>
+          </a:prstGeom>
+        </p:spPr>
+        <p:txBody>
+          <a:bodyPr vert="horz" lIns="142577" tIns="71289" rIns="142577" bIns="71289" rtlCol="0" anchor="ctr">
+            <a:noAutofit/>
+          </a:bodyPr>
+          <a:lstStyle/>
+          <a:p>
+            <a:pPr lvl="0"/>
+            <a:r>
+              <a:rPr lang="en-US" sz="12474" baseline="0" dirty="0">
+                <a:ln w="3175" cmpd="sng">
+                  <a:noFill/>
+                </a:ln>
+                <a:solidFill>
+                  <a:schemeClr val="accent1"/>
+                </a:solidFill>
+                <a:effectLst/>
+                <a:latin typeface="Arial"/>
+              </a:rPr>
+              <a:t>”</a:t>
+            </a:r>
+          </a:p>
+        </p:txBody>
+      </p:sp>
+    </p:spTree>
+    <p:extLst>
+      <p:ext uri="{BB962C8B-B14F-4D97-AF65-F5344CB8AC3E}">
+        <p14:creationId xmlns:p14="http://schemas.microsoft.com/office/powerpoint/2010/main" val="514562659"/>
+      </p:ext>
+    </p:extLst>
+  </p:cSld>
+  <p:clrMapOvr>
+    <a:masterClrMapping/>
+  </p:clrMapOvr>
+</p:sldLayout>
+</file>
+
+<file path=ppt/slideLayouts/slideLayout12.xml><?xml version="1.0" encoding="utf-8"?>
+<p:sldLayout xmlns:a="http://schemas.openxmlformats.org/drawingml/2006/main" xmlns:r="http://schemas.openxmlformats.org/officeDocument/2006/relationships" xmlns:p="http://schemas.openxmlformats.org/presentationml/2006/main" preserve="1">
+  <p:cSld name="Name Card">
+    <p:spTree>
+      <p:nvGrpSpPr>
+        <p:cNvPr id="1" name=""/>
+        <p:cNvGrpSpPr/>
+        <p:nvPr/>
+      </p:nvGrpSpPr>
+      <p:grpSpPr>
+        <a:xfrm>
+          <a:off x="0" y="0"/>
+          <a:ext cx="0" cy="0"/>
+          <a:chOff x="0" y="0"/>
+          <a:chExt cx="0" cy="0"/>
+        </a:xfrm>
+      </p:grpSpPr>
+      <p:sp>
+        <p:nvSpPr>
+          <p:cNvPr id="2" name="Title 1"/>
+          <p:cNvSpPr>
+            <a:spLocks noGrp="1"/>
+          </p:cNvSpPr>
+          <p:nvPr>
+            <p:ph type="title"/>
+          </p:nvPr>
+        </p:nvSpPr>
+        <p:spPr>
+          <a:xfrm>
+            <a:off x="4037217" y="3802098"/>
+            <a:ext cx="13901291" cy="4248740"/>
+          </a:xfrm>
+        </p:spPr>
+        <p:txBody>
+          <a:bodyPr anchor="b">
+            <a:normAutofit/>
+          </a:bodyPr>
+          <a:lstStyle>
+            <a:lvl1pPr algn="l">
+              <a:defRPr sz="7484" b="0"/>
+            </a:lvl1pPr>
+          </a:lstStyle>
+          <a:p>
+            <a:r>
+              <a:rPr lang="en-US" smtClean="0"/>
+              <a:t>Click to edit Master title style</a:t>
+            </a:r>
+            <a:endParaRPr lang="en-US" dirty="0"/>
+          </a:p>
+        </p:txBody>
+      </p:sp>
+      <p:sp>
+        <p:nvSpPr>
+          <p:cNvPr id="4" name="Text Placeholder 3"/>
+          <p:cNvSpPr>
+            <a:spLocks noGrp="1"/>
+          </p:cNvSpPr>
+          <p:nvPr>
+            <p:ph type="body" sz="half" idx="2"/>
+          </p:nvPr>
+        </p:nvSpPr>
+        <p:spPr>
+          <a:xfrm>
+            <a:off x="4037217" y="8079458"/>
+            <a:ext cx="13901291" cy="1137670"/>
+          </a:xfrm>
+        </p:spPr>
+        <p:txBody>
+          <a:bodyPr vert="horz" lIns="91440" tIns="45720" rIns="91440" bIns="45720" rtlCol="0" anchor="t">
+            <a:normAutofit/>
+          </a:bodyPr>
+          <a:lstStyle>
+            <a:lvl1pPr>
+              <a:buNone/>
+              <a:defRPr lang="en-US">
+                <a:solidFill>
+                  <a:schemeClr val="tx1">
+                    <a:lumMod val="65000"/>
+                    <a:lumOff val="35000"/>
+                  </a:schemeClr>
+                </a:solidFill>
+              </a:defRPr>
+            </a:lvl1pPr>
+          </a:lstStyle>
+          <a:p>
+            <a:pPr marL="0" lvl="0" indent="0">
+              <a:buNone/>
+            </a:pPr>
+            <a:r>
+              <a:rPr lang="en-US" smtClean="0"/>
+              <a:t>Edit Master text styles</a:t>
+            </a:r>
+          </a:p>
+        </p:txBody>
+      </p:sp>
+      <p:sp>
+        <p:nvSpPr>
+          <p:cNvPr id="5" name="Date Placeholder 4"/>
+          <p:cNvSpPr>
+            <a:spLocks noGrp="1"/>
+          </p:cNvSpPr>
+          <p:nvPr>
+            <p:ph type="dt" sz="half" idx="10"/>
+          </p:nvPr>
+        </p:nvSpPr>
+        <p:spPr/>
+        <p:txBody>
+          <a:bodyPr/>
+          <a:lstStyle/>
+          <a:p>
+            <a:fld id="{1D8BD707-D9CF-40AE-B4C6-C98DA3205C09}" type="datetimeFigureOut">
+              <a:rPr lang="en-US" smtClean="0"/>
+              <a:t>8/20/2023</a:t>
+            </a:fld>
+            <a:endParaRPr lang="en-US" dirty="0"/>
+          </a:p>
+        </p:txBody>
+      </p:sp>
+      <p:sp>
+        <p:nvSpPr>
+          <p:cNvPr id="6" name="Footer Placeholder 5"/>
+          <p:cNvSpPr>
+            <a:spLocks noGrp="1"/>
+          </p:cNvSpPr>
+          <p:nvPr>
+            <p:ph type="ftr" sz="quarter" idx="11"/>
+          </p:nvPr>
+        </p:nvSpPr>
+        <p:spPr/>
+        <p:txBody>
+          <a:bodyPr/>
+          <a:lstStyle/>
+          <a:p>
+            <a:endParaRPr lang="cs-CZ"/>
+          </a:p>
+        </p:txBody>
+      </p:sp>
+      <p:sp>
+        <p:nvSpPr>
+          <p:cNvPr id="9" name="Freeform 11"/>
+          <p:cNvSpPr/>
+          <p:nvPr/>
+        </p:nvSpPr>
+        <p:spPr bwMode="auto">
+          <a:xfrm flipV="1">
+            <a:off x="-6531" y="7658653"/>
+            <a:ext cx="2476903" cy="791008"/>
+          </a:xfrm>
+          <a:custGeom>
+            <a:avLst/>
+            <a:gdLst/>
+            <a:ahLst/>
+            <a:cxnLst/>
+            <a:rect l="l" t="t" r="r" b="b"/>
+            <a:pathLst>
+              <a:path w="9248" h="10000">
+                <a:moveTo>
+                  <a:pt x="9248" y="4701"/>
+                </a:moveTo>
+                <a:lnTo>
+                  <a:pt x="7915" y="188"/>
+                </a:lnTo>
+                <a:cubicBezTo>
+                  <a:pt x="7906" y="156"/>
+                  <a:pt x="7895" y="126"/>
+                  <a:pt x="7886" y="94"/>
+                </a:cubicBezTo>
+                <a:cubicBezTo>
+                  <a:pt x="7859" y="0"/>
+                  <a:pt x="7831" y="0"/>
+                  <a:pt x="7803" y="0"/>
+                </a:cubicBezTo>
+                <a:lnTo>
+                  <a:pt x="7275" y="0"/>
+                </a:lnTo>
+                <a:lnTo>
+                  <a:pt x="0" y="70"/>
+                </a:lnTo>
+                <a:cubicBezTo>
+                  <a:pt x="8" y="3380"/>
+                  <a:pt x="17" y="6690"/>
+                  <a:pt x="25" y="10000"/>
+                </a:cubicBezTo>
+                <a:lnTo>
+                  <a:pt x="7275" y="9966"/>
+                </a:lnTo>
+                <a:lnTo>
+                  <a:pt x="7803" y="9966"/>
+                </a:lnTo>
+                <a:cubicBezTo>
+                  <a:pt x="7831" y="9966"/>
+                  <a:pt x="7859" y="9872"/>
+                  <a:pt x="7886" y="9872"/>
+                </a:cubicBezTo>
+                <a:cubicBezTo>
+                  <a:pt x="7886" y="9778"/>
+                  <a:pt x="7915" y="9778"/>
+                  <a:pt x="7915" y="9778"/>
+                </a:cubicBezTo>
+                <a:lnTo>
+                  <a:pt x="9248" y="5265"/>
+                </a:lnTo>
+                <a:cubicBezTo>
+                  <a:pt x="9303" y="5077"/>
+                  <a:pt x="9303" y="4889"/>
+                  <a:pt x="9248" y="4701"/>
+                </a:cubicBezTo>
+                <a:close/>
+              </a:path>
+            </a:pathLst>
+          </a:custGeom>
+          <a:solidFill>
+            <a:schemeClr val="accent1"/>
+          </a:solidFill>
+          <a:ln>
+            <a:noFill/>
+          </a:ln>
+        </p:spPr>
+      </p:sp>
+      <p:sp>
+        <p:nvSpPr>
+          <p:cNvPr id="7" name="Slide Number Placeholder 6"/>
+          <p:cNvSpPr>
+            <a:spLocks noGrp="1"/>
+          </p:cNvSpPr>
+          <p:nvPr>
+            <p:ph type="sldNum" sz="quarter" idx="12"/>
+          </p:nvPr>
+        </p:nvSpPr>
+        <p:spPr>
+          <a:xfrm>
+            <a:off x="829226" y="7769925"/>
+            <a:ext cx="1215848" cy="569325"/>
+          </a:xfrm>
+        </p:spPr>
+        <p:txBody>
+          <a:bodyPr/>
+          <a:lstStyle/>
+          <a:p>
+            <a:fld id="{B6F15528-21DE-4FAA-801E-634DDDAF4B2B}" type="slidenum">
+              <a:rPr lang="cs-CZ" smtClean="0"/>
+              <a:t>‹#›</a:t>
+            </a:fld>
+            <a:endParaRPr lang="cs-CZ"/>
+          </a:p>
+        </p:txBody>
+      </p:sp>
+    </p:spTree>
+    <p:extLst>
+      <p:ext uri="{BB962C8B-B14F-4D97-AF65-F5344CB8AC3E}">
+        <p14:creationId xmlns:p14="http://schemas.microsoft.com/office/powerpoint/2010/main" val="939690770"/>
+      </p:ext>
+    </p:extLst>
+  </p:cSld>
+  <p:clrMapOvr>
+    <a:masterClrMapping/>
+  </p:clrMapOvr>
+</p:sldLayout>
+</file>
+
+<file path=ppt/slideLayouts/slideLayout13.xml><?xml version="1.0" encoding="utf-8"?>
+<p:sldLayout xmlns:a="http://schemas.openxmlformats.org/drawingml/2006/main" xmlns:r="http://schemas.openxmlformats.org/officeDocument/2006/relationships" xmlns:p="http://schemas.openxmlformats.org/presentationml/2006/main" preserve="1">
+  <p:cSld name="Quote Name Card">
+    <p:spTree>
+      <p:nvGrpSpPr>
+        <p:cNvPr id="1" name=""/>
+        <p:cNvGrpSpPr/>
+        <p:nvPr/>
+      </p:nvGrpSpPr>
+      <p:grpSpPr>
+        <a:xfrm>
+          <a:off x="0" y="0"/>
+          <a:ext cx="0" cy="0"/>
+          <a:chOff x="0" y="0"/>
+          <a:chExt cx="0" cy="0"/>
+        </a:xfrm>
+      </p:grpSpPr>
+      <p:sp>
+        <p:nvSpPr>
+          <p:cNvPr id="12" name="Title 1"/>
+          <p:cNvSpPr>
+            <a:spLocks noGrp="1"/>
+          </p:cNvSpPr>
+          <p:nvPr>
+            <p:ph type="title"/>
+          </p:nvPr>
+        </p:nvSpPr>
+        <p:spPr>
+          <a:xfrm>
+            <a:off x="4443768" y="950525"/>
+            <a:ext cx="13088186" cy="4514991"/>
+          </a:xfrm>
+        </p:spPr>
+        <p:txBody>
+          <a:bodyPr anchor="ctr">
+            <a:normAutofit/>
+          </a:bodyPr>
+          <a:lstStyle>
+            <a:lvl1pPr algn="l">
+              <a:defRPr sz="7484" b="0" cap="none"/>
+            </a:lvl1pPr>
+          </a:lstStyle>
+          <a:p>
+            <a:r>
+              <a:rPr lang="en-US" smtClean="0"/>
+              <a:t>Click to edit Master title style</a:t>
+            </a:r>
+            <a:endParaRPr lang="en-US" dirty="0"/>
+          </a:p>
+        </p:txBody>
+      </p:sp>
+      <p:sp>
+        <p:nvSpPr>
+          <p:cNvPr id="21" name="Text Placeholder 9"/>
+          <p:cNvSpPr>
+            <a:spLocks noGrp="1"/>
+          </p:cNvSpPr>
+          <p:nvPr>
+            <p:ph type="body" sz="quarter" idx="13"/>
+          </p:nvPr>
+        </p:nvSpPr>
+        <p:spPr>
+          <a:xfrm>
+            <a:off x="4037216" y="6772487"/>
+            <a:ext cx="13901291" cy="1306971"/>
+          </a:xfrm>
+        </p:spPr>
+        <p:txBody>
+          <a:bodyPr anchor="b">
+            <a:noAutofit/>
+          </a:bodyPr>
+          <a:lstStyle>
+            <a:lvl1pPr marL="0" indent="0">
+              <a:buFontTx/>
+              <a:buNone/>
+              <a:defRPr sz="3742">
+                <a:solidFill>
+                  <a:schemeClr val="accent1"/>
+                </a:solidFill>
+              </a:defRPr>
+            </a:lvl1pPr>
+            <a:lvl2pPr marL="712866" indent="0">
+              <a:buFontTx/>
+              <a:buNone/>
+              <a:defRPr/>
+            </a:lvl2pPr>
+            <a:lvl3pPr marL="1425732" indent="0">
+              <a:buFontTx/>
+              <a:buNone/>
+              <a:defRPr/>
+            </a:lvl3pPr>
+            <a:lvl4pPr marL="2138599" indent="0">
+              <a:buFontTx/>
+              <a:buNone/>
+              <a:defRPr/>
+            </a:lvl4pPr>
+            <a:lvl5pPr marL="2851465" indent="0">
+              <a:buFontTx/>
+              <a:buNone/>
+              <a:defRPr/>
+            </a:lvl5pPr>
+          </a:lstStyle>
+          <a:p>
+            <a:pPr lvl="0"/>
+            <a:r>
+              <a:rPr lang="en-US" smtClean="0"/>
+              <a:t>Edit Master text styles</a:t>
+            </a:r>
+          </a:p>
+        </p:txBody>
+      </p:sp>
+      <p:sp>
+        <p:nvSpPr>
+          <p:cNvPr id="4" name="Text Placeholder 3"/>
+          <p:cNvSpPr>
+            <a:spLocks noGrp="1"/>
+          </p:cNvSpPr>
+          <p:nvPr>
+            <p:ph type="body" sz="half" idx="2"/>
+          </p:nvPr>
+        </p:nvSpPr>
+        <p:spPr>
+          <a:xfrm>
+            <a:off x="4037217" y="8079458"/>
+            <a:ext cx="13901291" cy="1137670"/>
+          </a:xfrm>
+        </p:spPr>
+        <p:txBody>
+          <a:bodyPr vert="horz" lIns="91440" tIns="45720" rIns="91440" bIns="45720" rtlCol="0" anchor="t">
+            <a:normAutofit/>
+          </a:bodyPr>
+          <a:lstStyle>
+            <a:lvl1pPr>
+              <a:buNone/>
+              <a:defRPr lang="en-US">
+                <a:solidFill>
+                  <a:schemeClr val="tx1">
+                    <a:lumMod val="65000"/>
+                    <a:lumOff val="35000"/>
+                  </a:schemeClr>
+                </a:solidFill>
+              </a:defRPr>
+            </a:lvl1pPr>
+          </a:lstStyle>
+          <a:p>
+            <a:pPr marL="0" lvl="0" indent="0">
+              <a:buNone/>
+            </a:pPr>
+            <a:r>
+              <a:rPr lang="en-US" smtClean="0"/>
+              <a:t>Edit Master text styles</a:t>
+            </a:r>
+          </a:p>
+        </p:txBody>
+      </p:sp>
+      <p:sp>
+        <p:nvSpPr>
+          <p:cNvPr id="5" name="Date Placeholder 4"/>
+          <p:cNvSpPr>
+            <a:spLocks noGrp="1"/>
+          </p:cNvSpPr>
+          <p:nvPr>
+            <p:ph type="dt" sz="half" idx="10"/>
+          </p:nvPr>
+        </p:nvSpPr>
+        <p:spPr/>
+        <p:txBody>
+          <a:bodyPr/>
+          <a:lstStyle/>
+          <a:p>
+            <a:fld id="{1D8BD707-D9CF-40AE-B4C6-C98DA3205C09}" type="datetimeFigureOut">
+              <a:rPr lang="en-US" smtClean="0"/>
+              <a:t>8/20/2023</a:t>
+            </a:fld>
+            <a:endParaRPr lang="en-US" dirty="0"/>
+          </a:p>
+        </p:txBody>
+      </p:sp>
+      <p:sp>
+        <p:nvSpPr>
+          <p:cNvPr id="6" name="Footer Placeholder 5"/>
+          <p:cNvSpPr>
+            <a:spLocks noGrp="1"/>
+          </p:cNvSpPr>
+          <p:nvPr>
+            <p:ph type="ftr" sz="quarter" idx="11"/>
+          </p:nvPr>
+        </p:nvSpPr>
+        <p:spPr/>
+        <p:txBody>
+          <a:bodyPr/>
+          <a:lstStyle/>
+          <a:p>
+            <a:endParaRPr lang="cs-CZ"/>
+          </a:p>
+        </p:txBody>
+      </p:sp>
+      <p:sp>
+        <p:nvSpPr>
+          <p:cNvPr id="11" name="Freeform 11"/>
+          <p:cNvSpPr/>
+          <p:nvPr/>
+        </p:nvSpPr>
+        <p:spPr bwMode="auto">
+          <a:xfrm flipV="1">
+            <a:off x="-6531" y="7658653"/>
+            <a:ext cx="2476903" cy="791008"/>
+          </a:xfrm>
+          <a:custGeom>
+            <a:avLst/>
+            <a:gdLst/>
+            <a:ahLst/>
+            <a:cxnLst/>
+            <a:rect l="l" t="t" r="r" b="b"/>
+            <a:pathLst>
+              <a:path w="9248" h="10000">
+                <a:moveTo>
+                  <a:pt x="9248" y="4701"/>
+                </a:moveTo>
+                <a:lnTo>
+                  <a:pt x="7915" y="188"/>
+                </a:lnTo>
+                <a:cubicBezTo>
+                  <a:pt x="7906" y="156"/>
+                  <a:pt x="7895" y="126"/>
+                  <a:pt x="7886" y="94"/>
+                </a:cubicBezTo>
+                <a:cubicBezTo>
+                  <a:pt x="7859" y="0"/>
+                  <a:pt x="7831" y="0"/>
+                  <a:pt x="7803" y="0"/>
+                </a:cubicBezTo>
+                <a:lnTo>
+                  <a:pt x="7275" y="0"/>
+                </a:lnTo>
+                <a:lnTo>
+                  <a:pt x="0" y="70"/>
+                </a:lnTo>
+                <a:cubicBezTo>
+                  <a:pt x="8" y="3380"/>
+                  <a:pt x="17" y="6690"/>
+                  <a:pt x="25" y="10000"/>
+                </a:cubicBezTo>
+                <a:lnTo>
+                  <a:pt x="7275" y="9966"/>
+                </a:lnTo>
+                <a:lnTo>
+                  <a:pt x="7803" y="9966"/>
+                </a:lnTo>
+                <a:cubicBezTo>
+                  <a:pt x="7831" y="9966"/>
+                  <a:pt x="7859" y="9872"/>
+                  <a:pt x="7886" y="9872"/>
+                </a:cubicBezTo>
+                <a:cubicBezTo>
+                  <a:pt x="7886" y="9778"/>
+                  <a:pt x="7915" y="9778"/>
+                  <a:pt x="7915" y="9778"/>
+                </a:cubicBezTo>
+                <a:lnTo>
+                  <a:pt x="9248" y="5265"/>
+                </a:lnTo>
+                <a:cubicBezTo>
+                  <a:pt x="9303" y="5077"/>
+                  <a:pt x="9303" y="4889"/>
+                  <a:pt x="9248" y="4701"/>
+                </a:cubicBezTo>
+                <a:close/>
+              </a:path>
+            </a:pathLst>
+          </a:custGeom>
+          <a:solidFill>
+            <a:schemeClr val="accent1"/>
+          </a:solidFill>
+          <a:ln>
+            <a:noFill/>
+          </a:ln>
+        </p:spPr>
+      </p:sp>
+      <p:sp>
+        <p:nvSpPr>
+          <p:cNvPr id="7" name="Slide Number Placeholder 6"/>
+          <p:cNvSpPr>
+            <a:spLocks noGrp="1"/>
+          </p:cNvSpPr>
+          <p:nvPr>
+            <p:ph type="sldNum" sz="quarter" idx="12"/>
+          </p:nvPr>
+        </p:nvSpPr>
+        <p:spPr>
+          <a:xfrm>
+            <a:off x="829226" y="7769925"/>
+            <a:ext cx="1215848" cy="569325"/>
+          </a:xfrm>
+        </p:spPr>
+        <p:txBody>
+          <a:bodyPr/>
+          <a:lstStyle/>
+          <a:p>
+            <a:fld id="{B6F15528-21DE-4FAA-801E-634DDDAF4B2B}" type="slidenum">
+              <a:rPr lang="cs-CZ" smtClean="0"/>
+              <a:t>‹#›</a:t>
+            </a:fld>
+            <a:endParaRPr lang="cs-CZ"/>
+          </a:p>
+        </p:txBody>
+      </p:sp>
+      <p:sp>
+        <p:nvSpPr>
+          <p:cNvPr id="17" name="TextBox 16"/>
+          <p:cNvSpPr txBox="1"/>
+          <p:nvPr/>
+        </p:nvSpPr>
+        <p:spPr>
+          <a:xfrm>
+            <a:off x="3847673" y="1010408"/>
+            <a:ext cx="950516" cy="911817"/>
+          </a:xfrm>
+          <a:prstGeom prst="rect">
+            <a:avLst/>
+          </a:prstGeom>
+        </p:spPr>
+        <p:txBody>
+          <a:bodyPr vert="horz" lIns="142577" tIns="71289" rIns="142577" bIns="71289" rtlCol="0" anchor="ctr">
+            <a:noAutofit/>
+          </a:bodyPr>
+          <a:lstStyle/>
+          <a:p>
+            <a:pPr lvl="0"/>
+            <a:r>
+              <a:rPr lang="en-US" sz="12474" baseline="0" dirty="0">
+                <a:ln w="3175" cmpd="sng">
+                  <a:noFill/>
+                </a:ln>
+                <a:solidFill>
+                  <a:schemeClr val="accent1"/>
+                </a:solidFill>
+                <a:effectLst/>
+                <a:latin typeface="Arial"/>
+              </a:rPr>
+              <a:t>“</a:t>
+            </a:r>
+          </a:p>
+        </p:txBody>
+      </p:sp>
+      <p:sp>
+        <p:nvSpPr>
+          <p:cNvPr id="18" name="TextBox 17"/>
+          <p:cNvSpPr txBox="1"/>
+          <p:nvPr/>
+        </p:nvSpPr>
+        <p:spPr>
+          <a:xfrm>
+            <a:off x="17330775" y="4530125"/>
+            <a:ext cx="950516" cy="911817"/>
+          </a:xfrm>
+          <a:prstGeom prst="rect">
+            <a:avLst/>
+          </a:prstGeom>
+        </p:spPr>
+        <p:txBody>
+          <a:bodyPr vert="horz" lIns="142577" tIns="71289" rIns="142577" bIns="71289" rtlCol="0" anchor="ctr">
+            <a:noAutofit/>
+          </a:bodyPr>
+          <a:lstStyle/>
+          <a:p>
+            <a:pPr lvl="0"/>
+            <a:r>
+              <a:rPr lang="en-US" sz="12474" baseline="0" dirty="0">
+                <a:ln w="3175" cmpd="sng">
+                  <a:noFill/>
+                </a:ln>
+                <a:solidFill>
+                  <a:schemeClr val="accent1"/>
+                </a:solidFill>
+                <a:effectLst/>
+                <a:latin typeface="Arial"/>
+              </a:rPr>
+              <a:t>”</a:t>
+            </a:r>
+          </a:p>
+        </p:txBody>
+      </p:sp>
+    </p:spTree>
+    <p:extLst>
+      <p:ext uri="{BB962C8B-B14F-4D97-AF65-F5344CB8AC3E}">
+        <p14:creationId xmlns:p14="http://schemas.microsoft.com/office/powerpoint/2010/main" val="2172776849"/>
+      </p:ext>
+    </p:extLst>
+  </p:cSld>
+  <p:clrMapOvr>
+    <a:masterClrMapping/>
+  </p:clrMapOvr>
+</p:sldLayout>
+</file>
+
+<file path=ppt/slideLayouts/slideLayout14.xml><?xml version="1.0" encoding="utf-8"?>
+<p:sldLayout xmlns:a="http://schemas.openxmlformats.org/drawingml/2006/main" xmlns:r="http://schemas.openxmlformats.org/officeDocument/2006/relationships" xmlns:p="http://schemas.openxmlformats.org/presentationml/2006/main" preserve="1">
+  <p:cSld name="True or False">
+    <p:spTree>
+      <p:nvGrpSpPr>
+        <p:cNvPr id="1" name=""/>
+        <p:cNvGrpSpPr/>
+        <p:nvPr/>
+      </p:nvGrpSpPr>
+      <p:grpSpPr>
+        <a:xfrm>
+          <a:off x="0" y="0"/>
+          <a:ext cx="0" cy="0"/>
+          <a:chOff x="0" y="0"/>
+          <a:chExt cx="0" cy="0"/>
+        </a:xfrm>
+      </p:grpSpPr>
+      <p:sp>
+        <p:nvSpPr>
+          <p:cNvPr id="2" name="Title 1"/>
+          <p:cNvSpPr>
+            <a:spLocks noGrp="1"/>
+          </p:cNvSpPr>
+          <p:nvPr>
+            <p:ph type="title"/>
+          </p:nvPr>
+        </p:nvSpPr>
+        <p:spPr>
+          <a:xfrm>
+            <a:off x="4037216" y="978290"/>
+            <a:ext cx="13901290" cy="4490698"/>
+          </a:xfrm>
+        </p:spPr>
+        <p:txBody>
+          <a:bodyPr anchor="ctr">
+            <a:normAutofit/>
+          </a:bodyPr>
+          <a:lstStyle>
+            <a:lvl1pPr algn="l">
+              <a:defRPr sz="7484" b="0"/>
+            </a:lvl1pPr>
+          </a:lstStyle>
+          <a:p>
+            <a:r>
+              <a:rPr lang="en-US" smtClean="0"/>
+              <a:t>Click to edit Master title style</a:t>
+            </a:r>
+            <a:endParaRPr lang="en-US" dirty="0"/>
+          </a:p>
+        </p:txBody>
+      </p:sp>
+      <p:sp>
+        <p:nvSpPr>
+          <p:cNvPr id="21" name="Text Placeholder 9"/>
+          <p:cNvSpPr>
+            <a:spLocks noGrp="1"/>
+          </p:cNvSpPr>
+          <p:nvPr>
+            <p:ph type="body" sz="quarter" idx="13"/>
+          </p:nvPr>
+        </p:nvSpPr>
+        <p:spPr>
+          <a:xfrm>
+            <a:off x="4037216" y="6772487"/>
+            <a:ext cx="13901291" cy="1306971"/>
+          </a:xfrm>
+        </p:spPr>
+        <p:txBody>
+          <a:bodyPr anchor="b">
+            <a:noAutofit/>
+          </a:bodyPr>
+          <a:lstStyle>
+            <a:lvl1pPr marL="0" indent="0">
+              <a:buFontTx/>
+              <a:buNone/>
+              <a:defRPr sz="3742">
+                <a:solidFill>
+                  <a:schemeClr val="accent1"/>
+                </a:solidFill>
+              </a:defRPr>
+            </a:lvl1pPr>
+            <a:lvl2pPr marL="712866" indent="0">
+              <a:buFontTx/>
+              <a:buNone/>
+              <a:defRPr/>
+            </a:lvl2pPr>
+            <a:lvl3pPr marL="1425732" indent="0">
+              <a:buFontTx/>
+              <a:buNone/>
+              <a:defRPr/>
+            </a:lvl3pPr>
+            <a:lvl4pPr marL="2138599" indent="0">
+              <a:buFontTx/>
+              <a:buNone/>
+              <a:defRPr/>
+            </a:lvl4pPr>
+            <a:lvl5pPr marL="2851465" indent="0">
+              <a:buFontTx/>
+              <a:buNone/>
+              <a:defRPr/>
+            </a:lvl5pPr>
+          </a:lstStyle>
+          <a:p>
+            <a:pPr lvl="0"/>
+            <a:r>
+              <a:rPr lang="en-US" smtClean="0"/>
+              <a:t>Edit Master text styles</a:t>
+            </a:r>
+          </a:p>
+        </p:txBody>
+      </p:sp>
+      <p:sp>
+        <p:nvSpPr>
+          <p:cNvPr id="4" name="Text Placeholder 3"/>
+          <p:cNvSpPr>
+            <a:spLocks noGrp="1"/>
+          </p:cNvSpPr>
+          <p:nvPr>
+            <p:ph type="body" sz="half" idx="2"/>
+          </p:nvPr>
+        </p:nvSpPr>
+        <p:spPr>
+          <a:xfrm>
+            <a:off x="4037217" y="8079458"/>
+            <a:ext cx="13901291" cy="1137670"/>
+          </a:xfrm>
+        </p:spPr>
+        <p:txBody>
+          <a:bodyPr vert="horz" lIns="91440" tIns="45720" rIns="91440" bIns="45720" rtlCol="0" anchor="t">
+            <a:normAutofit/>
+          </a:bodyPr>
+          <a:lstStyle>
+            <a:lvl1pPr>
+              <a:buNone/>
+              <a:defRPr lang="en-US">
+                <a:solidFill>
+                  <a:schemeClr val="tx1">
+                    <a:lumMod val="65000"/>
+                    <a:lumOff val="35000"/>
+                  </a:schemeClr>
+                </a:solidFill>
+              </a:defRPr>
+            </a:lvl1pPr>
+          </a:lstStyle>
+          <a:p>
+            <a:pPr marL="0" lvl="0" indent="0">
+              <a:buNone/>
+            </a:pPr>
+            <a:r>
+              <a:rPr lang="en-US" smtClean="0"/>
+              <a:t>Edit Master text styles</a:t>
+            </a:r>
+          </a:p>
+        </p:txBody>
+      </p:sp>
+      <p:sp>
+        <p:nvSpPr>
+          <p:cNvPr id="5" name="Date Placeholder 4"/>
+          <p:cNvSpPr>
+            <a:spLocks noGrp="1"/>
+          </p:cNvSpPr>
+          <p:nvPr>
+            <p:ph type="dt" sz="half" idx="10"/>
+          </p:nvPr>
+        </p:nvSpPr>
+        <p:spPr/>
+        <p:txBody>
+          <a:bodyPr/>
+          <a:lstStyle/>
+          <a:p>
+            <a:fld id="{1D8BD707-D9CF-40AE-B4C6-C98DA3205C09}" type="datetimeFigureOut">
+              <a:rPr lang="en-US" smtClean="0"/>
+              <a:t>8/20/2023</a:t>
+            </a:fld>
+            <a:endParaRPr lang="en-US" dirty="0"/>
+          </a:p>
+        </p:txBody>
+      </p:sp>
+      <p:sp>
+        <p:nvSpPr>
+          <p:cNvPr id="6" name="Footer Placeholder 5"/>
+          <p:cNvSpPr>
+            <a:spLocks noGrp="1"/>
+          </p:cNvSpPr>
+          <p:nvPr>
+            <p:ph type="ftr" sz="quarter" idx="11"/>
+          </p:nvPr>
+        </p:nvSpPr>
+        <p:spPr/>
+        <p:txBody>
+          <a:bodyPr/>
+          <a:lstStyle/>
+          <a:p>
+            <a:endParaRPr lang="cs-CZ"/>
+          </a:p>
+        </p:txBody>
+      </p:sp>
+      <p:sp>
+        <p:nvSpPr>
+          <p:cNvPr id="9" name="Freeform 11"/>
+          <p:cNvSpPr/>
+          <p:nvPr/>
+        </p:nvSpPr>
+        <p:spPr bwMode="auto">
+          <a:xfrm flipV="1">
+            <a:off x="-6531" y="7658653"/>
+            <a:ext cx="2476903" cy="791008"/>
+          </a:xfrm>
+          <a:custGeom>
+            <a:avLst/>
+            <a:gdLst/>
+            <a:ahLst/>
+            <a:cxnLst/>
+            <a:rect l="l" t="t" r="r" b="b"/>
+            <a:pathLst>
+              <a:path w="9248" h="10000">
+                <a:moveTo>
+                  <a:pt x="9248" y="4701"/>
+                </a:moveTo>
+                <a:lnTo>
+                  <a:pt x="7915" y="188"/>
+                </a:lnTo>
+                <a:cubicBezTo>
+                  <a:pt x="7906" y="156"/>
+                  <a:pt x="7895" y="126"/>
+                  <a:pt x="7886" y="94"/>
+                </a:cubicBezTo>
+                <a:cubicBezTo>
+                  <a:pt x="7859" y="0"/>
+                  <a:pt x="7831" y="0"/>
+                  <a:pt x="7803" y="0"/>
+                </a:cubicBezTo>
+                <a:lnTo>
+                  <a:pt x="7275" y="0"/>
+                </a:lnTo>
+                <a:lnTo>
+                  <a:pt x="0" y="70"/>
+                </a:lnTo>
+                <a:cubicBezTo>
+                  <a:pt x="8" y="3380"/>
+                  <a:pt x="17" y="6690"/>
+                  <a:pt x="25" y="10000"/>
+                </a:cubicBezTo>
+                <a:lnTo>
+                  <a:pt x="7275" y="9966"/>
+                </a:lnTo>
+                <a:lnTo>
+                  <a:pt x="7803" y="9966"/>
+                </a:lnTo>
+                <a:cubicBezTo>
+                  <a:pt x="7831" y="9966"/>
+                  <a:pt x="7859" y="9872"/>
+                  <a:pt x="7886" y="9872"/>
+                </a:cubicBezTo>
+                <a:cubicBezTo>
+                  <a:pt x="7886" y="9778"/>
+                  <a:pt x="7915" y="9778"/>
+                  <a:pt x="7915" y="9778"/>
+                </a:cubicBezTo>
+                <a:lnTo>
+                  <a:pt x="9248" y="5265"/>
+                </a:lnTo>
+                <a:cubicBezTo>
+                  <a:pt x="9303" y="5077"/>
+                  <a:pt x="9303" y="4889"/>
+                  <a:pt x="9248" y="4701"/>
+                </a:cubicBezTo>
+                <a:close/>
+              </a:path>
+            </a:pathLst>
+          </a:custGeom>
+          <a:solidFill>
+            <a:schemeClr val="accent1"/>
+          </a:solidFill>
+          <a:ln>
+            <a:noFill/>
+          </a:ln>
+        </p:spPr>
+      </p:sp>
+      <p:sp>
+        <p:nvSpPr>
+          <p:cNvPr id="7" name="Slide Number Placeholder 6"/>
+          <p:cNvSpPr>
+            <a:spLocks noGrp="1"/>
+          </p:cNvSpPr>
+          <p:nvPr>
+            <p:ph type="sldNum" sz="quarter" idx="12"/>
+          </p:nvPr>
+        </p:nvSpPr>
+        <p:spPr>
+          <a:xfrm>
+            <a:off x="829226" y="7769925"/>
+            <a:ext cx="1215848" cy="569325"/>
+          </a:xfrm>
+        </p:spPr>
+        <p:txBody>
+          <a:bodyPr/>
+          <a:lstStyle/>
+          <a:p>
+            <a:fld id="{B6F15528-21DE-4FAA-801E-634DDDAF4B2B}" type="slidenum">
+              <a:rPr lang="cs-CZ" smtClean="0"/>
+              <a:t>‹#›</a:t>
+            </a:fld>
+            <a:endParaRPr lang="cs-CZ"/>
+          </a:p>
+        </p:txBody>
+      </p:sp>
+    </p:spTree>
+    <p:extLst>
+      <p:ext uri="{BB962C8B-B14F-4D97-AF65-F5344CB8AC3E}">
+        <p14:creationId xmlns:p14="http://schemas.microsoft.com/office/powerpoint/2010/main" val="2842760184"/>
+      </p:ext>
+    </p:extLst>
+  </p:cSld>
+  <p:clrMapOvr>
+    <a:masterClrMapping/>
+  </p:clrMapOvr>
+</p:sldLayout>
+</file>
+
+<file path=ppt/slideLayouts/slideLayout15.xml><?xml version="1.0" encoding="utf-8"?>
 <p:sldLayout xmlns:a="http://schemas.openxmlformats.org/drawingml/2006/main" xmlns:r="http://schemas.openxmlformats.org/officeDocument/2006/relationships" xmlns:p="http://schemas.openxmlformats.org/presentationml/2006/main" type="vertTx" preserve="1">
   <p:cSld name="Title and Vertical Text">
     <p:spTree>
@@ -4257,7 +6017,7 @@
         </p:nvSpPr>
         <p:spPr/>
         <p:txBody>
-          <a:bodyPr vert="eaVert"/>
+          <a:bodyPr vert="eaVert" anchor="t"/>
           <a:lstStyle/>
           <a:p>
             <a:pPr lvl="0"/>
@@ -4314,7 +6074,7 @@
           <a:p>
             <a:fld id="{1D8BD707-D9CF-40AE-B4C6-C98DA3205C09}" type="datetimeFigureOut">
               <a:rPr lang="en-US" smtClean="0"/>
-              <a:t>7/24/2023</a:t>
+              <a:t>8/20/2023</a:t>
             </a:fld>
             <a:endParaRPr lang="en-US" dirty="0"/>
           </a:p>
@@ -4341,6 +6101,88 @@
       </p:sp>
       <p:sp>
         <p:nvSpPr>
+          <p:cNvPr id="8" name="Freeform 11"/>
+          <p:cNvSpPr/>
+          <p:nvPr/>
+        </p:nvSpPr>
+        <p:spPr bwMode="auto">
+          <a:xfrm flipV="1">
+            <a:off x="-6531" y="1113896"/>
+            <a:ext cx="2476903" cy="791008"/>
+          </a:xfrm>
+          <a:custGeom>
+            <a:avLst/>
+            <a:gdLst/>
+            <a:ahLst/>
+            <a:cxnLst/>
+            <a:rect l="l" t="t" r="r" b="b"/>
+            <a:pathLst>
+              <a:path w="9248" h="10000">
+                <a:moveTo>
+                  <a:pt x="9248" y="4701"/>
+                </a:moveTo>
+                <a:lnTo>
+                  <a:pt x="7915" y="188"/>
+                </a:lnTo>
+                <a:cubicBezTo>
+                  <a:pt x="7906" y="156"/>
+                  <a:pt x="7895" y="126"/>
+                  <a:pt x="7886" y="94"/>
+                </a:cubicBezTo>
+                <a:cubicBezTo>
+                  <a:pt x="7859" y="0"/>
+                  <a:pt x="7831" y="0"/>
+                  <a:pt x="7803" y="0"/>
+                </a:cubicBezTo>
+                <a:lnTo>
+                  <a:pt x="7275" y="0"/>
+                </a:lnTo>
+                <a:lnTo>
+                  <a:pt x="0" y="70"/>
+                </a:lnTo>
+                <a:cubicBezTo>
+                  <a:pt x="8" y="3380"/>
+                  <a:pt x="17" y="6690"/>
+                  <a:pt x="25" y="10000"/>
+                </a:cubicBezTo>
+                <a:lnTo>
+                  <a:pt x="7275" y="9966"/>
+                </a:lnTo>
+                <a:lnTo>
+                  <a:pt x="7803" y="9966"/>
+                </a:lnTo>
+                <a:cubicBezTo>
+                  <a:pt x="7831" y="9966"/>
+                  <a:pt x="7859" y="9872"/>
+                  <a:pt x="7886" y="9872"/>
+                </a:cubicBezTo>
+                <a:cubicBezTo>
+                  <a:pt x="7886" y="9778"/>
+                  <a:pt x="7915" y="9778"/>
+                  <a:pt x="7915" y="9778"/>
+                </a:cubicBezTo>
+                <a:lnTo>
+                  <a:pt x="9248" y="5265"/>
+                </a:lnTo>
+                <a:cubicBezTo>
+                  <a:pt x="9303" y="5077"/>
+                  <a:pt x="9303" y="4889"/>
+                  <a:pt x="9248" y="4701"/>
+                </a:cubicBezTo>
+                <a:close/>
+              </a:path>
+            </a:pathLst>
+          </a:custGeom>
+          <a:solidFill>
+            <a:schemeClr val="accent1"/>
+          </a:solidFill>
+          <a:ln>
+            <a:noFill/>
+          </a:ln>
+        </p:spPr>
+      </p:sp>
+      <p:sp>
+        <p:nvSpPr>
           <p:cNvPr id="6" name="Slide Number Placeholder 5"/>
           <p:cNvSpPr>
             <a:spLocks noGrp="1"/>
@@ -4365,7 +6207,7 @@
     </p:spTree>
     <p:extLst>
       <p:ext uri="{BB962C8B-B14F-4D97-AF65-F5344CB8AC3E}">
-        <p14:creationId xmlns:p14="http://schemas.microsoft.com/office/powerpoint/2010/main" val="2308309707"/>
+        <p14:creationId xmlns:p14="http://schemas.microsoft.com/office/powerpoint/2010/main" val="2741843474"/>
       </p:ext>
     </p:extLst>
   </p:cSld>
@@ -4375,7 +6217,7 @@
 </p:sldLayout>
 </file>
 
-<file path=ppt/slideLayouts/slideLayout11.xml><?xml version="1.0" encoding="utf-8"?>
+<file path=ppt/slideLayouts/slideLayout16.xml><?xml version="1.0" encoding="utf-8"?>
 <p:sldLayout xmlns:a="http://schemas.openxmlformats.org/drawingml/2006/main" xmlns:r="http://schemas.openxmlformats.org/officeDocument/2006/relationships" xmlns:p="http://schemas.openxmlformats.org/presentationml/2006/main" type="vertTitleAndTx" preserve="1">
   <p:cSld name="Vertical Title and Text">
     <p:spTree>
@@ -4404,12 +6246,12 @@
         </p:nvSpPr>
         <p:spPr>
           <a:xfrm>
-            <a:off x="13604255" y="569325"/>
-            <a:ext cx="4099099" cy="9062162"/>
+            <a:off x="14492889" y="978288"/>
+            <a:ext cx="3442190" cy="8238841"/>
           </a:xfrm>
         </p:spPr>
         <p:txBody>
-          <a:bodyPr vert="eaVert"/>
+          <a:bodyPr vert="eaVert" anchor="ctr"/>
           <a:lstStyle/>
           <a:p>
             <a:r>
@@ -4432,8 +6274,8 @@
         </p:nvSpPr>
         <p:spPr>
           <a:xfrm>
-            <a:off x="1306959" y="569325"/>
-            <a:ext cx="12059667" cy="9062162"/>
+            <a:off x="4037215" y="978288"/>
+            <a:ext cx="10099229" cy="8238841"/>
           </a:xfrm>
         </p:spPr>
         <p:txBody>
@@ -4494,7 +6336,7 @@
           <a:p>
             <a:fld id="{1D8BD707-D9CF-40AE-B4C6-C98DA3205C09}" type="datetimeFigureOut">
               <a:rPr lang="en-US" smtClean="0"/>
-              <a:t>7/24/2023</a:t>
+              <a:t>8/20/2023</a:t>
             </a:fld>
             <a:endParaRPr lang="en-US" dirty="0"/>
           </a:p>
@@ -4521,6 +6363,88 @@
       </p:sp>
       <p:sp>
         <p:nvSpPr>
+          <p:cNvPr id="8" name="Freeform 11"/>
+          <p:cNvSpPr/>
+          <p:nvPr/>
+        </p:nvSpPr>
+        <p:spPr bwMode="auto">
+          <a:xfrm flipV="1">
+            <a:off x="-6531" y="1113896"/>
+            <a:ext cx="2476903" cy="791008"/>
+          </a:xfrm>
+          <a:custGeom>
+            <a:avLst/>
+            <a:gdLst/>
+            <a:ahLst/>
+            <a:cxnLst/>
+            <a:rect l="l" t="t" r="r" b="b"/>
+            <a:pathLst>
+              <a:path w="9248" h="10000">
+                <a:moveTo>
+                  <a:pt x="9248" y="4701"/>
+                </a:moveTo>
+                <a:lnTo>
+                  <a:pt x="7915" y="188"/>
+                </a:lnTo>
+                <a:cubicBezTo>
+                  <a:pt x="7906" y="156"/>
+                  <a:pt x="7895" y="126"/>
+                  <a:pt x="7886" y="94"/>
+                </a:cubicBezTo>
+                <a:cubicBezTo>
+                  <a:pt x="7859" y="0"/>
+                  <a:pt x="7831" y="0"/>
+                  <a:pt x="7803" y="0"/>
+                </a:cubicBezTo>
+                <a:lnTo>
+                  <a:pt x="7275" y="0"/>
+                </a:lnTo>
+                <a:lnTo>
+                  <a:pt x="0" y="70"/>
+                </a:lnTo>
+                <a:cubicBezTo>
+                  <a:pt x="8" y="3380"/>
+                  <a:pt x="17" y="6690"/>
+                  <a:pt x="25" y="10000"/>
+                </a:cubicBezTo>
+                <a:lnTo>
+                  <a:pt x="7275" y="9966"/>
+                </a:lnTo>
+                <a:lnTo>
+                  <a:pt x="7803" y="9966"/>
+                </a:lnTo>
+                <a:cubicBezTo>
+                  <a:pt x="7831" y="9966"/>
+                  <a:pt x="7859" y="9872"/>
+                  <a:pt x="7886" y="9872"/>
+                </a:cubicBezTo>
+                <a:cubicBezTo>
+                  <a:pt x="7886" y="9778"/>
+                  <a:pt x="7915" y="9778"/>
+                  <a:pt x="7915" y="9778"/>
+                </a:cubicBezTo>
+                <a:lnTo>
+                  <a:pt x="9248" y="5265"/>
+                </a:lnTo>
+                <a:cubicBezTo>
+                  <a:pt x="9303" y="5077"/>
+                  <a:pt x="9303" y="4889"/>
+                  <a:pt x="9248" y="4701"/>
+                </a:cubicBezTo>
+                <a:close/>
+              </a:path>
+            </a:pathLst>
+          </a:custGeom>
+          <a:solidFill>
+            <a:schemeClr val="accent1"/>
+          </a:solidFill>
+          <a:ln>
+            <a:noFill/>
+          </a:ln>
+        </p:spPr>
+      </p:sp>
+      <p:sp>
+        <p:nvSpPr>
           <p:cNvPr id="6" name="Slide Number Placeholder 5"/>
           <p:cNvSpPr>
             <a:spLocks noGrp="1"/>
@@ -4545,7 +6469,7 @@
     </p:spTree>
     <p:extLst>
       <p:ext uri="{BB962C8B-B14F-4D97-AF65-F5344CB8AC3E}">
-        <p14:creationId xmlns:p14="http://schemas.microsoft.com/office/powerpoint/2010/main" val="2528634361"/>
+        <p14:creationId xmlns:p14="http://schemas.microsoft.com/office/powerpoint/2010/main" val="1018582387"/>
       </p:ext>
     </p:extLst>
   </p:cSld>
@@ -4582,7 +6506,12 @@
             <p:ph type="title"/>
           </p:nvPr>
         </p:nvSpPr>
-        <p:spPr/>
+        <p:spPr>
+          <a:xfrm>
+            <a:off x="4043006" y="973149"/>
+            <a:ext cx="13895502" cy="1997240"/>
+          </a:xfrm>
+        </p:spPr>
         <p:txBody>
           <a:bodyPr/>
           <a:lstStyle/>
@@ -4605,7 +6534,12 @@
             <p:ph idx="1"/>
           </p:nvPr>
         </p:nvSpPr>
-        <p:spPr/>
+        <p:spPr>
+          <a:xfrm>
+            <a:off x="4037216" y="3326836"/>
+            <a:ext cx="13901291" cy="5890292"/>
+          </a:xfrm>
+        </p:spPr>
         <p:txBody>
           <a:bodyPr/>
           <a:lstStyle/>
@@ -4664,7 +6598,7 @@
           <a:p>
             <a:fld id="{1D8BD707-D9CF-40AE-B4C6-C98DA3205C09}" type="datetimeFigureOut">
               <a:rPr lang="en-US" smtClean="0"/>
-              <a:t>7/24/2023</a:t>
+              <a:t>8/20/2023</a:t>
             </a:fld>
             <a:endParaRPr lang="en-US" dirty="0"/>
           </a:p>
@@ -4691,6 +6625,88 @@
       </p:sp>
       <p:sp>
         <p:nvSpPr>
+          <p:cNvPr id="8" name="Freeform 11"/>
+          <p:cNvSpPr/>
+          <p:nvPr/>
+        </p:nvSpPr>
+        <p:spPr bwMode="auto">
+          <a:xfrm flipV="1">
+            <a:off x="-6531" y="1113896"/>
+            <a:ext cx="2476903" cy="791008"/>
+          </a:xfrm>
+          <a:custGeom>
+            <a:avLst/>
+            <a:gdLst/>
+            <a:ahLst/>
+            <a:cxnLst/>
+            <a:rect l="l" t="t" r="r" b="b"/>
+            <a:pathLst>
+              <a:path w="9248" h="10000">
+                <a:moveTo>
+                  <a:pt x="9248" y="4701"/>
+                </a:moveTo>
+                <a:lnTo>
+                  <a:pt x="7915" y="188"/>
+                </a:lnTo>
+                <a:cubicBezTo>
+                  <a:pt x="7906" y="156"/>
+                  <a:pt x="7895" y="126"/>
+                  <a:pt x="7886" y="94"/>
+                </a:cubicBezTo>
+                <a:cubicBezTo>
+                  <a:pt x="7859" y="0"/>
+                  <a:pt x="7831" y="0"/>
+                  <a:pt x="7803" y="0"/>
+                </a:cubicBezTo>
+                <a:lnTo>
+                  <a:pt x="7275" y="0"/>
+                </a:lnTo>
+                <a:lnTo>
+                  <a:pt x="0" y="70"/>
+                </a:lnTo>
+                <a:cubicBezTo>
+                  <a:pt x="8" y="3380"/>
+                  <a:pt x="17" y="6690"/>
+                  <a:pt x="25" y="10000"/>
+                </a:cubicBezTo>
+                <a:lnTo>
+                  <a:pt x="7275" y="9966"/>
+                </a:lnTo>
+                <a:lnTo>
+                  <a:pt x="7803" y="9966"/>
+                </a:lnTo>
+                <a:cubicBezTo>
+                  <a:pt x="7831" y="9966"/>
+                  <a:pt x="7859" y="9872"/>
+                  <a:pt x="7886" y="9872"/>
+                </a:cubicBezTo>
+                <a:cubicBezTo>
+                  <a:pt x="7886" y="9778"/>
+                  <a:pt x="7915" y="9778"/>
+                  <a:pt x="7915" y="9778"/>
+                </a:cubicBezTo>
+                <a:lnTo>
+                  <a:pt x="9248" y="5265"/>
+                </a:lnTo>
+                <a:cubicBezTo>
+                  <a:pt x="9303" y="5077"/>
+                  <a:pt x="9303" y="4889"/>
+                  <a:pt x="9248" y="4701"/>
+                </a:cubicBezTo>
+                <a:close/>
+              </a:path>
+            </a:pathLst>
+          </a:custGeom>
+          <a:solidFill>
+            <a:schemeClr val="accent1"/>
+          </a:solidFill>
+          <a:ln>
+            <a:noFill/>
+          </a:ln>
+        </p:spPr>
+      </p:sp>
+      <p:sp>
+        <p:nvSpPr>
           <p:cNvPr id="6" name="Slide Number Placeholder 5"/>
           <p:cNvSpPr>
             <a:spLocks noGrp="1"/>
@@ -4715,7 +6731,7 @@
     </p:spTree>
     <p:extLst>
       <p:ext uri="{BB962C8B-B14F-4D97-AF65-F5344CB8AC3E}">
-        <p14:creationId xmlns:p14="http://schemas.microsoft.com/office/powerpoint/2010/main" val="1239549096"/>
+        <p14:creationId xmlns:p14="http://schemas.microsoft.com/office/powerpoint/2010/main" val="3782720931"/>
       </p:ext>
     </p:extLst>
   </p:cSld>
@@ -4754,15 +6770,15 @@
         </p:nvSpPr>
         <p:spPr>
           <a:xfrm>
-            <a:off x="1297058" y="2665925"/>
-            <a:ext cx="16396395" cy="4448157"/>
+            <a:off x="4037216" y="3210125"/>
+            <a:ext cx="13901290" cy="2290240"/>
           </a:xfrm>
         </p:spPr>
         <p:txBody>
           <a:bodyPr anchor="b"/>
           <a:lstStyle>
-            <a:lvl1pPr>
-              <a:defRPr sz="9355"/>
+            <a:lvl1pPr algn="l">
+              <a:defRPr sz="6237" b="0" cap="none"/>
             </a:lvl1pPr>
           </a:lstStyle>
           <a:p>
@@ -4786,26 +6802,27 @@
         </p:nvSpPr>
         <p:spPr>
           <a:xfrm>
-            <a:off x="1297058" y="7156164"/>
-            <a:ext cx="16396395" cy="2339180"/>
+            <a:off x="4037216" y="5504386"/>
+            <a:ext cx="13901290" cy="1341587"/>
           </a:xfrm>
         </p:spPr>
         <p:txBody>
-          <a:bodyPr/>
+          <a:bodyPr anchor="t"/>
           <a:lstStyle>
-            <a:lvl1pPr marL="0" indent="0">
+            <a:lvl1pPr marL="0" indent="0" algn="l">
               <a:buNone/>
-              <a:defRPr sz="3742">
+              <a:defRPr sz="3118">
                 <a:solidFill>
                   <a:schemeClr val="tx1">
-                    <a:tint val="75000"/>
+                    <a:lumMod val="65000"/>
+                    <a:lumOff val="35000"/>
                   </a:schemeClr>
                 </a:solidFill>
               </a:defRPr>
             </a:lvl1pPr>
             <a:lvl2pPr marL="712866" indent="0">
               <a:buNone/>
-              <a:defRPr sz="3118">
+              <a:defRPr sz="2807">
                 <a:solidFill>
                   <a:schemeClr val="tx1">
                     <a:tint val="75000"/>
@@ -4815,7 +6832,7 @@
             </a:lvl2pPr>
             <a:lvl3pPr marL="1425732" indent="0">
               <a:buNone/>
-              <a:defRPr sz="2807">
+              <a:defRPr sz="2495">
                 <a:solidFill>
                   <a:schemeClr val="tx1">
                     <a:tint val="75000"/>
@@ -4825,7 +6842,7 @@
             </a:lvl3pPr>
             <a:lvl4pPr marL="2138599" indent="0">
               <a:buNone/>
-              <a:defRPr sz="2495">
+              <a:defRPr sz="2183">
                 <a:solidFill>
                   <a:schemeClr val="tx1">
                     <a:tint val="75000"/>
@@ -4835,7 +6852,7 @@
             </a:lvl4pPr>
             <a:lvl5pPr marL="2851465" indent="0">
               <a:buNone/>
-              <a:defRPr sz="2495">
+              <a:defRPr sz="2183">
                 <a:solidFill>
                   <a:schemeClr val="tx1">
                     <a:tint val="75000"/>
@@ -4845,7 +6862,7 @@
             </a:lvl5pPr>
             <a:lvl6pPr marL="3564331" indent="0">
               <a:buNone/>
-              <a:defRPr sz="2495">
+              <a:defRPr sz="2183">
                 <a:solidFill>
                   <a:schemeClr val="tx1">
                     <a:tint val="75000"/>
@@ -4855,7 +6872,7 @@
             </a:lvl6pPr>
             <a:lvl7pPr marL="4277197" indent="0">
               <a:buNone/>
-              <a:defRPr sz="2495">
+              <a:defRPr sz="2183">
                 <a:solidFill>
                   <a:schemeClr val="tx1">
                     <a:tint val="75000"/>
@@ -4865,7 +6882,7 @@
             </a:lvl7pPr>
             <a:lvl8pPr marL="4990064" indent="0">
               <a:buNone/>
-              <a:defRPr sz="2495">
+              <a:defRPr sz="2183">
                 <a:solidFill>
                   <a:schemeClr val="tx1">
                     <a:tint val="75000"/>
@@ -4875,7 +6892,7 @@
             </a:lvl8pPr>
             <a:lvl9pPr marL="5702930" indent="0">
               <a:buNone/>
-              <a:defRPr sz="2495">
+              <a:defRPr sz="2183">
                 <a:solidFill>
                   <a:schemeClr val="tx1">
                     <a:tint val="75000"/>
@@ -4910,7 +6927,7 @@
           <a:p>
             <a:fld id="{1D8BD707-D9CF-40AE-B4C6-C98DA3205C09}" type="datetimeFigureOut">
               <a:rPr lang="en-US" smtClean="0"/>
-              <a:t>7/24/2023</a:t>
+              <a:t>8/20/2023</a:t>
             </a:fld>
             <a:endParaRPr lang="en-US" dirty="0"/>
           </a:p>
@@ -4937,6 +6954,88 @@
       </p:sp>
       <p:sp>
         <p:nvSpPr>
+          <p:cNvPr id="9" name="Freeform 11"/>
+          <p:cNvSpPr/>
+          <p:nvPr/>
+        </p:nvSpPr>
+        <p:spPr bwMode="auto">
+          <a:xfrm flipV="1">
+            <a:off x="-6531" y="4955599"/>
+            <a:ext cx="2476903" cy="791008"/>
+          </a:xfrm>
+          <a:custGeom>
+            <a:avLst/>
+            <a:gdLst/>
+            <a:ahLst/>
+            <a:cxnLst/>
+            <a:rect l="l" t="t" r="r" b="b"/>
+            <a:pathLst>
+              <a:path w="9248" h="10000">
+                <a:moveTo>
+                  <a:pt x="9248" y="4701"/>
+                </a:moveTo>
+                <a:lnTo>
+                  <a:pt x="7915" y="188"/>
+                </a:lnTo>
+                <a:cubicBezTo>
+                  <a:pt x="7906" y="156"/>
+                  <a:pt x="7895" y="126"/>
+                  <a:pt x="7886" y="94"/>
+                </a:cubicBezTo>
+                <a:cubicBezTo>
+                  <a:pt x="7859" y="0"/>
+                  <a:pt x="7831" y="0"/>
+                  <a:pt x="7803" y="0"/>
+                </a:cubicBezTo>
+                <a:lnTo>
+                  <a:pt x="7275" y="0"/>
+                </a:lnTo>
+                <a:lnTo>
+                  <a:pt x="0" y="70"/>
+                </a:lnTo>
+                <a:cubicBezTo>
+                  <a:pt x="8" y="3380"/>
+                  <a:pt x="17" y="6690"/>
+                  <a:pt x="25" y="10000"/>
+                </a:cubicBezTo>
+                <a:lnTo>
+                  <a:pt x="7275" y="9966"/>
+                </a:lnTo>
+                <a:lnTo>
+                  <a:pt x="7803" y="9966"/>
+                </a:lnTo>
+                <a:cubicBezTo>
+                  <a:pt x="7831" y="9966"/>
+                  <a:pt x="7859" y="9872"/>
+                  <a:pt x="7886" y="9872"/>
+                </a:cubicBezTo>
+                <a:cubicBezTo>
+                  <a:pt x="7886" y="9778"/>
+                  <a:pt x="7915" y="9778"/>
+                  <a:pt x="7915" y="9778"/>
+                </a:cubicBezTo>
+                <a:lnTo>
+                  <a:pt x="9248" y="5265"/>
+                </a:lnTo>
+                <a:cubicBezTo>
+                  <a:pt x="9303" y="5077"/>
+                  <a:pt x="9303" y="4889"/>
+                  <a:pt x="9248" y="4701"/>
+                </a:cubicBezTo>
+                <a:close/>
+              </a:path>
+            </a:pathLst>
+          </a:custGeom>
+          <a:solidFill>
+            <a:schemeClr val="accent1"/>
+          </a:solidFill>
+          <a:ln>
+            <a:noFill/>
+          </a:ln>
+        </p:spPr>
+      </p:sp>
+      <p:sp>
+        <p:nvSpPr>
           <p:cNvPr id="6" name="Slide Number Placeholder 5"/>
           <p:cNvSpPr>
             <a:spLocks noGrp="1"/>
@@ -4945,7 +7044,12 @@
             <p:ph type="sldNum" sz="quarter" idx="12"/>
           </p:nvPr>
         </p:nvSpPr>
-        <p:spPr/>
+        <p:spPr>
+          <a:xfrm>
+            <a:off x="829226" y="5058454"/>
+            <a:ext cx="1215848" cy="569325"/>
+          </a:xfrm>
+        </p:spPr>
         <p:txBody>
           <a:bodyPr/>
           <a:lstStyle/>
@@ -4961,7 +7065,7 @@
     </p:spTree>
     <p:extLst>
       <p:ext uri="{BB962C8B-B14F-4D97-AF65-F5344CB8AC3E}">
-        <p14:creationId xmlns:p14="http://schemas.microsoft.com/office/powerpoint/2010/main" val="2172319751"/>
+        <p14:creationId xmlns:p14="http://schemas.microsoft.com/office/powerpoint/2010/main" val="3277726928"/>
       </p:ext>
     </p:extLst>
   </p:cSld>
@@ -4990,7 +7094,7 @@
       </p:grpSpPr>
       <p:sp>
         <p:nvSpPr>
-          <p:cNvPr id="2" name="Title 1"/>
+          <p:cNvPr id="8" name="Title 7"/>
           <p:cNvSpPr>
             <a:spLocks noGrp="1"/>
           </p:cNvSpPr>
@@ -5023,12 +7127,14 @@
         </p:nvSpPr>
         <p:spPr>
           <a:xfrm>
-            <a:off x="1306959" y="2846623"/>
-            <a:ext cx="8079383" cy="6784864"/>
+            <a:off x="4037216" y="3326836"/>
+            <a:ext cx="6726370" cy="5890292"/>
           </a:xfrm>
         </p:spPr>
         <p:txBody>
-          <a:bodyPr/>
+          <a:bodyPr>
+            <a:normAutofit/>
+          </a:bodyPr>
           <a:lstStyle/>
           <a:p>
             <a:pPr lvl="0"/>
@@ -5080,12 +7186,14 @@
         </p:nvSpPr>
         <p:spPr>
           <a:xfrm>
-            <a:off x="9623971" y="2846623"/>
-            <a:ext cx="8079383" cy="6784864"/>
+            <a:off x="11212135" y="3315331"/>
+            <a:ext cx="6726370" cy="5890292"/>
           </a:xfrm>
         </p:spPr>
         <p:txBody>
-          <a:bodyPr/>
+          <a:bodyPr>
+            <a:normAutofit/>
+          </a:bodyPr>
           <a:lstStyle/>
           <a:p>
             <a:pPr lvl="0"/>
@@ -5142,7 +7250,7 @@
           <a:p>
             <a:fld id="{1D8BD707-D9CF-40AE-B4C6-C98DA3205C09}" type="datetimeFigureOut">
               <a:rPr lang="en-US" smtClean="0"/>
-              <a:t>7/24/2023</a:t>
+              <a:t>8/20/2023</a:t>
             </a:fld>
             <a:endParaRPr lang="en-US" dirty="0"/>
           </a:p>
@@ -5169,7 +7277,89 @@
       </p:sp>
       <p:sp>
         <p:nvSpPr>
-          <p:cNvPr id="7" name="Slide Number Placeholder 6"/>
+          <p:cNvPr id="10" name="Freeform 11"/>
+          <p:cNvSpPr/>
+          <p:nvPr/>
+        </p:nvSpPr>
+        <p:spPr bwMode="auto">
+          <a:xfrm flipV="1">
+            <a:off x="-6531" y="1113896"/>
+            <a:ext cx="2476903" cy="791008"/>
+          </a:xfrm>
+          <a:custGeom>
+            <a:avLst/>
+            <a:gdLst/>
+            <a:ahLst/>
+            <a:cxnLst/>
+            <a:rect l="l" t="t" r="r" b="b"/>
+            <a:pathLst>
+              <a:path w="9248" h="10000">
+                <a:moveTo>
+                  <a:pt x="9248" y="4701"/>
+                </a:moveTo>
+                <a:lnTo>
+                  <a:pt x="7915" y="188"/>
+                </a:lnTo>
+                <a:cubicBezTo>
+                  <a:pt x="7906" y="156"/>
+                  <a:pt x="7895" y="126"/>
+                  <a:pt x="7886" y="94"/>
+                </a:cubicBezTo>
+                <a:cubicBezTo>
+                  <a:pt x="7859" y="0"/>
+                  <a:pt x="7831" y="0"/>
+                  <a:pt x="7803" y="0"/>
+                </a:cubicBezTo>
+                <a:lnTo>
+                  <a:pt x="7275" y="0"/>
+                </a:lnTo>
+                <a:lnTo>
+                  <a:pt x="0" y="70"/>
+                </a:lnTo>
+                <a:cubicBezTo>
+                  <a:pt x="8" y="3380"/>
+                  <a:pt x="17" y="6690"/>
+                  <a:pt x="25" y="10000"/>
+                </a:cubicBezTo>
+                <a:lnTo>
+                  <a:pt x="7275" y="9966"/>
+                </a:lnTo>
+                <a:lnTo>
+                  <a:pt x="7803" y="9966"/>
+                </a:lnTo>
+                <a:cubicBezTo>
+                  <a:pt x="7831" y="9966"/>
+                  <a:pt x="7859" y="9872"/>
+                  <a:pt x="7886" y="9872"/>
+                </a:cubicBezTo>
+                <a:cubicBezTo>
+                  <a:pt x="7886" y="9778"/>
+                  <a:pt x="7915" y="9778"/>
+                  <a:pt x="7915" y="9778"/>
+                </a:cubicBezTo>
+                <a:lnTo>
+                  <a:pt x="9248" y="5265"/>
+                </a:lnTo>
+                <a:cubicBezTo>
+                  <a:pt x="9303" y="5077"/>
+                  <a:pt x="9303" y="4889"/>
+                  <a:pt x="9248" y="4701"/>
+                </a:cubicBezTo>
+                <a:close/>
+              </a:path>
+            </a:pathLst>
+          </a:custGeom>
+          <a:solidFill>
+            <a:schemeClr val="accent1"/>
+          </a:solidFill>
+          <a:ln>
+            <a:noFill/>
+          </a:ln>
+        </p:spPr>
+      </p:sp>
+      <p:sp>
+        <p:nvSpPr>
+          <p:cNvPr id="11" name="Slide Number Placeholder 5"/>
           <p:cNvSpPr>
             <a:spLocks noGrp="1"/>
           </p:cNvSpPr>
@@ -5177,7 +7367,12 @@
             <p:ph type="sldNum" sz="quarter" idx="12"/>
           </p:nvPr>
         </p:nvSpPr>
-        <p:spPr/>
+        <p:spPr>
+          <a:xfrm>
+            <a:off x="829226" y="1228357"/>
+            <a:ext cx="1215848" cy="569325"/>
+          </a:xfrm>
+        </p:spPr>
         <p:txBody>
           <a:bodyPr/>
           <a:lstStyle/>
@@ -5193,7 +7388,7 @@
     </p:spTree>
     <p:extLst>
       <p:ext uri="{BB962C8B-B14F-4D97-AF65-F5344CB8AC3E}">
-        <p14:creationId xmlns:p14="http://schemas.microsoft.com/office/powerpoint/2010/main" val="1279570029"/>
+        <p14:creationId xmlns:p14="http://schemas.microsoft.com/office/powerpoint/2010/main" val="4055862878"/>
       </p:ext>
     </p:extLst>
   </p:cSld>
@@ -5222,7 +7417,7 @@
       </p:grpSpPr>
       <p:sp>
         <p:nvSpPr>
-          <p:cNvPr id="2" name="Title 1"/>
+          <p:cNvPr id="10" name="Title 9"/>
           <p:cNvSpPr>
             <a:spLocks noGrp="1"/>
           </p:cNvSpPr>
@@ -5230,12 +7425,7 @@
             <p:ph type="title"/>
           </p:nvPr>
         </p:nvSpPr>
-        <p:spPr>
-          <a:xfrm>
-            <a:off x="1309435" y="569326"/>
-            <a:ext cx="16396395" cy="2066896"/>
-          </a:xfrm>
-        </p:spPr>
+        <p:spPr/>
         <p:txBody>
           <a:bodyPr/>
           <a:lstStyle/>
@@ -5260,16 +7450,18 @@
         </p:nvSpPr>
         <p:spPr>
           <a:xfrm>
-            <a:off x="1309436" y="2621369"/>
-            <a:ext cx="8042253" cy="1284692"/>
+            <a:off x="4583202" y="3075955"/>
+            <a:ext cx="6225647" cy="898542"/>
           </a:xfrm>
         </p:spPr>
         <p:txBody>
-          <a:bodyPr anchor="b"/>
+          <a:bodyPr anchor="b">
+            <a:noAutofit/>
+          </a:bodyPr>
           <a:lstStyle>
             <a:lvl1pPr marL="0" indent="0">
               <a:buNone/>
-              <a:defRPr sz="3742" b="1"/>
+              <a:defRPr sz="3742" b="0"/>
             </a:lvl1pPr>
             <a:lvl2pPr marL="712866" indent="0">
               <a:buNone/>
@@ -5325,12 +7517,14 @@
         </p:nvSpPr>
         <p:spPr>
           <a:xfrm>
-            <a:off x="1309436" y="3906061"/>
-            <a:ext cx="8042253" cy="5745228"/>
+            <a:off x="4037216" y="3974499"/>
+            <a:ext cx="6771633" cy="5229849"/>
           </a:xfrm>
         </p:spPr>
         <p:txBody>
-          <a:bodyPr/>
+          <a:bodyPr>
+            <a:normAutofit/>
+          </a:bodyPr>
           <a:lstStyle/>
           <a:p>
             <a:pPr lvl="0"/>
@@ -5382,16 +7576,18 @@
         </p:nvSpPr>
         <p:spPr>
           <a:xfrm>
-            <a:off x="9623971" y="2621369"/>
-            <a:ext cx="8081859" cy="1284692"/>
+            <a:off x="11704673" y="3070922"/>
+            <a:ext cx="6235422" cy="898542"/>
           </a:xfrm>
         </p:spPr>
         <p:txBody>
-          <a:bodyPr anchor="b"/>
+          <a:bodyPr anchor="b">
+            <a:noAutofit/>
+          </a:bodyPr>
           <a:lstStyle>
             <a:lvl1pPr marL="0" indent="0">
               <a:buNone/>
-              <a:defRPr sz="3742" b="1"/>
+              <a:defRPr sz="3742" b="0"/>
             </a:lvl1pPr>
             <a:lvl2pPr marL="712866" indent="0">
               <a:buNone/>
@@ -5447,12 +7643,14 @@
         </p:nvSpPr>
         <p:spPr>
           <a:xfrm>
-            <a:off x="9623971" y="3906061"/>
-            <a:ext cx="8081859" cy="5745228"/>
+            <a:off x="11175041" y="3969466"/>
+            <a:ext cx="6765055" cy="5229849"/>
           </a:xfrm>
         </p:spPr>
         <p:txBody>
-          <a:bodyPr/>
+          <a:bodyPr>
+            <a:normAutofit/>
+          </a:bodyPr>
           <a:lstStyle/>
           <a:p>
             <a:pPr lvl="0"/>
@@ -5509,7 +7707,7 @@
           <a:p>
             <a:fld id="{1D8BD707-D9CF-40AE-B4C6-C98DA3205C09}" type="datetimeFigureOut">
               <a:rPr lang="en-US" smtClean="0"/>
-              <a:t>7/24/2023</a:t>
+              <a:t>8/20/2023</a:t>
             </a:fld>
             <a:endParaRPr lang="en-US" dirty="0"/>
           </a:p>
@@ -5536,7 +7734,89 @@
       </p:sp>
       <p:sp>
         <p:nvSpPr>
-          <p:cNvPr id="9" name="Slide Number Placeholder 8"/>
+          <p:cNvPr id="12" name="Freeform 11"/>
+          <p:cNvSpPr/>
+          <p:nvPr/>
+        </p:nvSpPr>
+        <p:spPr bwMode="auto">
+          <a:xfrm flipV="1">
+            <a:off x="-6531" y="1113896"/>
+            <a:ext cx="2476903" cy="791008"/>
+          </a:xfrm>
+          <a:custGeom>
+            <a:avLst/>
+            <a:gdLst/>
+            <a:ahLst/>
+            <a:cxnLst/>
+            <a:rect l="l" t="t" r="r" b="b"/>
+            <a:pathLst>
+              <a:path w="9248" h="10000">
+                <a:moveTo>
+                  <a:pt x="9248" y="4701"/>
+                </a:moveTo>
+                <a:lnTo>
+                  <a:pt x="7915" y="188"/>
+                </a:lnTo>
+                <a:cubicBezTo>
+                  <a:pt x="7906" y="156"/>
+                  <a:pt x="7895" y="126"/>
+                  <a:pt x="7886" y="94"/>
+                </a:cubicBezTo>
+                <a:cubicBezTo>
+                  <a:pt x="7859" y="0"/>
+                  <a:pt x="7831" y="0"/>
+                  <a:pt x="7803" y="0"/>
+                </a:cubicBezTo>
+                <a:lnTo>
+                  <a:pt x="7275" y="0"/>
+                </a:lnTo>
+                <a:lnTo>
+                  <a:pt x="0" y="70"/>
+                </a:lnTo>
+                <a:cubicBezTo>
+                  <a:pt x="8" y="3380"/>
+                  <a:pt x="17" y="6690"/>
+                  <a:pt x="25" y="10000"/>
+                </a:cubicBezTo>
+                <a:lnTo>
+                  <a:pt x="7275" y="9966"/>
+                </a:lnTo>
+                <a:lnTo>
+                  <a:pt x="7803" y="9966"/>
+                </a:lnTo>
+                <a:cubicBezTo>
+                  <a:pt x="7831" y="9966"/>
+                  <a:pt x="7859" y="9872"/>
+                  <a:pt x="7886" y="9872"/>
+                </a:cubicBezTo>
+                <a:cubicBezTo>
+                  <a:pt x="7886" y="9778"/>
+                  <a:pt x="7915" y="9778"/>
+                  <a:pt x="7915" y="9778"/>
+                </a:cubicBezTo>
+                <a:lnTo>
+                  <a:pt x="9248" y="5265"/>
+                </a:lnTo>
+                <a:cubicBezTo>
+                  <a:pt x="9303" y="5077"/>
+                  <a:pt x="9303" y="4889"/>
+                  <a:pt x="9248" y="4701"/>
+                </a:cubicBezTo>
+                <a:close/>
+              </a:path>
+            </a:pathLst>
+          </a:custGeom>
+          <a:solidFill>
+            <a:schemeClr val="accent1"/>
+          </a:solidFill>
+          <a:ln>
+            <a:noFill/>
+          </a:ln>
+        </p:spPr>
+      </p:sp>
+      <p:sp>
+        <p:nvSpPr>
+          <p:cNvPr id="13" name="Slide Number Placeholder 5"/>
           <p:cNvSpPr>
             <a:spLocks noGrp="1"/>
           </p:cNvSpPr>
@@ -5544,7 +7824,12 @@
             <p:ph type="sldNum" sz="quarter" idx="12"/>
           </p:nvPr>
         </p:nvSpPr>
-        <p:spPr/>
+        <p:spPr>
+          <a:xfrm>
+            <a:off x="829226" y="1228357"/>
+            <a:ext cx="1215848" cy="569325"/>
+          </a:xfrm>
+        </p:spPr>
         <p:txBody>
           <a:bodyPr/>
           <a:lstStyle/>
@@ -5560,7 +7845,7 @@
     </p:spTree>
     <p:extLst>
       <p:ext uri="{BB962C8B-B14F-4D97-AF65-F5344CB8AC3E}">
-        <p14:creationId xmlns:p14="http://schemas.microsoft.com/office/powerpoint/2010/main" val="3290775109"/>
+        <p14:creationId xmlns:p14="http://schemas.microsoft.com/office/powerpoint/2010/main" val="1564130591"/>
       </p:ext>
     </p:extLst>
   </p:cSld>
@@ -5627,7 +7912,7 @@
           <a:p>
             <a:fld id="{1D8BD707-D9CF-40AE-B4C6-C98DA3205C09}" type="datetimeFigureOut">
               <a:rPr lang="en-US" smtClean="0"/>
-              <a:t>7/24/2023</a:t>
+              <a:t>8/20/2023</a:t>
             </a:fld>
             <a:endParaRPr lang="en-US" dirty="0"/>
           </a:p>
@@ -5654,6 +7939,88 @@
       </p:sp>
       <p:sp>
         <p:nvSpPr>
+          <p:cNvPr id="7" name="Freeform 11"/>
+          <p:cNvSpPr/>
+          <p:nvPr/>
+        </p:nvSpPr>
+        <p:spPr bwMode="auto">
+          <a:xfrm flipV="1">
+            <a:off x="-6531" y="1113896"/>
+            <a:ext cx="2476903" cy="791008"/>
+          </a:xfrm>
+          <a:custGeom>
+            <a:avLst/>
+            <a:gdLst/>
+            <a:ahLst/>
+            <a:cxnLst/>
+            <a:rect l="l" t="t" r="r" b="b"/>
+            <a:pathLst>
+              <a:path w="9248" h="10000">
+                <a:moveTo>
+                  <a:pt x="9248" y="4701"/>
+                </a:moveTo>
+                <a:lnTo>
+                  <a:pt x="7915" y="188"/>
+                </a:lnTo>
+                <a:cubicBezTo>
+                  <a:pt x="7906" y="156"/>
+                  <a:pt x="7895" y="126"/>
+                  <a:pt x="7886" y="94"/>
+                </a:cubicBezTo>
+                <a:cubicBezTo>
+                  <a:pt x="7859" y="0"/>
+                  <a:pt x="7831" y="0"/>
+                  <a:pt x="7803" y="0"/>
+                </a:cubicBezTo>
+                <a:lnTo>
+                  <a:pt x="7275" y="0"/>
+                </a:lnTo>
+                <a:lnTo>
+                  <a:pt x="0" y="70"/>
+                </a:lnTo>
+                <a:cubicBezTo>
+                  <a:pt x="8" y="3380"/>
+                  <a:pt x="17" y="6690"/>
+                  <a:pt x="25" y="10000"/>
+                </a:cubicBezTo>
+                <a:lnTo>
+                  <a:pt x="7275" y="9966"/>
+                </a:lnTo>
+                <a:lnTo>
+                  <a:pt x="7803" y="9966"/>
+                </a:lnTo>
+                <a:cubicBezTo>
+                  <a:pt x="7831" y="9966"/>
+                  <a:pt x="7859" y="9872"/>
+                  <a:pt x="7886" y="9872"/>
+                </a:cubicBezTo>
+                <a:cubicBezTo>
+                  <a:pt x="7886" y="9778"/>
+                  <a:pt x="7915" y="9778"/>
+                  <a:pt x="7915" y="9778"/>
+                </a:cubicBezTo>
+                <a:lnTo>
+                  <a:pt x="9248" y="5265"/>
+                </a:lnTo>
+                <a:cubicBezTo>
+                  <a:pt x="9303" y="5077"/>
+                  <a:pt x="9303" y="4889"/>
+                  <a:pt x="9248" y="4701"/>
+                </a:cubicBezTo>
+                <a:close/>
+              </a:path>
+            </a:pathLst>
+          </a:custGeom>
+          <a:solidFill>
+            <a:schemeClr val="accent1"/>
+          </a:solidFill>
+          <a:ln>
+            <a:noFill/>
+          </a:ln>
+        </p:spPr>
+      </p:sp>
+      <p:sp>
+        <p:nvSpPr>
           <p:cNvPr id="5" name="Slide Number Placeholder 4"/>
           <p:cNvSpPr>
             <a:spLocks noGrp="1"/>
@@ -5678,7 +8045,7 @@
     </p:spTree>
     <p:extLst>
       <p:ext uri="{BB962C8B-B14F-4D97-AF65-F5344CB8AC3E}">
-        <p14:creationId xmlns:p14="http://schemas.microsoft.com/office/powerpoint/2010/main" val="1906622910"/>
+        <p14:creationId xmlns:p14="http://schemas.microsoft.com/office/powerpoint/2010/main" val="152433000"/>
       </p:ext>
     </p:extLst>
   </p:cSld>
@@ -5722,7 +8089,7 @@
           <a:p>
             <a:fld id="{1D8BD707-D9CF-40AE-B4C6-C98DA3205C09}" type="datetimeFigureOut">
               <a:rPr lang="en-US" smtClean="0"/>
-              <a:t>7/24/2023</a:t>
+              <a:t>8/20/2023</a:t>
             </a:fld>
             <a:endParaRPr lang="en-US" dirty="0"/>
           </a:p>
@@ -5749,6 +8116,88 @@
       </p:sp>
       <p:sp>
         <p:nvSpPr>
+          <p:cNvPr id="6" name="Freeform 11"/>
+          <p:cNvSpPr/>
+          <p:nvPr/>
+        </p:nvSpPr>
+        <p:spPr bwMode="auto">
+          <a:xfrm flipV="1">
+            <a:off x="-6531" y="1113896"/>
+            <a:ext cx="2476903" cy="791008"/>
+          </a:xfrm>
+          <a:custGeom>
+            <a:avLst/>
+            <a:gdLst/>
+            <a:ahLst/>
+            <a:cxnLst/>
+            <a:rect l="l" t="t" r="r" b="b"/>
+            <a:pathLst>
+              <a:path w="9248" h="10000">
+                <a:moveTo>
+                  <a:pt x="9248" y="4701"/>
+                </a:moveTo>
+                <a:lnTo>
+                  <a:pt x="7915" y="188"/>
+                </a:lnTo>
+                <a:cubicBezTo>
+                  <a:pt x="7906" y="156"/>
+                  <a:pt x="7895" y="126"/>
+                  <a:pt x="7886" y="94"/>
+                </a:cubicBezTo>
+                <a:cubicBezTo>
+                  <a:pt x="7859" y="0"/>
+                  <a:pt x="7831" y="0"/>
+                  <a:pt x="7803" y="0"/>
+                </a:cubicBezTo>
+                <a:lnTo>
+                  <a:pt x="7275" y="0"/>
+                </a:lnTo>
+                <a:lnTo>
+                  <a:pt x="0" y="70"/>
+                </a:lnTo>
+                <a:cubicBezTo>
+                  <a:pt x="8" y="3380"/>
+                  <a:pt x="17" y="6690"/>
+                  <a:pt x="25" y="10000"/>
+                </a:cubicBezTo>
+                <a:lnTo>
+                  <a:pt x="7275" y="9966"/>
+                </a:lnTo>
+                <a:lnTo>
+                  <a:pt x="7803" y="9966"/>
+                </a:lnTo>
+                <a:cubicBezTo>
+                  <a:pt x="7831" y="9966"/>
+                  <a:pt x="7859" y="9872"/>
+                  <a:pt x="7886" y="9872"/>
+                </a:cubicBezTo>
+                <a:cubicBezTo>
+                  <a:pt x="7886" y="9778"/>
+                  <a:pt x="7915" y="9778"/>
+                  <a:pt x="7915" y="9778"/>
+                </a:cubicBezTo>
+                <a:lnTo>
+                  <a:pt x="9248" y="5265"/>
+                </a:lnTo>
+                <a:cubicBezTo>
+                  <a:pt x="9303" y="5077"/>
+                  <a:pt x="9303" y="4889"/>
+                  <a:pt x="9248" y="4701"/>
+                </a:cubicBezTo>
+                <a:close/>
+              </a:path>
+            </a:pathLst>
+          </a:custGeom>
+          <a:solidFill>
+            <a:schemeClr val="accent1"/>
+          </a:solidFill>
+          <a:ln>
+            <a:noFill/>
+          </a:ln>
+        </p:spPr>
+      </p:sp>
+      <p:sp>
+        <p:nvSpPr>
           <p:cNvPr id="4" name="Slide Number Placeholder 3"/>
           <p:cNvSpPr>
             <a:spLocks noGrp="1"/>
@@ -5773,7 +8222,7 @@
     </p:spTree>
     <p:extLst>
       <p:ext uri="{BB962C8B-B14F-4D97-AF65-F5344CB8AC3E}">
-        <p14:creationId xmlns:p14="http://schemas.microsoft.com/office/powerpoint/2010/main" val="632000781"/>
+        <p14:creationId xmlns:p14="http://schemas.microsoft.com/office/powerpoint/2010/main" val="19807516"/>
       </p:ext>
     </p:extLst>
   </p:cSld>
@@ -5812,15 +8261,15 @@
         </p:nvSpPr>
         <p:spPr>
           <a:xfrm>
-            <a:off x="1309436" y="712893"/>
-            <a:ext cx="6131320" cy="2495127"/>
+            <a:off x="4037216" y="695567"/>
+            <a:ext cx="5465463" cy="1522324"/>
           </a:xfrm>
         </p:spPr>
         <p:txBody>
           <a:bodyPr anchor="b"/>
           <a:lstStyle>
-            <a:lvl1pPr>
-              <a:defRPr sz="4989"/>
+            <a:lvl1pPr algn="l">
+              <a:defRPr sz="3118" b="0"/>
             </a:lvl1pPr>
           </a:lstStyle>
           <a:p>
@@ -5844,41 +8293,15 @@
         </p:nvSpPr>
         <p:spPr>
           <a:xfrm>
-            <a:off x="8081859" y="1539652"/>
-            <a:ext cx="9623971" cy="7599245"/>
+            <a:off x="9859124" y="695568"/>
+            <a:ext cx="8079383" cy="8443331"/>
           </a:xfrm>
         </p:spPr>
         <p:txBody>
-          <a:bodyPr/>
-          <a:lstStyle>
-            <a:lvl1pPr>
-              <a:defRPr sz="4989"/>
-            </a:lvl1pPr>
-            <a:lvl2pPr>
-              <a:defRPr sz="4366"/>
-            </a:lvl2pPr>
-            <a:lvl3pPr>
-              <a:defRPr sz="3742"/>
-            </a:lvl3pPr>
-            <a:lvl4pPr>
-              <a:defRPr sz="3118"/>
-            </a:lvl4pPr>
-            <a:lvl5pPr>
-              <a:defRPr sz="3118"/>
-            </a:lvl5pPr>
-            <a:lvl6pPr>
-              <a:defRPr sz="3118"/>
-            </a:lvl6pPr>
-            <a:lvl7pPr>
-              <a:defRPr sz="3118"/>
-            </a:lvl7pPr>
-            <a:lvl8pPr>
-              <a:defRPr sz="3118"/>
-            </a:lvl8pPr>
-            <a:lvl9pPr>
-              <a:defRPr sz="3118"/>
-            </a:lvl9pPr>
-          </a:lstStyle>
+          <a:bodyPr anchor="ctr">
+            <a:normAutofit/>
+          </a:bodyPr>
+          <a:lstStyle/>
           <a:p>
             <a:pPr lvl="0"/>
             <a:r>
@@ -5929,8 +8352,8 @@
         </p:nvSpPr>
         <p:spPr>
           <a:xfrm>
-            <a:off x="1309436" y="3208020"/>
-            <a:ext cx="6131320" cy="5943254"/>
+            <a:off x="4037216" y="2492652"/>
+            <a:ext cx="5465463" cy="6646243"/>
           </a:xfrm>
         </p:spPr>
         <p:txBody>
@@ -5938,39 +8361,39 @@
           <a:lstStyle>
             <a:lvl1pPr marL="0" indent="0">
               <a:buNone/>
-              <a:defRPr sz="2495"/>
+              <a:defRPr sz="2183"/>
             </a:lvl1pPr>
             <a:lvl2pPr marL="712866" indent="0">
               <a:buNone/>
-              <a:defRPr sz="2183"/>
+              <a:defRPr sz="1871"/>
             </a:lvl2pPr>
             <a:lvl3pPr marL="1425732" indent="0">
               <a:buNone/>
-              <a:defRPr sz="1871"/>
+              <a:defRPr sz="1559"/>
             </a:lvl3pPr>
             <a:lvl4pPr marL="2138599" indent="0">
               <a:buNone/>
-              <a:defRPr sz="1559"/>
+              <a:defRPr sz="1403"/>
             </a:lvl4pPr>
             <a:lvl5pPr marL="2851465" indent="0">
               <a:buNone/>
-              <a:defRPr sz="1559"/>
+              <a:defRPr sz="1403"/>
             </a:lvl5pPr>
             <a:lvl6pPr marL="3564331" indent="0">
               <a:buNone/>
-              <a:defRPr sz="1559"/>
+              <a:defRPr sz="1403"/>
             </a:lvl6pPr>
             <a:lvl7pPr marL="4277197" indent="0">
               <a:buNone/>
-              <a:defRPr sz="1559"/>
+              <a:defRPr sz="1403"/>
             </a:lvl7pPr>
             <a:lvl8pPr marL="4990064" indent="0">
               <a:buNone/>
-              <a:defRPr sz="1559"/>
+              <a:defRPr sz="1403"/>
             </a:lvl8pPr>
             <a:lvl9pPr marL="5702930" indent="0">
               <a:buNone/>
-              <a:defRPr sz="1559"/>
+              <a:defRPr sz="1403"/>
             </a:lvl9pPr>
           </a:lstStyle>
           <a:p>
@@ -5999,7 +8422,7 @@
           <a:p>
             <a:fld id="{1D8BD707-D9CF-40AE-B4C6-C98DA3205C09}" type="datetimeFigureOut">
               <a:rPr lang="en-US" smtClean="0"/>
-              <a:t>7/24/2023</a:t>
+              <a:t>8/20/2023</a:t>
             </a:fld>
             <a:endParaRPr lang="en-US" dirty="0"/>
           </a:p>
@@ -6026,6 +8449,88 @@
       </p:sp>
       <p:sp>
         <p:nvSpPr>
+          <p:cNvPr id="9" name="Freeform 11"/>
+          <p:cNvSpPr/>
+          <p:nvPr/>
+        </p:nvSpPr>
+        <p:spPr bwMode="auto">
+          <a:xfrm flipV="1">
+            <a:off x="-6531" y="1113896"/>
+            <a:ext cx="2476903" cy="791008"/>
+          </a:xfrm>
+          <a:custGeom>
+            <a:avLst/>
+            <a:gdLst/>
+            <a:ahLst/>
+            <a:cxnLst/>
+            <a:rect l="l" t="t" r="r" b="b"/>
+            <a:pathLst>
+              <a:path w="9248" h="10000">
+                <a:moveTo>
+                  <a:pt x="9248" y="4701"/>
+                </a:moveTo>
+                <a:lnTo>
+                  <a:pt x="7915" y="188"/>
+                </a:lnTo>
+                <a:cubicBezTo>
+                  <a:pt x="7906" y="156"/>
+                  <a:pt x="7895" y="126"/>
+                  <a:pt x="7886" y="94"/>
+                </a:cubicBezTo>
+                <a:cubicBezTo>
+                  <a:pt x="7859" y="0"/>
+                  <a:pt x="7831" y="0"/>
+                  <a:pt x="7803" y="0"/>
+                </a:cubicBezTo>
+                <a:lnTo>
+                  <a:pt x="7275" y="0"/>
+                </a:lnTo>
+                <a:lnTo>
+                  <a:pt x="0" y="70"/>
+                </a:lnTo>
+                <a:cubicBezTo>
+                  <a:pt x="8" y="3380"/>
+                  <a:pt x="17" y="6690"/>
+                  <a:pt x="25" y="10000"/>
+                </a:cubicBezTo>
+                <a:lnTo>
+                  <a:pt x="7275" y="9966"/>
+                </a:lnTo>
+                <a:lnTo>
+                  <a:pt x="7803" y="9966"/>
+                </a:lnTo>
+                <a:cubicBezTo>
+                  <a:pt x="7831" y="9966"/>
+                  <a:pt x="7859" y="9872"/>
+                  <a:pt x="7886" y="9872"/>
+                </a:cubicBezTo>
+                <a:cubicBezTo>
+                  <a:pt x="7886" y="9778"/>
+                  <a:pt x="7915" y="9778"/>
+                  <a:pt x="7915" y="9778"/>
+                </a:cubicBezTo>
+                <a:lnTo>
+                  <a:pt x="9248" y="5265"/>
+                </a:lnTo>
+                <a:cubicBezTo>
+                  <a:pt x="9303" y="5077"/>
+                  <a:pt x="9303" y="4889"/>
+                  <a:pt x="9248" y="4701"/>
+                </a:cubicBezTo>
+                <a:close/>
+              </a:path>
+            </a:pathLst>
+          </a:custGeom>
+          <a:solidFill>
+            <a:schemeClr val="accent1"/>
+          </a:solidFill>
+          <a:ln>
+            <a:noFill/>
+          </a:ln>
+        </p:spPr>
+      </p:sp>
+      <p:sp>
+        <p:nvSpPr>
           <p:cNvPr id="7" name="Slide Number Placeholder 6"/>
           <p:cNvSpPr>
             <a:spLocks noGrp="1"/>
@@ -6050,7 +8555,7 @@
     </p:spTree>
     <p:extLst>
       <p:ext uri="{BB962C8B-B14F-4D97-AF65-F5344CB8AC3E}">
-        <p14:creationId xmlns:p14="http://schemas.microsoft.com/office/powerpoint/2010/main" val="2440046427"/>
+        <p14:creationId xmlns:p14="http://schemas.microsoft.com/office/powerpoint/2010/main" val="3853478320"/>
       </p:ext>
     </p:extLst>
   </p:cSld>
@@ -6089,15 +8594,17 @@
         </p:nvSpPr>
         <p:spPr>
           <a:xfrm>
-            <a:off x="1309436" y="712893"/>
-            <a:ext cx="6131320" cy="2495127"/>
+            <a:off x="4037217" y="7485380"/>
+            <a:ext cx="13901291" cy="883691"/>
           </a:xfrm>
         </p:spPr>
         <p:txBody>
-          <a:bodyPr anchor="b"/>
+          <a:bodyPr anchor="b">
+            <a:normAutofit/>
+          </a:bodyPr>
           <a:lstStyle>
-            <a:lvl1pPr>
-              <a:defRPr sz="4989"/>
+            <a:lvl1pPr algn="l">
+              <a:defRPr sz="3742" b="0"/>
             </a:lvl1pPr>
           </a:lstStyle>
           <a:p>
@@ -6121,48 +8628,50 @@
         </p:nvSpPr>
         <p:spPr>
           <a:xfrm>
-            <a:off x="8081859" y="1539652"/>
-            <a:ext cx="9623971" cy="7599245"/>
+            <a:off x="4037216" y="990075"/>
+            <a:ext cx="13901291" cy="6010898"/>
           </a:xfrm>
         </p:spPr>
         <p:txBody>
-          <a:bodyPr anchor="t"/>
+          <a:bodyPr anchor="t">
+            <a:normAutofit/>
+          </a:bodyPr>
           <a:lstStyle>
-            <a:lvl1pPr marL="0" indent="0">
+            <a:lvl1pPr marL="0" indent="0" algn="ctr">
               <a:buNone/>
-              <a:defRPr sz="4989"/>
+              <a:defRPr sz="2495"/>
             </a:lvl1pPr>
             <a:lvl2pPr marL="712866" indent="0">
               <a:buNone/>
-              <a:defRPr sz="4366"/>
+              <a:defRPr sz="2495"/>
             </a:lvl2pPr>
             <a:lvl3pPr marL="1425732" indent="0">
               <a:buNone/>
-              <a:defRPr sz="3742"/>
+              <a:defRPr sz="2495"/>
             </a:lvl3pPr>
             <a:lvl4pPr marL="2138599" indent="0">
               <a:buNone/>
-              <a:defRPr sz="3118"/>
+              <a:defRPr sz="2495"/>
             </a:lvl4pPr>
             <a:lvl5pPr marL="2851465" indent="0">
               <a:buNone/>
-              <a:defRPr sz="3118"/>
+              <a:defRPr sz="2495"/>
             </a:lvl5pPr>
             <a:lvl6pPr marL="3564331" indent="0">
               <a:buNone/>
-              <a:defRPr sz="3118"/>
+              <a:defRPr sz="2495"/>
             </a:lvl6pPr>
             <a:lvl7pPr marL="4277197" indent="0">
               <a:buNone/>
-              <a:defRPr sz="3118"/>
+              <a:defRPr sz="2495"/>
             </a:lvl7pPr>
             <a:lvl8pPr marL="4990064" indent="0">
               <a:buNone/>
-              <a:defRPr sz="3118"/>
+              <a:defRPr sz="2495"/>
             </a:lvl8pPr>
             <a:lvl9pPr marL="5702930" indent="0">
               <a:buNone/>
-              <a:defRPr sz="3118"/>
+              <a:defRPr sz="2495"/>
             </a:lvl9pPr>
           </a:lstStyle>
           <a:p>
@@ -6186,48 +8695,50 @@
         </p:nvSpPr>
         <p:spPr>
           <a:xfrm>
-            <a:off x="1309436" y="3208020"/>
-            <a:ext cx="6131320" cy="5943254"/>
+            <a:off x="4037217" y="8369071"/>
+            <a:ext cx="13901291" cy="769825"/>
           </a:xfrm>
         </p:spPr>
         <p:txBody>
-          <a:bodyPr/>
+          <a:bodyPr>
+            <a:normAutofit/>
+          </a:bodyPr>
           <a:lstStyle>
             <a:lvl1pPr marL="0" indent="0">
               <a:buNone/>
-              <a:defRPr sz="2495"/>
+              <a:defRPr sz="1871"/>
             </a:lvl1pPr>
             <a:lvl2pPr marL="712866" indent="0">
               <a:buNone/>
-              <a:defRPr sz="2183"/>
+              <a:defRPr sz="1871"/>
             </a:lvl2pPr>
             <a:lvl3pPr marL="1425732" indent="0">
               <a:buNone/>
-              <a:defRPr sz="1871"/>
+              <a:defRPr sz="1559"/>
             </a:lvl3pPr>
             <a:lvl4pPr marL="2138599" indent="0">
               <a:buNone/>
-              <a:defRPr sz="1559"/>
+              <a:defRPr sz="1403"/>
             </a:lvl4pPr>
             <a:lvl5pPr marL="2851465" indent="0">
               <a:buNone/>
-              <a:defRPr sz="1559"/>
+              <a:defRPr sz="1403"/>
             </a:lvl5pPr>
             <a:lvl6pPr marL="3564331" indent="0">
               <a:buNone/>
-              <a:defRPr sz="1559"/>
+              <a:defRPr sz="1403"/>
             </a:lvl6pPr>
             <a:lvl7pPr marL="4277197" indent="0">
               <a:buNone/>
-              <a:defRPr sz="1559"/>
+              <a:defRPr sz="1403"/>
             </a:lvl7pPr>
             <a:lvl8pPr marL="4990064" indent="0">
               <a:buNone/>
-              <a:defRPr sz="1559"/>
+              <a:defRPr sz="1403"/>
             </a:lvl8pPr>
             <a:lvl9pPr marL="5702930" indent="0">
               <a:buNone/>
-              <a:defRPr sz="1559"/>
+              <a:defRPr sz="1403"/>
             </a:lvl9pPr>
           </a:lstStyle>
           <a:p>
@@ -6256,7 +8767,7 @@
           <a:p>
             <a:fld id="{1D8BD707-D9CF-40AE-B4C6-C98DA3205C09}" type="datetimeFigureOut">
               <a:rPr lang="en-US" smtClean="0"/>
-              <a:t>7/24/2023</a:t>
+              <a:t>8/20/2023</a:t>
             </a:fld>
             <a:endParaRPr lang="en-US" dirty="0"/>
           </a:p>
@@ -6283,6 +8794,88 @@
       </p:sp>
       <p:sp>
         <p:nvSpPr>
+          <p:cNvPr id="9" name="Freeform 11"/>
+          <p:cNvSpPr/>
+          <p:nvPr/>
+        </p:nvSpPr>
+        <p:spPr bwMode="auto">
+          <a:xfrm flipV="1">
+            <a:off x="-6531" y="7658653"/>
+            <a:ext cx="2476903" cy="791008"/>
+          </a:xfrm>
+          <a:custGeom>
+            <a:avLst/>
+            <a:gdLst/>
+            <a:ahLst/>
+            <a:cxnLst/>
+            <a:rect l="l" t="t" r="r" b="b"/>
+            <a:pathLst>
+              <a:path w="9248" h="10000">
+                <a:moveTo>
+                  <a:pt x="9248" y="4701"/>
+                </a:moveTo>
+                <a:lnTo>
+                  <a:pt x="7915" y="188"/>
+                </a:lnTo>
+                <a:cubicBezTo>
+                  <a:pt x="7906" y="156"/>
+                  <a:pt x="7895" y="126"/>
+                  <a:pt x="7886" y="94"/>
+                </a:cubicBezTo>
+                <a:cubicBezTo>
+                  <a:pt x="7859" y="0"/>
+                  <a:pt x="7831" y="0"/>
+                  <a:pt x="7803" y="0"/>
+                </a:cubicBezTo>
+                <a:lnTo>
+                  <a:pt x="7275" y="0"/>
+                </a:lnTo>
+                <a:lnTo>
+                  <a:pt x="0" y="70"/>
+                </a:lnTo>
+                <a:cubicBezTo>
+                  <a:pt x="8" y="3380"/>
+                  <a:pt x="17" y="6690"/>
+                  <a:pt x="25" y="10000"/>
+                </a:cubicBezTo>
+                <a:lnTo>
+                  <a:pt x="7275" y="9966"/>
+                </a:lnTo>
+                <a:lnTo>
+                  <a:pt x="7803" y="9966"/>
+                </a:lnTo>
+                <a:cubicBezTo>
+                  <a:pt x="7831" y="9966"/>
+                  <a:pt x="7859" y="9872"/>
+                  <a:pt x="7886" y="9872"/>
+                </a:cubicBezTo>
+                <a:cubicBezTo>
+                  <a:pt x="7886" y="9778"/>
+                  <a:pt x="7915" y="9778"/>
+                  <a:pt x="7915" y="9778"/>
+                </a:cubicBezTo>
+                <a:lnTo>
+                  <a:pt x="9248" y="5265"/>
+                </a:lnTo>
+                <a:cubicBezTo>
+                  <a:pt x="9303" y="5077"/>
+                  <a:pt x="9303" y="4889"/>
+                  <a:pt x="9248" y="4701"/>
+                </a:cubicBezTo>
+                <a:close/>
+              </a:path>
+            </a:pathLst>
+          </a:custGeom>
+          <a:solidFill>
+            <a:schemeClr val="accent1"/>
+          </a:solidFill>
+          <a:ln>
+            <a:noFill/>
+          </a:ln>
+        </p:spPr>
+      </p:sp>
+      <p:sp>
+        <p:nvSpPr>
           <p:cNvPr id="7" name="Slide Number Placeholder 6"/>
           <p:cNvSpPr>
             <a:spLocks noGrp="1"/>
@@ -6291,7 +8884,12 @@
             <p:ph type="sldNum" sz="quarter" idx="12"/>
           </p:nvPr>
         </p:nvSpPr>
-        <p:spPr/>
+        <p:spPr>
+          <a:xfrm>
+            <a:off x="829226" y="7769925"/>
+            <a:ext cx="1215848" cy="569325"/>
+          </a:xfrm>
+        </p:spPr>
         <p:txBody>
           <a:bodyPr/>
           <a:lstStyle/>
@@ -6307,7 +8905,7 @@
     </p:spTree>
     <p:extLst>
       <p:ext uri="{BB962C8B-B14F-4D97-AF65-F5344CB8AC3E}">
-        <p14:creationId xmlns:p14="http://schemas.microsoft.com/office/powerpoint/2010/main" val="3789242900"/>
+        <p14:creationId xmlns:p14="http://schemas.microsoft.com/office/powerpoint/2010/main" val="69092286"/>
       </p:ext>
     </p:extLst>
   </p:cSld>
@@ -6321,8 +8919,8 @@
 <p:sldMaster xmlns:a="http://schemas.openxmlformats.org/drawingml/2006/main" xmlns:r="http://schemas.openxmlformats.org/officeDocument/2006/relationships" xmlns:p="http://schemas.openxmlformats.org/presentationml/2006/main">
   <p:cSld>
     <p:bg>
-      <p:bgRef idx="1001">
-        <a:schemeClr val="bg1"/>
+      <p:bgRef idx="1003">
+        <a:schemeClr val="bg2"/>
       </p:bgRef>
     </p:bg>
     <p:spTree>
@@ -6339,6 +8937,1823 @@
           <a:chExt cx="0" cy="0"/>
         </a:xfrm>
       </p:grpSpPr>
+      <p:grpSp>
+        <p:nvGrpSpPr>
+          <p:cNvPr id="23" name="Group 22"/>
+          <p:cNvGrpSpPr/>
+          <p:nvPr/>
+        </p:nvGrpSpPr>
+        <p:grpSpPr>
+          <a:xfrm>
+            <a:off x="1" y="356447"/>
+            <a:ext cx="4446212" cy="10351342"/>
+            <a:chOff x="2487613" y="285750"/>
+            <a:chExt cx="2428875" cy="5654676"/>
+          </a:xfrm>
+        </p:grpSpPr>
+        <p:sp>
+          <p:nvSpPr>
+            <p:cNvPr id="24" name="Freeform 11"/>
+            <p:cNvSpPr/>
+            <p:nvPr/>
+          </p:nvSpPr>
+          <p:spPr bwMode="auto">
+            <a:xfrm>
+              <a:off x="2487613" y="2284413"/>
+              <a:ext cx="85725" cy="533400"/>
+            </a:xfrm>
+            <a:custGeom>
+              <a:avLst/>
+              <a:gdLst/>
+              <a:ahLst/>
+              <a:cxnLst/>
+              <a:rect l="0" t="0" r="r" b="b"/>
+              <a:pathLst>
+                <a:path w="22" h="136">
+                  <a:moveTo>
+                    <a:pt x="22" y="136"/>
+                  </a:moveTo>
+                  <a:cubicBezTo>
+                    <a:pt x="20" y="117"/>
+                    <a:pt x="19" y="99"/>
+                    <a:pt x="17" y="80"/>
+                  </a:cubicBezTo>
+                  <a:cubicBezTo>
+                    <a:pt x="11" y="54"/>
+                    <a:pt x="6" y="27"/>
+                    <a:pt x="0" y="0"/>
+                  </a:cubicBezTo>
+                  <a:cubicBezTo>
+                    <a:pt x="0" y="35"/>
+                    <a:pt x="0" y="35"/>
+                    <a:pt x="0" y="35"/>
+                  </a:cubicBezTo>
+                  <a:cubicBezTo>
+                    <a:pt x="6" y="64"/>
+                    <a:pt x="13" y="94"/>
+                    <a:pt x="20" y="124"/>
+                  </a:cubicBezTo>
+                  <a:cubicBezTo>
+                    <a:pt x="20" y="128"/>
+                    <a:pt x="21" y="132"/>
+                    <a:pt x="22" y="136"/>
+                  </a:cubicBezTo>
+                  <a:close/>
+                </a:path>
+              </a:pathLst>
+            </a:custGeom>
+            <a:solidFill>
+              <a:schemeClr val="tx2">
+                <a:alpha val="20000"/>
+              </a:schemeClr>
+            </a:solidFill>
+            <a:ln>
+              <a:noFill/>
+            </a:ln>
+          </p:spPr>
+        </p:sp>
+        <p:sp>
+          <p:nvSpPr>
+            <p:cNvPr id="25" name="Freeform 12"/>
+            <p:cNvSpPr/>
+            <p:nvPr/>
+          </p:nvSpPr>
+          <p:spPr bwMode="auto">
+            <a:xfrm>
+              <a:off x="2597151" y="2779713"/>
+              <a:ext cx="550863" cy="1978025"/>
+            </a:xfrm>
+            <a:custGeom>
+              <a:avLst/>
+              <a:gdLst/>
+              <a:ahLst/>
+              <a:cxnLst/>
+              <a:rect l="0" t="0" r="r" b="b"/>
+              <a:pathLst>
+                <a:path w="140" h="504">
+                  <a:moveTo>
+                    <a:pt x="86" y="350"/>
+                  </a:moveTo>
+                  <a:cubicBezTo>
+                    <a:pt x="103" y="402"/>
+                    <a:pt x="120" y="453"/>
+                    <a:pt x="139" y="504"/>
+                  </a:cubicBezTo>
+                  <a:cubicBezTo>
+                    <a:pt x="139" y="495"/>
+                    <a:pt x="139" y="487"/>
+                    <a:pt x="140" y="478"/>
+                  </a:cubicBezTo>
+                  <a:cubicBezTo>
+                    <a:pt x="124" y="435"/>
+                    <a:pt x="109" y="391"/>
+                    <a:pt x="95" y="347"/>
+                  </a:cubicBezTo>
+                  <a:cubicBezTo>
+                    <a:pt x="58" y="233"/>
+                    <a:pt x="27" y="117"/>
+                    <a:pt x="0" y="0"/>
+                  </a:cubicBezTo>
+                  <a:cubicBezTo>
+                    <a:pt x="2" y="20"/>
+                    <a:pt x="4" y="41"/>
+                    <a:pt x="6" y="61"/>
+                  </a:cubicBezTo>
+                  <a:cubicBezTo>
+                    <a:pt x="30" y="158"/>
+                    <a:pt x="56" y="255"/>
+                    <a:pt x="86" y="350"/>
+                  </a:cubicBezTo>
+                  <a:close/>
+                </a:path>
+              </a:pathLst>
+            </a:custGeom>
+            <a:solidFill>
+              <a:schemeClr val="tx2">
+                <a:alpha val="20000"/>
+              </a:schemeClr>
+            </a:solidFill>
+            <a:ln>
+              <a:noFill/>
+            </a:ln>
+          </p:spPr>
+        </p:sp>
+        <p:sp>
+          <p:nvSpPr>
+            <p:cNvPr id="26" name="Freeform 13"/>
+            <p:cNvSpPr/>
+            <p:nvPr/>
+          </p:nvSpPr>
+          <p:spPr bwMode="auto">
+            <a:xfrm>
+              <a:off x="3175001" y="4730750"/>
+              <a:ext cx="519113" cy="1209675"/>
+            </a:xfrm>
+            <a:custGeom>
+              <a:avLst/>
+              <a:gdLst/>
+              <a:ahLst/>
+              <a:cxnLst/>
+              <a:rect l="0" t="0" r="r" b="b"/>
+              <a:pathLst>
+                <a:path w="132" h="308">
+                  <a:moveTo>
+                    <a:pt x="8" y="22"/>
+                  </a:moveTo>
+                  <a:cubicBezTo>
+                    <a:pt x="5" y="15"/>
+                    <a:pt x="2" y="8"/>
+                    <a:pt x="0" y="0"/>
+                  </a:cubicBezTo>
+                  <a:cubicBezTo>
+                    <a:pt x="0" y="10"/>
+                    <a:pt x="0" y="19"/>
+                    <a:pt x="0" y="29"/>
+                  </a:cubicBezTo>
+                  <a:cubicBezTo>
+                    <a:pt x="21" y="85"/>
+                    <a:pt x="44" y="140"/>
+                    <a:pt x="68" y="194"/>
+                  </a:cubicBezTo>
+                  <a:cubicBezTo>
+                    <a:pt x="85" y="232"/>
+                    <a:pt x="104" y="270"/>
+                    <a:pt x="123" y="308"/>
+                  </a:cubicBezTo>
+                  <a:cubicBezTo>
+                    <a:pt x="132" y="308"/>
+                    <a:pt x="132" y="308"/>
+                    <a:pt x="132" y="308"/>
+                  </a:cubicBezTo>
+                  <a:cubicBezTo>
+                    <a:pt x="113" y="269"/>
+                    <a:pt x="94" y="230"/>
+                    <a:pt x="77" y="190"/>
+                  </a:cubicBezTo>
+                  <a:cubicBezTo>
+                    <a:pt x="52" y="135"/>
+                    <a:pt x="29" y="79"/>
+                    <a:pt x="8" y="22"/>
+                  </a:cubicBezTo>
+                  <a:close/>
+                </a:path>
+              </a:pathLst>
+            </a:custGeom>
+            <a:solidFill>
+              <a:schemeClr val="tx2">
+                <a:alpha val="20000"/>
+              </a:schemeClr>
+            </a:solidFill>
+            <a:ln>
+              <a:noFill/>
+            </a:ln>
+          </p:spPr>
+        </p:sp>
+        <p:sp>
+          <p:nvSpPr>
+            <p:cNvPr id="27" name="Freeform 14"/>
+            <p:cNvSpPr/>
+            <p:nvPr/>
+          </p:nvSpPr>
+          <p:spPr bwMode="auto">
+            <a:xfrm>
+              <a:off x="3305176" y="5630863"/>
+              <a:ext cx="146050" cy="309563"/>
+            </a:xfrm>
+            <a:custGeom>
+              <a:avLst/>
+              <a:gdLst/>
+              <a:ahLst/>
+              <a:cxnLst/>
+              <a:rect l="0" t="0" r="r" b="b"/>
+              <a:pathLst>
+                <a:path w="37" h="79">
+                  <a:moveTo>
+                    <a:pt x="28" y="79"/>
+                  </a:moveTo>
+                  <a:cubicBezTo>
+                    <a:pt x="37" y="79"/>
+                    <a:pt x="37" y="79"/>
+                    <a:pt x="37" y="79"/>
+                  </a:cubicBezTo>
+                  <a:cubicBezTo>
+                    <a:pt x="24" y="53"/>
+                    <a:pt x="12" y="27"/>
+                    <a:pt x="0" y="0"/>
+                  </a:cubicBezTo>
+                  <a:cubicBezTo>
+                    <a:pt x="8" y="27"/>
+                    <a:pt x="17" y="53"/>
+                    <a:pt x="28" y="79"/>
+                  </a:cubicBezTo>
+                  <a:close/>
+                </a:path>
+              </a:pathLst>
+            </a:custGeom>
+            <a:solidFill>
+              <a:schemeClr val="tx2">
+                <a:alpha val="20000"/>
+              </a:schemeClr>
+            </a:solidFill>
+            <a:ln>
+              <a:noFill/>
+            </a:ln>
+          </p:spPr>
+        </p:sp>
+        <p:sp>
+          <p:nvSpPr>
+            <p:cNvPr id="28" name="Freeform 15"/>
+            <p:cNvSpPr/>
+            <p:nvPr/>
+          </p:nvSpPr>
+          <p:spPr bwMode="auto">
+            <a:xfrm>
+              <a:off x="2573338" y="2817813"/>
+              <a:ext cx="700088" cy="2835275"/>
+            </a:xfrm>
+            <a:custGeom>
+              <a:avLst/>
+              <a:gdLst/>
+              <a:ahLst/>
+              <a:cxnLst/>
+              <a:rect l="0" t="0" r="r" b="b"/>
+              <a:pathLst>
+                <a:path w="178" h="722">
+                  <a:moveTo>
+                    <a:pt x="162" y="660"/>
+                  </a:moveTo>
+                  <a:cubicBezTo>
+                    <a:pt x="145" y="618"/>
+                    <a:pt x="130" y="576"/>
+                    <a:pt x="116" y="534"/>
+                  </a:cubicBezTo>
+                  <a:cubicBezTo>
+                    <a:pt x="84" y="437"/>
+                    <a:pt x="59" y="337"/>
+                    <a:pt x="40" y="236"/>
+                  </a:cubicBezTo>
+                  <a:cubicBezTo>
+                    <a:pt x="29" y="175"/>
+                    <a:pt x="20" y="113"/>
+                    <a:pt x="12" y="51"/>
+                  </a:cubicBezTo>
+                  <a:cubicBezTo>
+                    <a:pt x="8" y="34"/>
+                    <a:pt x="4" y="17"/>
+                    <a:pt x="0" y="0"/>
+                  </a:cubicBezTo>
+                  <a:cubicBezTo>
+                    <a:pt x="8" y="79"/>
+                    <a:pt x="19" y="159"/>
+                    <a:pt x="33" y="237"/>
+                  </a:cubicBezTo>
+                  <a:cubicBezTo>
+                    <a:pt x="51" y="339"/>
+                    <a:pt x="76" y="439"/>
+                    <a:pt x="107" y="537"/>
+                  </a:cubicBezTo>
+                  <a:cubicBezTo>
+                    <a:pt x="123" y="586"/>
+                    <a:pt x="141" y="634"/>
+                    <a:pt x="160" y="681"/>
+                  </a:cubicBezTo>
+                  <a:cubicBezTo>
+                    <a:pt x="166" y="695"/>
+                    <a:pt x="172" y="708"/>
+                    <a:pt x="178" y="722"/>
+                  </a:cubicBezTo>
+                  <a:cubicBezTo>
+                    <a:pt x="176" y="717"/>
+                    <a:pt x="175" y="713"/>
+                    <a:pt x="174" y="708"/>
+                  </a:cubicBezTo>
+                  <a:cubicBezTo>
+                    <a:pt x="169" y="692"/>
+                    <a:pt x="165" y="676"/>
+                    <a:pt x="162" y="660"/>
+                  </a:cubicBezTo>
+                  <a:close/>
+                </a:path>
+              </a:pathLst>
+            </a:custGeom>
+            <a:solidFill>
+              <a:schemeClr val="tx2">
+                <a:alpha val="20000"/>
+              </a:schemeClr>
+            </a:solidFill>
+            <a:ln>
+              <a:noFill/>
+            </a:ln>
+          </p:spPr>
+        </p:sp>
+        <p:sp>
+          <p:nvSpPr>
+            <p:cNvPr id="29" name="Freeform 16"/>
+            <p:cNvSpPr/>
+            <p:nvPr/>
+          </p:nvSpPr>
+          <p:spPr bwMode="auto">
+            <a:xfrm>
+              <a:off x="2506663" y="285750"/>
+              <a:ext cx="90488" cy="2493963"/>
+            </a:xfrm>
+            <a:custGeom>
+              <a:avLst/>
+              <a:gdLst/>
+              <a:ahLst/>
+              <a:cxnLst/>
+              <a:rect l="0" t="0" r="r" b="b"/>
+              <a:pathLst>
+                <a:path w="23" h="635">
+                  <a:moveTo>
+                    <a:pt x="11" y="577"/>
+                  </a:moveTo>
+                  <a:cubicBezTo>
+                    <a:pt x="12" y="581"/>
+                    <a:pt x="12" y="585"/>
+                    <a:pt x="12" y="589"/>
+                  </a:cubicBezTo>
+                  <a:cubicBezTo>
+                    <a:pt x="15" y="603"/>
+                    <a:pt x="19" y="617"/>
+                    <a:pt x="22" y="632"/>
+                  </a:cubicBezTo>
+                  <a:cubicBezTo>
+                    <a:pt x="22" y="633"/>
+                    <a:pt x="22" y="634"/>
+                    <a:pt x="23" y="635"/>
+                  </a:cubicBezTo>
+                  <a:cubicBezTo>
+                    <a:pt x="21" y="615"/>
+                    <a:pt x="19" y="596"/>
+                    <a:pt x="17" y="576"/>
+                  </a:cubicBezTo>
+                  <a:cubicBezTo>
+                    <a:pt x="9" y="474"/>
+                    <a:pt x="5" y="372"/>
+                    <a:pt x="5" y="269"/>
+                  </a:cubicBezTo>
+                  <a:cubicBezTo>
+                    <a:pt x="6" y="179"/>
+                    <a:pt x="9" y="90"/>
+                    <a:pt x="15" y="0"/>
+                  </a:cubicBezTo>
+                  <a:cubicBezTo>
+                    <a:pt x="12" y="0"/>
+                    <a:pt x="12" y="0"/>
+                    <a:pt x="12" y="0"/>
+                  </a:cubicBezTo>
+                  <a:cubicBezTo>
+                    <a:pt x="5" y="89"/>
+                    <a:pt x="2" y="179"/>
+                    <a:pt x="1" y="269"/>
+                  </a:cubicBezTo>
+                  <a:cubicBezTo>
+                    <a:pt x="0" y="372"/>
+                    <a:pt x="3" y="474"/>
+                    <a:pt x="11" y="577"/>
+                  </a:cubicBezTo>
+                  <a:close/>
+                </a:path>
+              </a:pathLst>
+            </a:custGeom>
+            <a:solidFill>
+              <a:schemeClr val="tx2">
+                <a:alpha val="20000"/>
+              </a:schemeClr>
+            </a:solidFill>
+            <a:ln>
+              <a:noFill/>
+            </a:ln>
+          </p:spPr>
+        </p:sp>
+        <p:sp>
+          <p:nvSpPr>
+            <p:cNvPr id="30" name="Freeform 17"/>
+            <p:cNvSpPr/>
+            <p:nvPr/>
+          </p:nvSpPr>
+          <p:spPr bwMode="auto">
+            <a:xfrm>
+              <a:off x="2554288" y="2598738"/>
+              <a:ext cx="66675" cy="420688"/>
+            </a:xfrm>
+            <a:custGeom>
+              <a:avLst/>
+              <a:gdLst/>
+              <a:ahLst/>
+              <a:cxnLst/>
+              <a:rect l="0" t="0" r="r" b="b"/>
+              <a:pathLst>
+                <a:path w="17" h="107">
+                  <a:moveTo>
+                    <a:pt x="0" y="0"/>
+                  </a:moveTo>
+                  <a:cubicBezTo>
+                    <a:pt x="2" y="19"/>
+                    <a:pt x="3" y="37"/>
+                    <a:pt x="5" y="56"/>
+                  </a:cubicBezTo>
+                  <a:cubicBezTo>
+                    <a:pt x="9" y="73"/>
+                    <a:pt x="13" y="90"/>
+                    <a:pt x="17" y="107"/>
+                  </a:cubicBezTo>
+                  <a:cubicBezTo>
+                    <a:pt x="15" y="87"/>
+                    <a:pt x="13" y="66"/>
+                    <a:pt x="11" y="46"/>
+                  </a:cubicBezTo>
+                  <a:cubicBezTo>
+                    <a:pt x="10" y="45"/>
+                    <a:pt x="10" y="44"/>
+                    <a:pt x="10" y="43"/>
+                  </a:cubicBezTo>
+                  <a:cubicBezTo>
+                    <a:pt x="7" y="28"/>
+                    <a:pt x="3" y="14"/>
+                    <a:pt x="0" y="0"/>
+                  </a:cubicBezTo>
+                  <a:close/>
+                </a:path>
+              </a:pathLst>
+            </a:custGeom>
+            <a:solidFill>
+              <a:schemeClr val="tx2">
+                <a:alpha val="20000"/>
+              </a:schemeClr>
+            </a:solidFill>
+            <a:ln>
+              <a:noFill/>
+            </a:ln>
+          </p:spPr>
+        </p:sp>
+        <p:sp>
+          <p:nvSpPr>
+            <p:cNvPr id="31" name="Freeform 18"/>
+            <p:cNvSpPr/>
+            <p:nvPr/>
+          </p:nvSpPr>
+          <p:spPr bwMode="auto">
+            <a:xfrm>
+              <a:off x="3143251" y="4757738"/>
+              <a:ext cx="161925" cy="873125"/>
+            </a:xfrm>
+            <a:custGeom>
+              <a:avLst/>
+              <a:gdLst/>
+              <a:ahLst/>
+              <a:cxnLst/>
+              <a:rect l="0" t="0" r="r" b="b"/>
+              <a:pathLst>
+                <a:path w="41" h="222">
+                  <a:moveTo>
+                    <a:pt x="0" y="0"/>
+                  </a:moveTo>
+                  <a:cubicBezTo>
+                    <a:pt x="0" y="31"/>
+                    <a:pt x="2" y="62"/>
+                    <a:pt x="5" y="93"/>
+                  </a:cubicBezTo>
+                  <a:cubicBezTo>
+                    <a:pt x="8" y="117"/>
+                    <a:pt x="12" y="142"/>
+                    <a:pt x="17" y="166"/>
+                  </a:cubicBezTo>
+                  <a:cubicBezTo>
+                    <a:pt x="19" y="172"/>
+                    <a:pt x="22" y="178"/>
+                    <a:pt x="24" y="184"/>
+                  </a:cubicBezTo>
+                  <a:cubicBezTo>
+                    <a:pt x="30" y="197"/>
+                    <a:pt x="35" y="209"/>
+                    <a:pt x="41" y="222"/>
+                  </a:cubicBezTo>
+                  <a:cubicBezTo>
+                    <a:pt x="40" y="219"/>
+                    <a:pt x="39" y="215"/>
+                    <a:pt x="38" y="212"/>
+                  </a:cubicBezTo>
+                  <a:cubicBezTo>
+                    <a:pt x="26" y="172"/>
+                    <a:pt x="18" y="132"/>
+                    <a:pt x="13" y="92"/>
+                  </a:cubicBezTo>
+                  <a:cubicBezTo>
+                    <a:pt x="11" y="68"/>
+                    <a:pt x="9" y="45"/>
+                    <a:pt x="8" y="22"/>
+                  </a:cubicBezTo>
+                  <a:cubicBezTo>
+                    <a:pt x="8" y="21"/>
+                    <a:pt x="7" y="20"/>
+                    <a:pt x="7" y="18"/>
+                  </a:cubicBezTo>
+                  <a:cubicBezTo>
+                    <a:pt x="5" y="12"/>
+                    <a:pt x="2" y="6"/>
+                    <a:pt x="0" y="0"/>
+                  </a:cubicBezTo>
+                  <a:close/>
+                </a:path>
+              </a:pathLst>
+            </a:custGeom>
+            <a:solidFill>
+              <a:schemeClr val="tx2">
+                <a:alpha val="20000"/>
+              </a:schemeClr>
+            </a:solidFill>
+            <a:ln>
+              <a:noFill/>
+            </a:ln>
+          </p:spPr>
+        </p:sp>
+        <p:sp>
+          <p:nvSpPr>
+            <p:cNvPr id="32" name="Freeform 19"/>
+            <p:cNvSpPr/>
+            <p:nvPr/>
+          </p:nvSpPr>
+          <p:spPr bwMode="auto">
+            <a:xfrm>
+              <a:off x="3148013" y="1282700"/>
+              <a:ext cx="1768475" cy="3448050"/>
+            </a:xfrm>
+            <a:custGeom>
+              <a:avLst/>
+              <a:gdLst/>
+              <a:ahLst/>
+              <a:cxnLst/>
+              <a:rect l="0" t="0" r="r" b="b"/>
+              <a:pathLst>
+                <a:path w="450" h="878">
+                  <a:moveTo>
+                    <a:pt x="7" y="854"/>
+                  </a:moveTo>
+                  <a:cubicBezTo>
+                    <a:pt x="10" y="772"/>
+                    <a:pt x="26" y="691"/>
+                    <a:pt x="50" y="613"/>
+                  </a:cubicBezTo>
+                  <a:cubicBezTo>
+                    <a:pt x="75" y="535"/>
+                    <a:pt x="109" y="460"/>
+                    <a:pt x="149" y="388"/>
+                  </a:cubicBezTo>
+                  <a:cubicBezTo>
+                    <a:pt x="189" y="316"/>
+                    <a:pt x="235" y="248"/>
+                    <a:pt x="285" y="183"/>
+                  </a:cubicBezTo>
+                  <a:cubicBezTo>
+                    <a:pt x="310" y="151"/>
+                    <a:pt x="337" y="119"/>
+                    <a:pt x="364" y="89"/>
+                  </a:cubicBezTo>
+                  <a:cubicBezTo>
+                    <a:pt x="378" y="74"/>
+                    <a:pt x="392" y="58"/>
+                    <a:pt x="406" y="44"/>
+                  </a:cubicBezTo>
+                  <a:cubicBezTo>
+                    <a:pt x="421" y="29"/>
+                    <a:pt x="435" y="15"/>
+                    <a:pt x="450" y="1"/>
+                  </a:cubicBezTo>
+                  <a:cubicBezTo>
+                    <a:pt x="450" y="0"/>
+                    <a:pt x="450" y="0"/>
+                    <a:pt x="450" y="0"/>
+                  </a:cubicBezTo>
+                  <a:cubicBezTo>
+                    <a:pt x="434" y="14"/>
+                    <a:pt x="420" y="28"/>
+                    <a:pt x="405" y="43"/>
+                  </a:cubicBezTo>
+                  <a:cubicBezTo>
+                    <a:pt x="391" y="57"/>
+                    <a:pt x="377" y="72"/>
+                    <a:pt x="363" y="88"/>
+                  </a:cubicBezTo>
+                  <a:cubicBezTo>
+                    <a:pt x="335" y="118"/>
+                    <a:pt x="308" y="149"/>
+                    <a:pt x="283" y="181"/>
+                  </a:cubicBezTo>
+                  <a:cubicBezTo>
+                    <a:pt x="232" y="246"/>
+                    <a:pt x="185" y="314"/>
+                    <a:pt x="145" y="386"/>
+                  </a:cubicBezTo>
+                  <a:cubicBezTo>
+                    <a:pt x="104" y="457"/>
+                    <a:pt x="70" y="533"/>
+                    <a:pt x="45" y="611"/>
+                  </a:cubicBezTo>
+                  <a:cubicBezTo>
+                    <a:pt x="19" y="690"/>
+                    <a:pt x="3" y="771"/>
+                    <a:pt x="0" y="854"/>
+                  </a:cubicBezTo>
+                  <a:cubicBezTo>
+                    <a:pt x="0" y="856"/>
+                    <a:pt x="0" y="857"/>
+                    <a:pt x="0" y="859"/>
+                  </a:cubicBezTo>
+                  <a:cubicBezTo>
+                    <a:pt x="2" y="865"/>
+                    <a:pt x="4" y="872"/>
+                    <a:pt x="7" y="878"/>
+                  </a:cubicBezTo>
+                  <a:cubicBezTo>
+                    <a:pt x="7" y="870"/>
+                    <a:pt x="7" y="862"/>
+                    <a:pt x="7" y="854"/>
+                  </a:cubicBezTo>
+                  <a:close/>
+                </a:path>
+              </a:pathLst>
+            </a:custGeom>
+            <a:solidFill>
+              <a:schemeClr val="tx2">
+                <a:alpha val="20000"/>
+              </a:schemeClr>
+            </a:solidFill>
+            <a:ln>
+              <a:noFill/>
+            </a:ln>
+          </p:spPr>
+        </p:sp>
+        <p:sp>
+          <p:nvSpPr>
+            <p:cNvPr id="33" name="Freeform 20"/>
+            <p:cNvSpPr/>
+            <p:nvPr/>
+          </p:nvSpPr>
+          <p:spPr bwMode="auto">
+            <a:xfrm>
+              <a:off x="3273426" y="5653088"/>
+              <a:ext cx="138113" cy="287338"/>
+            </a:xfrm>
+            <a:custGeom>
+              <a:avLst/>
+              <a:gdLst/>
+              <a:ahLst/>
+              <a:cxnLst/>
+              <a:rect l="0" t="0" r="r" b="b"/>
+              <a:pathLst>
+                <a:path w="35" h="73">
+                  <a:moveTo>
+                    <a:pt x="0" y="0"/>
+                  </a:moveTo>
+                  <a:cubicBezTo>
+                    <a:pt x="7" y="24"/>
+                    <a:pt x="16" y="49"/>
+                    <a:pt x="26" y="73"/>
+                  </a:cubicBezTo>
+                  <a:cubicBezTo>
+                    <a:pt x="35" y="73"/>
+                    <a:pt x="35" y="73"/>
+                    <a:pt x="35" y="73"/>
+                  </a:cubicBezTo>
+                  <a:cubicBezTo>
+                    <a:pt x="23" y="49"/>
+                    <a:pt x="11" y="24"/>
+                    <a:pt x="0" y="0"/>
+                  </a:cubicBezTo>
+                  <a:close/>
+                </a:path>
+              </a:pathLst>
+            </a:custGeom>
+            <a:solidFill>
+              <a:schemeClr val="tx2">
+                <a:alpha val="20000"/>
+              </a:schemeClr>
+            </a:solidFill>
+            <a:ln>
+              <a:noFill/>
+            </a:ln>
+          </p:spPr>
+        </p:sp>
+        <p:sp>
+          <p:nvSpPr>
+            <p:cNvPr id="34" name="Freeform 21"/>
+            <p:cNvSpPr/>
+            <p:nvPr/>
+          </p:nvSpPr>
+          <p:spPr bwMode="auto">
+            <a:xfrm>
+              <a:off x="3143251" y="4656138"/>
+              <a:ext cx="31750" cy="188913"/>
+            </a:xfrm>
+            <a:custGeom>
+              <a:avLst/>
+              <a:gdLst/>
+              <a:ahLst/>
+              <a:cxnLst/>
+              <a:rect l="0" t="0" r="r" b="b"/>
+              <a:pathLst>
+                <a:path w="8" h="48">
+                  <a:moveTo>
+                    <a:pt x="7" y="44"/>
+                  </a:moveTo>
+                  <a:cubicBezTo>
+                    <a:pt x="7" y="46"/>
+                    <a:pt x="8" y="47"/>
+                    <a:pt x="8" y="48"/>
+                  </a:cubicBezTo>
+                  <a:cubicBezTo>
+                    <a:pt x="8" y="38"/>
+                    <a:pt x="8" y="29"/>
+                    <a:pt x="8" y="19"/>
+                  </a:cubicBezTo>
+                  <a:cubicBezTo>
+                    <a:pt x="5" y="13"/>
+                    <a:pt x="3" y="6"/>
+                    <a:pt x="1" y="0"/>
+                  </a:cubicBezTo>
+                  <a:cubicBezTo>
+                    <a:pt x="0" y="9"/>
+                    <a:pt x="0" y="17"/>
+                    <a:pt x="0" y="26"/>
+                  </a:cubicBezTo>
+                  <a:cubicBezTo>
+                    <a:pt x="2" y="32"/>
+                    <a:pt x="5" y="38"/>
+                    <a:pt x="7" y="44"/>
+                  </a:cubicBezTo>
+                  <a:close/>
+                </a:path>
+              </a:pathLst>
+            </a:custGeom>
+            <a:solidFill>
+              <a:schemeClr val="tx2">
+                <a:alpha val="20000"/>
+              </a:schemeClr>
+            </a:solidFill>
+            <a:ln>
+              <a:noFill/>
+            </a:ln>
+          </p:spPr>
+        </p:sp>
+        <p:sp>
+          <p:nvSpPr>
+            <p:cNvPr id="35" name="Freeform 22"/>
+            <p:cNvSpPr/>
+            <p:nvPr/>
+          </p:nvSpPr>
+          <p:spPr bwMode="auto">
+            <a:xfrm>
+              <a:off x="3211513" y="5410200"/>
+              <a:ext cx="203200" cy="530225"/>
+            </a:xfrm>
+            <a:custGeom>
+              <a:avLst/>
+              <a:gdLst/>
+              <a:ahLst/>
+              <a:cxnLst/>
+              <a:rect l="0" t="0" r="r" b="b"/>
+              <a:pathLst>
+                <a:path w="52" h="135">
+                  <a:moveTo>
+                    <a:pt x="7" y="18"/>
+                  </a:moveTo>
+                  <a:cubicBezTo>
+                    <a:pt x="5" y="12"/>
+                    <a:pt x="2" y="6"/>
+                    <a:pt x="0" y="0"/>
+                  </a:cubicBezTo>
+                  <a:cubicBezTo>
+                    <a:pt x="3" y="16"/>
+                    <a:pt x="7" y="32"/>
+                    <a:pt x="12" y="48"/>
+                  </a:cubicBezTo>
+                  <a:cubicBezTo>
+                    <a:pt x="13" y="53"/>
+                    <a:pt x="14" y="57"/>
+                    <a:pt x="16" y="62"/>
+                  </a:cubicBezTo>
+                  <a:cubicBezTo>
+                    <a:pt x="27" y="86"/>
+                    <a:pt x="39" y="111"/>
+                    <a:pt x="51" y="135"/>
+                  </a:cubicBezTo>
+                  <a:cubicBezTo>
+                    <a:pt x="52" y="135"/>
+                    <a:pt x="52" y="135"/>
+                    <a:pt x="52" y="135"/>
+                  </a:cubicBezTo>
+                  <a:cubicBezTo>
+                    <a:pt x="41" y="109"/>
+                    <a:pt x="32" y="83"/>
+                    <a:pt x="24" y="56"/>
+                  </a:cubicBezTo>
+                  <a:cubicBezTo>
+                    <a:pt x="18" y="43"/>
+                    <a:pt x="13" y="31"/>
+                    <a:pt x="7" y="18"/>
+                  </a:cubicBezTo>
+                  <a:close/>
+                </a:path>
+              </a:pathLst>
+            </a:custGeom>
+            <a:solidFill>
+              <a:schemeClr val="tx2">
+                <a:alpha val="20000"/>
+              </a:schemeClr>
+            </a:solidFill>
+            <a:ln>
+              <a:noFill/>
+            </a:ln>
+          </p:spPr>
+        </p:sp>
+      </p:grpSp>
+      <p:grpSp>
+        <p:nvGrpSpPr>
+          <p:cNvPr id="10" name="Group 9"/>
+          <p:cNvGrpSpPr/>
+          <p:nvPr/>
+        </p:nvGrpSpPr>
+        <p:grpSpPr>
+          <a:xfrm>
+            <a:off x="42444" y="-1225"/>
+            <a:ext cx="3674632" cy="10687224"/>
+            <a:chOff x="6627813" y="194833"/>
+            <a:chExt cx="1952625" cy="5678918"/>
+          </a:xfrm>
+        </p:grpSpPr>
+        <p:sp>
+          <p:nvSpPr>
+            <p:cNvPr id="11" name="Freeform 27"/>
+            <p:cNvSpPr/>
+            <p:nvPr/>
+          </p:nvSpPr>
+          <p:spPr bwMode="auto">
+            <a:xfrm>
+              <a:off x="6627813" y="194833"/>
+              <a:ext cx="409575" cy="3646488"/>
+            </a:xfrm>
+            <a:custGeom>
+              <a:avLst/>
+              <a:gdLst/>
+              <a:ahLst/>
+              <a:cxnLst/>
+              <a:rect l="0" t="0" r="r" b="b"/>
+              <a:pathLst>
+                <a:path w="103" h="920">
+                  <a:moveTo>
+                    <a:pt x="7" y="210"/>
+                  </a:moveTo>
+                  <a:cubicBezTo>
+                    <a:pt x="11" y="288"/>
+                    <a:pt x="17" y="367"/>
+                    <a:pt x="26" y="445"/>
+                  </a:cubicBezTo>
+                  <a:cubicBezTo>
+                    <a:pt x="34" y="523"/>
+                    <a:pt x="44" y="601"/>
+                    <a:pt x="57" y="679"/>
+                  </a:cubicBezTo>
+                  <a:cubicBezTo>
+                    <a:pt x="69" y="757"/>
+                    <a:pt x="84" y="834"/>
+                    <a:pt x="101" y="911"/>
+                  </a:cubicBezTo>
+                  <a:cubicBezTo>
+                    <a:pt x="102" y="914"/>
+                    <a:pt x="103" y="917"/>
+                    <a:pt x="103" y="920"/>
+                  </a:cubicBezTo>
+                  <a:cubicBezTo>
+                    <a:pt x="102" y="905"/>
+                    <a:pt x="100" y="889"/>
+                    <a:pt x="99" y="874"/>
+                  </a:cubicBezTo>
+                  <a:cubicBezTo>
+                    <a:pt x="99" y="871"/>
+                    <a:pt x="99" y="868"/>
+                    <a:pt x="99" y="866"/>
+                  </a:cubicBezTo>
+                  <a:cubicBezTo>
+                    <a:pt x="85" y="803"/>
+                    <a:pt x="73" y="741"/>
+                    <a:pt x="63" y="678"/>
+                  </a:cubicBezTo>
+                  <a:cubicBezTo>
+                    <a:pt x="50" y="600"/>
+                    <a:pt x="39" y="523"/>
+                    <a:pt x="30" y="444"/>
+                  </a:cubicBezTo>
+                  <a:cubicBezTo>
+                    <a:pt x="21" y="366"/>
+                    <a:pt x="14" y="288"/>
+                    <a:pt x="9" y="209"/>
+                  </a:cubicBezTo>
+                  <a:cubicBezTo>
+                    <a:pt x="7" y="170"/>
+                    <a:pt x="5" y="131"/>
+                    <a:pt x="3" y="92"/>
+                  </a:cubicBezTo>
+                  <a:cubicBezTo>
+                    <a:pt x="2" y="61"/>
+                    <a:pt x="1" y="31"/>
+                    <a:pt x="1" y="0"/>
+                  </a:cubicBezTo>
+                  <a:cubicBezTo>
+                    <a:pt x="0" y="0"/>
+                    <a:pt x="0" y="0"/>
+                    <a:pt x="0" y="0"/>
+                  </a:cubicBezTo>
+                  <a:cubicBezTo>
+                    <a:pt x="0" y="31"/>
+                    <a:pt x="1" y="61"/>
+                    <a:pt x="1" y="92"/>
+                  </a:cubicBezTo>
+                  <a:cubicBezTo>
+                    <a:pt x="3" y="131"/>
+                    <a:pt x="4" y="170"/>
+                    <a:pt x="7" y="210"/>
+                  </a:cubicBezTo>
+                  <a:close/>
+                </a:path>
+              </a:pathLst>
+            </a:custGeom>
+            <a:solidFill>
+              <a:schemeClr val="tx2"/>
+            </a:solidFill>
+            <a:ln>
+              <a:noFill/>
+            </a:ln>
+          </p:spPr>
+        </p:sp>
+        <p:sp>
+          <p:nvSpPr>
+            <p:cNvPr id="12" name="Freeform 28"/>
+            <p:cNvSpPr/>
+            <p:nvPr/>
+          </p:nvSpPr>
+          <p:spPr bwMode="auto">
+            <a:xfrm>
+              <a:off x="7061201" y="3771900"/>
+              <a:ext cx="350838" cy="1309688"/>
+            </a:xfrm>
+            <a:custGeom>
+              <a:avLst/>
+              <a:gdLst/>
+              <a:ahLst/>
+              <a:cxnLst/>
+              <a:rect l="0" t="0" r="r" b="b"/>
+              <a:pathLst>
+                <a:path w="88" h="330">
+                  <a:moveTo>
+                    <a:pt x="53" y="229"/>
+                  </a:moveTo>
+                  <a:cubicBezTo>
+                    <a:pt x="64" y="263"/>
+                    <a:pt x="75" y="297"/>
+                    <a:pt x="88" y="330"/>
+                  </a:cubicBezTo>
+                  <a:cubicBezTo>
+                    <a:pt x="88" y="323"/>
+                    <a:pt x="88" y="315"/>
+                    <a:pt x="88" y="308"/>
+                  </a:cubicBezTo>
+                  <a:cubicBezTo>
+                    <a:pt x="88" y="307"/>
+                    <a:pt x="88" y="305"/>
+                    <a:pt x="88" y="304"/>
+                  </a:cubicBezTo>
+                  <a:cubicBezTo>
+                    <a:pt x="79" y="278"/>
+                    <a:pt x="70" y="252"/>
+                    <a:pt x="62" y="226"/>
+                  </a:cubicBezTo>
+                  <a:cubicBezTo>
+                    <a:pt x="38" y="152"/>
+                    <a:pt x="17" y="76"/>
+                    <a:pt x="0" y="0"/>
+                  </a:cubicBezTo>
+                  <a:cubicBezTo>
+                    <a:pt x="2" y="21"/>
+                    <a:pt x="4" y="42"/>
+                    <a:pt x="7" y="63"/>
+                  </a:cubicBezTo>
+                  <a:cubicBezTo>
+                    <a:pt x="21" y="119"/>
+                    <a:pt x="36" y="174"/>
+                    <a:pt x="53" y="229"/>
+                  </a:cubicBezTo>
+                  <a:close/>
+                </a:path>
+              </a:pathLst>
+            </a:custGeom>
+            <a:solidFill>
+              <a:schemeClr val="tx2"/>
+            </a:solidFill>
+            <a:ln>
+              <a:noFill/>
+            </a:ln>
+          </p:spPr>
+        </p:sp>
+        <p:sp>
+          <p:nvSpPr>
+            <p:cNvPr id="13" name="Freeform 29"/>
+            <p:cNvSpPr/>
+            <p:nvPr/>
+          </p:nvSpPr>
+          <p:spPr bwMode="auto">
+            <a:xfrm>
+              <a:off x="7439026" y="5053013"/>
+              <a:ext cx="357188" cy="820738"/>
+            </a:xfrm>
+            <a:custGeom>
+              <a:avLst/>
+              <a:gdLst/>
+              <a:ahLst/>
+              <a:cxnLst/>
+              <a:rect l="0" t="0" r="r" b="b"/>
+              <a:pathLst>
+                <a:path w="90" h="207">
+                  <a:moveTo>
+                    <a:pt x="6" y="15"/>
+                  </a:moveTo>
+                  <a:cubicBezTo>
+                    <a:pt x="4" y="10"/>
+                    <a:pt x="2" y="5"/>
+                    <a:pt x="0" y="0"/>
+                  </a:cubicBezTo>
+                  <a:cubicBezTo>
+                    <a:pt x="0" y="9"/>
+                    <a:pt x="0" y="19"/>
+                    <a:pt x="1" y="29"/>
+                  </a:cubicBezTo>
+                  <a:cubicBezTo>
+                    <a:pt x="14" y="62"/>
+                    <a:pt x="27" y="95"/>
+                    <a:pt x="42" y="127"/>
+                  </a:cubicBezTo>
+                  <a:cubicBezTo>
+                    <a:pt x="54" y="154"/>
+                    <a:pt x="67" y="181"/>
+                    <a:pt x="80" y="207"/>
+                  </a:cubicBezTo>
+                  <a:cubicBezTo>
+                    <a:pt x="90" y="207"/>
+                    <a:pt x="90" y="207"/>
+                    <a:pt x="90" y="207"/>
+                  </a:cubicBezTo>
+                  <a:cubicBezTo>
+                    <a:pt x="76" y="180"/>
+                    <a:pt x="63" y="152"/>
+                    <a:pt x="50" y="123"/>
+                  </a:cubicBezTo>
+                  <a:cubicBezTo>
+                    <a:pt x="34" y="88"/>
+                    <a:pt x="20" y="51"/>
+                    <a:pt x="6" y="15"/>
+                  </a:cubicBezTo>
+                  <a:close/>
+                </a:path>
+              </a:pathLst>
+            </a:custGeom>
+            <a:solidFill>
+              <a:schemeClr val="tx2"/>
+            </a:solidFill>
+            <a:ln>
+              <a:noFill/>
+            </a:ln>
+          </p:spPr>
+        </p:sp>
+        <p:sp>
+          <p:nvSpPr>
+            <p:cNvPr id="14" name="Freeform 30"/>
+            <p:cNvSpPr/>
+            <p:nvPr/>
+          </p:nvSpPr>
+          <p:spPr bwMode="auto">
+            <a:xfrm>
+              <a:off x="7037388" y="3811588"/>
+              <a:ext cx="457200" cy="1852613"/>
+            </a:xfrm>
+            <a:custGeom>
+              <a:avLst/>
+              <a:gdLst/>
+              <a:ahLst/>
+              <a:cxnLst/>
+              <a:rect l="0" t="0" r="r" b="b"/>
+              <a:pathLst>
+                <a:path w="115" h="467">
+                  <a:moveTo>
+                    <a:pt x="101" y="409"/>
+                  </a:moveTo>
+                  <a:cubicBezTo>
+                    <a:pt x="93" y="388"/>
+                    <a:pt x="85" y="366"/>
+                    <a:pt x="78" y="344"/>
+                  </a:cubicBezTo>
+                  <a:cubicBezTo>
+                    <a:pt x="57" y="281"/>
+                    <a:pt x="41" y="216"/>
+                    <a:pt x="29" y="151"/>
+                  </a:cubicBezTo>
+                  <a:cubicBezTo>
+                    <a:pt x="22" y="119"/>
+                    <a:pt x="17" y="86"/>
+                    <a:pt x="13" y="53"/>
+                  </a:cubicBezTo>
+                  <a:cubicBezTo>
+                    <a:pt x="9" y="35"/>
+                    <a:pt x="4" y="18"/>
+                    <a:pt x="0" y="0"/>
+                  </a:cubicBezTo>
+                  <a:cubicBezTo>
+                    <a:pt x="5" y="51"/>
+                    <a:pt x="12" y="102"/>
+                    <a:pt x="21" y="152"/>
+                  </a:cubicBezTo>
+                  <a:cubicBezTo>
+                    <a:pt x="33" y="218"/>
+                    <a:pt x="49" y="283"/>
+                    <a:pt x="69" y="347"/>
+                  </a:cubicBezTo>
+                  <a:cubicBezTo>
+                    <a:pt x="79" y="378"/>
+                    <a:pt x="90" y="410"/>
+                    <a:pt x="103" y="441"/>
+                  </a:cubicBezTo>
+                  <a:cubicBezTo>
+                    <a:pt x="107" y="449"/>
+                    <a:pt x="111" y="458"/>
+                    <a:pt x="115" y="467"/>
+                  </a:cubicBezTo>
+                  <a:cubicBezTo>
+                    <a:pt x="114" y="464"/>
+                    <a:pt x="113" y="461"/>
+                    <a:pt x="112" y="458"/>
+                  </a:cubicBezTo>
+                  <a:cubicBezTo>
+                    <a:pt x="108" y="442"/>
+                    <a:pt x="104" y="425"/>
+                    <a:pt x="101" y="409"/>
+                  </a:cubicBezTo>
+                  <a:close/>
+                </a:path>
+              </a:pathLst>
+            </a:custGeom>
+            <a:solidFill>
+              <a:schemeClr val="tx2"/>
+            </a:solidFill>
+            <a:ln>
+              <a:noFill/>
+            </a:ln>
+          </p:spPr>
+        </p:sp>
+        <p:sp>
+          <p:nvSpPr>
+            <p:cNvPr id="15" name="Freeform 31"/>
+            <p:cNvSpPr/>
+            <p:nvPr/>
+          </p:nvSpPr>
+          <p:spPr bwMode="auto">
+            <a:xfrm>
+              <a:off x="6992938" y="1263650"/>
+              <a:ext cx="144463" cy="2508250"/>
+            </a:xfrm>
+            <a:custGeom>
+              <a:avLst/>
+              <a:gdLst/>
+              <a:ahLst/>
+              <a:cxnLst/>
+              <a:rect l="0" t="0" r="r" b="b"/>
+              <a:pathLst>
+                <a:path w="36" h="633">
+                  <a:moveTo>
+                    <a:pt x="17" y="633"/>
+                  </a:moveTo>
+                  <a:cubicBezTo>
+                    <a:pt x="15" y="621"/>
+                    <a:pt x="14" y="609"/>
+                    <a:pt x="13" y="597"/>
+                  </a:cubicBezTo>
+                  <a:cubicBezTo>
+                    <a:pt x="8" y="530"/>
+                    <a:pt x="5" y="464"/>
+                    <a:pt x="5" y="398"/>
+                  </a:cubicBezTo>
+                  <a:cubicBezTo>
+                    <a:pt x="5" y="331"/>
+                    <a:pt x="8" y="265"/>
+                    <a:pt x="13" y="198"/>
+                  </a:cubicBezTo>
+                  <a:cubicBezTo>
+                    <a:pt x="15" y="165"/>
+                    <a:pt x="18" y="132"/>
+                    <a:pt x="22" y="99"/>
+                  </a:cubicBezTo>
+                  <a:cubicBezTo>
+                    <a:pt x="26" y="66"/>
+                    <a:pt x="30" y="33"/>
+                    <a:pt x="36" y="0"/>
+                  </a:cubicBezTo>
+                  <a:cubicBezTo>
+                    <a:pt x="35" y="0"/>
+                    <a:pt x="35" y="0"/>
+                    <a:pt x="35" y="0"/>
+                  </a:cubicBezTo>
+                  <a:cubicBezTo>
+                    <a:pt x="29" y="33"/>
+                    <a:pt x="24" y="66"/>
+                    <a:pt x="20" y="99"/>
+                  </a:cubicBezTo>
+                  <a:cubicBezTo>
+                    <a:pt x="16" y="132"/>
+                    <a:pt x="13" y="165"/>
+                    <a:pt x="10" y="198"/>
+                  </a:cubicBezTo>
+                  <a:cubicBezTo>
+                    <a:pt x="4" y="264"/>
+                    <a:pt x="1" y="331"/>
+                    <a:pt x="1" y="398"/>
+                  </a:cubicBezTo>
+                  <a:cubicBezTo>
+                    <a:pt x="0" y="461"/>
+                    <a:pt x="2" y="525"/>
+                    <a:pt x="7" y="589"/>
+                  </a:cubicBezTo>
+                  <a:cubicBezTo>
+                    <a:pt x="10" y="603"/>
+                    <a:pt x="13" y="618"/>
+                    <a:pt x="16" y="632"/>
+                  </a:cubicBezTo>
+                  <a:cubicBezTo>
+                    <a:pt x="16" y="632"/>
+                    <a:pt x="17" y="633"/>
+                    <a:pt x="17" y="633"/>
+                  </a:cubicBezTo>
+                  <a:close/>
+                </a:path>
+              </a:pathLst>
+            </a:custGeom>
+            <a:solidFill>
+              <a:schemeClr val="tx2"/>
+            </a:solidFill>
+            <a:ln>
+              <a:noFill/>
+            </a:ln>
+          </p:spPr>
+        </p:sp>
+        <p:sp>
+          <p:nvSpPr>
+            <p:cNvPr id="16" name="Freeform 32"/>
+            <p:cNvSpPr/>
+            <p:nvPr/>
+          </p:nvSpPr>
+          <p:spPr bwMode="auto">
+            <a:xfrm>
+              <a:off x="7526338" y="5640388"/>
+              <a:ext cx="111125" cy="233363"/>
+            </a:xfrm>
+            <a:custGeom>
+              <a:avLst/>
+              <a:gdLst/>
+              <a:ahLst/>
+              <a:cxnLst/>
+              <a:rect l="0" t="0" r="r" b="b"/>
+              <a:pathLst>
+                <a:path w="28" h="59">
+                  <a:moveTo>
+                    <a:pt x="22" y="59"/>
+                  </a:moveTo>
+                  <a:cubicBezTo>
+                    <a:pt x="28" y="59"/>
+                    <a:pt x="28" y="59"/>
+                    <a:pt x="28" y="59"/>
+                  </a:cubicBezTo>
+                  <a:cubicBezTo>
+                    <a:pt x="18" y="40"/>
+                    <a:pt x="9" y="20"/>
+                    <a:pt x="0" y="0"/>
+                  </a:cubicBezTo>
+                  <a:cubicBezTo>
+                    <a:pt x="6" y="20"/>
+                    <a:pt x="13" y="40"/>
+                    <a:pt x="22" y="59"/>
+                  </a:cubicBezTo>
+                  <a:close/>
+                </a:path>
+              </a:pathLst>
+            </a:custGeom>
+            <a:solidFill>
+              <a:schemeClr val="tx2"/>
+            </a:solidFill>
+            <a:ln>
+              <a:noFill/>
+            </a:ln>
+          </p:spPr>
+        </p:sp>
+        <p:sp>
+          <p:nvSpPr>
+            <p:cNvPr id="17" name="Freeform 33"/>
+            <p:cNvSpPr/>
+            <p:nvPr/>
+          </p:nvSpPr>
+          <p:spPr bwMode="auto">
+            <a:xfrm>
+              <a:off x="7021513" y="3598863"/>
+              <a:ext cx="68263" cy="423863"/>
+            </a:xfrm>
+            <a:custGeom>
+              <a:avLst/>
+              <a:gdLst/>
+              <a:ahLst/>
+              <a:cxnLst/>
+              <a:rect l="0" t="0" r="r" b="b"/>
+              <a:pathLst>
+                <a:path w="17" h="107">
+                  <a:moveTo>
+                    <a:pt x="4" y="54"/>
+                  </a:moveTo>
+                  <a:cubicBezTo>
+                    <a:pt x="8" y="72"/>
+                    <a:pt x="13" y="89"/>
+                    <a:pt x="17" y="107"/>
+                  </a:cubicBezTo>
+                  <a:cubicBezTo>
+                    <a:pt x="14" y="86"/>
+                    <a:pt x="12" y="65"/>
+                    <a:pt x="10" y="44"/>
+                  </a:cubicBezTo>
+                  <a:cubicBezTo>
+                    <a:pt x="10" y="44"/>
+                    <a:pt x="9" y="43"/>
+                    <a:pt x="9" y="43"/>
+                  </a:cubicBezTo>
+                  <a:cubicBezTo>
+                    <a:pt x="6" y="29"/>
+                    <a:pt x="3" y="14"/>
+                    <a:pt x="0" y="0"/>
+                  </a:cubicBezTo>
+                  <a:cubicBezTo>
+                    <a:pt x="0" y="2"/>
+                    <a:pt x="0" y="5"/>
+                    <a:pt x="0" y="8"/>
+                  </a:cubicBezTo>
+                  <a:cubicBezTo>
+                    <a:pt x="1" y="23"/>
+                    <a:pt x="3" y="39"/>
+                    <a:pt x="4" y="54"/>
+                  </a:cubicBezTo>
+                  <a:close/>
+                </a:path>
+              </a:pathLst>
+            </a:custGeom>
+            <a:solidFill>
+              <a:schemeClr val="tx2"/>
+            </a:solidFill>
+            <a:ln>
+              <a:noFill/>
+            </a:ln>
+          </p:spPr>
+        </p:sp>
+        <p:sp>
+          <p:nvSpPr>
+            <p:cNvPr id="18" name="Freeform 34"/>
+            <p:cNvSpPr/>
+            <p:nvPr/>
+          </p:nvSpPr>
+          <p:spPr bwMode="auto">
+            <a:xfrm>
+              <a:off x="7412038" y="2801938"/>
+              <a:ext cx="1168400" cy="2251075"/>
+            </a:xfrm>
+            <a:custGeom>
+              <a:avLst/>
+              <a:gdLst/>
+              <a:ahLst/>
+              <a:cxnLst/>
+              <a:rect l="0" t="0" r="r" b="b"/>
+              <a:pathLst>
+                <a:path w="294" h="568">
+                  <a:moveTo>
+                    <a:pt x="8" y="553"/>
+                  </a:moveTo>
+                  <a:cubicBezTo>
+                    <a:pt x="9" y="501"/>
+                    <a:pt x="19" y="448"/>
+                    <a:pt x="35" y="397"/>
+                  </a:cubicBezTo>
+                  <a:cubicBezTo>
+                    <a:pt x="51" y="347"/>
+                    <a:pt x="73" y="298"/>
+                    <a:pt x="99" y="252"/>
+                  </a:cubicBezTo>
+                  <a:cubicBezTo>
+                    <a:pt x="124" y="205"/>
+                    <a:pt x="154" y="161"/>
+                    <a:pt x="187" y="119"/>
+                  </a:cubicBezTo>
+                  <a:cubicBezTo>
+                    <a:pt x="203" y="98"/>
+                    <a:pt x="220" y="77"/>
+                    <a:pt x="238" y="58"/>
+                  </a:cubicBezTo>
+                  <a:cubicBezTo>
+                    <a:pt x="247" y="48"/>
+                    <a:pt x="256" y="38"/>
+                    <a:pt x="265" y="28"/>
+                  </a:cubicBezTo>
+                  <a:cubicBezTo>
+                    <a:pt x="274" y="19"/>
+                    <a:pt x="284" y="9"/>
+                    <a:pt x="294" y="0"/>
+                  </a:cubicBezTo>
+                  <a:cubicBezTo>
+                    <a:pt x="293" y="0"/>
+                    <a:pt x="293" y="0"/>
+                    <a:pt x="293" y="0"/>
+                  </a:cubicBezTo>
+                  <a:cubicBezTo>
+                    <a:pt x="283" y="9"/>
+                    <a:pt x="273" y="18"/>
+                    <a:pt x="264" y="27"/>
+                  </a:cubicBezTo>
+                  <a:cubicBezTo>
+                    <a:pt x="255" y="37"/>
+                    <a:pt x="246" y="47"/>
+                    <a:pt x="237" y="56"/>
+                  </a:cubicBezTo>
+                  <a:cubicBezTo>
+                    <a:pt x="218" y="76"/>
+                    <a:pt x="201" y="96"/>
+                    <a:pt x="185" y="117"/>
+                  </a:cubicBezTo>
+                  <a:cubicBezTo>
+                    <a:pt x="151" y="159"/>
+                    <a:pt x="121" y="203"/>
+                    <a:pt x="95" y="249"/>
+                  </a:cubicBezTo>
+                  <a:cubicBezTo>
+                    <a:pt x="68" y="296"/>
+                    <a:pt x="46" y="345"/>
+                    <a:pt x="30" y="396"/>
+                  </a:cubicBezTo>
+                  <a:cubicBezTo>
+                    <a:pt x="13" y="445"/>
+                    <a:pt x="3" y="497"/>
+                    <a:pt x="0" y="549"/>
+                  </a:cubicBezTo>
+                  <a:cubicBezTo>
+                    <a:pt x="3" y="555"/>
+                    <a:pt x="5" y="561"/>
+                    <a:pt x="7" y="568"/>
+                  </a:cubicBezTo>
+                  <a:cubicBezTo>
+                    <a:pt x="7" y="563"/>
+                    <a:pt x="7" y="558"/>
+                    <a:pt x="8" y="553"/>
+                  </a:cubicBezTo>
+                  <a:close/>
+                </a:path>
+              </a:pathLst>
+            </a:custGeom>
+            <a:solidFill>
+              <a:schemeClr val="tx2"/>
+            </a:solidFill>
+            <a:ln>
+              <a:noFill/>
+            </a:ln>
+          </p:spPr>
+        </p:sp>
+        <p:sp>
+          <p:nvSpPr>
+            <p:cNvPr id="19" name="Freeform 35"/>
+            <p:cNvSpPr/>
+            <p:nvPr/>
+          </p:nvSpPr>
+          <p:spPr bwMode="auto">
+            <a:xfrm>
+              <a:off x="7494588" y="5664200"/>
+              <a:ext cx="100013" cy="209550"/>
+            </a:xfrm>
+            <a:custGeom>
+              <a:avLst/>
+              <a:gdLst/>
+              <a:ahLst/>
+              <a:cxnLst/>
+              <a:rect l="0" t="0" r="r" b="b"/>
+              <a:pathLst>
+                <a:path w="25" h="53">
+                  <a:moveTo>
+                    <a:pt x="0" y="0"/>
+                  </a:moveTo>
+                  <a:cubicBezTo>
+                    <a:pt x="5" y="18"/>
+                    <a:pt x="12" y="36"/>
+                    <a:pt x="19" y="53"/>
+                  </a:cubicBezTo>
+                  <a:cubicBezTo>
+                    <a:pt x="25" y="53"/>
+                    <a:pt x="25" y="53"/>
+                    <a:pt x="25" y="53"/>
+                  </a:cubicBezTo>
+                  <a:cubicBezTo>
+                    <a:pt x="16" y="36"/>
+                    <a:pt x="8" y="18"/>
+                    <a:pt x="0" y="0"/>
+                  </a:cubicBezTo>
+                  <a:close/>
+                </a:path>
+              </a:pathLst>
+            </a:custGeom>
+            <a:solidFill>
+              <a:schemeClr val="tx2"/>
+            </a:solidFill>
+            <a:ln>
+              <a:noFill/>
+            </a:ln>
+          </p:spPr>
+        </p:sp>
+        <p:sp>
+          <p:nvSpPr>
+            <p:cNvPr id="20" name="Freeform 36"/>
+            <p:cNvSpPr/>
+            <p:nvPr/>
+          </p:nvSpPr>
+          <p:spPr bwMode="auto">
+            <a:xfrm>
+              <a:off x="7412038" y="5081588"/>
+              <a:ext cx="114300" cy="558800"/>
+            </a:xfrm>
+            <a:custGeom>
+              <a:avLst/>
+              <a:gdLst/>
+              <a:ahLst/>
+              <a:cxnLst/>
+              <a:rect l="0" t="0" r="r" b="b"/>
+              <a:pathLst>
+                <a:path w="29" h="141">
+                  <a:moveTo>
+                    <a:pt x="0" y="0"/>
+                  </a:moveTo>
+                  <a:cubicBezTo>
+                    <a:pt x="0" y="30"/>
+                    <a:pt x="2" y="60"/>
+                    <a:pt x="7" y="89"/>
+                  </a:cubicBezTo>
+                  <a:cubicBezTo>
+                    <a:pt x="11" y="98"/>
+                    <a:pt x="14" y="108"/>
+                    <a:pt x="18" y="117"/>
+                  </a:cubicBezTo>
+                  <a:cubicBezTo>
+                    <a:pt x="22" y="125"/>
+                    <a:pt x="25" y="133"/>
+                    <a:pt x="29" y="141"/>
+                  </a:cubicBezTo>
+                  <a:cubicBezTo>
+                    <a:pt x="28" y="139"/>
+                    <a:pt x="28" y="137"/>
+                    <a:pt x="27" y="135"/>
+                  </a:cubicBezTo>
+                  <a:cubicBezTo>
+                    <a:pt x="16" y="98"/>
+                    <a:pt x="10" y="60"/>
+                    <a:pt x="8" y="22"/>
+                  </a:cubicBezTo>
+                  <a:cubicBezTo>
+                    <a:pt x="7" y="18"/>
+                    <a:pt x="5" y="15"/>
+                    <a:pt x="4" y="11"/>
+                  </a:cubicBezTo>
+                  <a:cubicBezTo>
+                    <a:pt x="2" y="7"/>
+                    <a:pt x="1" y="3"/>
+                    <a:pt x="0" y="0"/>
+                  </a:cubicBezTo>
+                  <a:close/>
+                </a:path>
+              </a:pathLst>
+            </a:custGeom>
+            <a:solidFill>
+              <a:schemeClr val="tx2"/>
+            </a:solidFill>
+            <a:ln>
+              <a:noFill/>
+            </a:ln>
+          </p:spPr>
+        </p:sp>
+        <p:sp>
+          <p:nvSpPr>
+            <p:cNvPr id="21" name="Freeform 37"/>
+            <p:cNvSpPr/>
+            <p:nvPr/>
+          </p:nvSpPr>
+          <p:spPr bwMode="auto">
+            <a:xfrm>
+              <a:off x="7412038" y="4978400"/>
+              <a:ext cx="31750" cy="188913"/>
+            </a:xfrm>
+            <a:custGeom>
+              <a:avLst/>
+              <a:gdLst/>
+              <a:ahLst/>
+              <a:cxnLst/>
+              <a:rect l="0" t="0" r="r" b="b"/>
+              <a:pathLst>
+                <a:path w="8" h="48">
+                  <a:moveTo>
+                    <a:pt x="0" y="26"/>
+                  </a:moveTo>
+                  <a:cubicBezTo>
+                    <a:pt x="1" y="29"/>
+                    <a:pt x="2" y="33"/>
+                    <a:pt x="4" y="37"/>
+                  </a:cubicBezTo>
+                  <a:cubicBezTo>
+                    <a:pt x="5" y="41"/>
+                    <a:pt x="7" y="44"/>
+                    <a:pt x="8" y="48"/>
+                  </a:cubicBezTo>
+                  <a:cubicBezTo>
+                    <a:pt x="7" y="38"/>
+                    <a:pt x="7" y="28"/>
+                    <a:pt x="7" y="19"/>
+                  </a:cubicBezTo>
+                  <a:cubicBezTo>
+                    <a:pt x="5" y="12"/>
+                    <a:pt x="3" y="6"/>
+                    <a:pt x="0" y="0"/>
+                  </a:cubicBezTo>
+                  <a:cubicBezTo>
+                    <a:pt x="0" y="1"/>
+                    <a:pt x="0" y="3"/>
+                    <a:pt x="0" y="4"/>
+                  </a:cubicBezTo>
+                  <a:cubicBezTo>
+                    <a:pt x="0" y="11"/>
+                    <a:pt x="0" y="19"/>
+                    <a:pt x="0" y="26"/>
+                  </a:cubicBezTo>
+                  <a:close/>
+                </a:path>
+              </a:pathLst>
+            </a:custGeom>
+            <a:solidFill>
+              <a:schemeClr val="tx2"/>
+            </a:solidFill>
+            <a:ln>
+              <a:noFill/>
+            </a:ln>
+          </p:spPr>
+        </p:sp>
+        <p:sp>
+          <p:nvSpPr>
+            <p:cNvPr id="22" name="Freeform 38"/>
+            <p:cNvSpPr/>
+            <p:nvPr/>
+          </p:nvSpPr>
+          <p:spPr bwMode="auto">
+            <a:xfrm>
+              <a:off x="7439026" y="5434013"/>
+              <a:ext cx="174625" cy="439738"/>
+            </a:xfrm>
+            <a:custGeom>
+              <a:avLst/>
+              <a:gdLst/>
+              <a:ahLst/>
+              <a:cxnLst/>
+              <a:rect l="0" t="0" r="r" b="b"/>
+              <a:pathLst>
+                <a:path w="44" h="111">
+                  <a:moveTo>
+                    <a:pt x="11" y="28"/>
+                  </a:moveTo>
+                  <a:cubicBezTo>
+                    <a:pt x="7" y="19"/>
+                    <a:pt x="4" y="9"/>
+                    <a:pt x="0" y="0"/>
+                  </a:cubicBezTo>
+                  <a:cubicBezTo>
+                    <a:pt x="3" y="16"/>
+                    <a:pt x="7" y="33"/>
+                    <a:pt x="11" y="49"/>
+                  </a:cubicBezTo>
+                  <a:cubicBezTo>
+                    <a:pt x="12" y="52"/>
+                    <a:pt x="13" y="55"/>
+                    <a:pt x="14" y="58"/>
+                  </a:cubicBezTo>
+                  <a:cubicBezTo>
+                    <a:pt x="22" y="76"/>
+                    <a:pt x="30" y="94"/>
+                    <a:pt x="39" y="111"/>
+                  </a:cubicBezTo>
+                  <a:cubicBezTo>
+                    <a:pt x="44" y="111"/>
+                    <a:pt x="44" y="111"/>
+                    <a:pt x="44" y="111"/>
+                  </a:cubicBezTo>
+                  <a:cubicBezTo>
+                    <a:pt x="35" y="92"/>
+                    <a:pt x="28" y="72"/>
+                    <a:pt x="22" y="52"/>
+                  </a:cubicBezTo>
+                  <a:cubicBezTo>
+                    <a:pt x="18" y="44"/>
+                    <a:pt x="15" y="36"/>
+                    <a:pt x="11" y="28"/>
+                  </a:cubicBezTo>
+                  <a:close/>
+                </a:path>
+              </a:pathLst>
+            </a:custGeom>
+            <a:solidFill>
+              <a:schemeClr val="tx2"/>
+            </a:solidFill>
+            <a:ln>
+              <a:noFill/>
+            </a:ln>
+          </p:spPr>
+        </p:sp>
+      </p:grpSp>
+      <p:sp>
+        <p:nvSpPr>
+          <p:cNvPr id="7" name="Rectangle 6"/>
+          <p:cNvSpPr/>
+          <p:nvPr/>
+        </p:nvSpPr>
+        <p:spPr>
+          <a:xfrm>
+            <a:off x="0" y="0"/>
+            <a:ext cx="285155" cy="10693400"/>
+          </a:xfrm>
+          <a:prstGeom prst="rect">
+            <a:avLst/>
+          </a:prstGeom>
+          <a:solidFill>
+            <a:schemeClr val="tx2"/>
+          </a:solidFill>
+          <a:ln>
+            <a:noFill/>
+          </a:ln>
+          <a:effectLst/>
+        </p:spPr>
+        <p:style>
+          <a:lnRef idx="1">
+            <a:schemeClr val="accent1"/>
+          </a:lnRef>
+          <a:fillRef idx="3">
+            <a:schemeClr val="accent1"/>
+          </a:fillRef>
+          <a:effectRef idx="2">
+            <a:schemeClr val="accent1"/>
+          </a:effectRef>
+          <a:fontRef idx="minor">
+            <a:schemeClr val="lt1"/>
+          </a:fontRef>
+        </p:style>
+      </p:sp>
       <p:sp>
         <p:nvSpPr>
           <p:cNvPr id="2" name="Title Placeholder 1"/>
@@ -6351,15 +10766,15 @@
         </p:nvSpPr>
         <p:spPr>
           <a:xfrm>
-            <a:off x="1306959" y="569326"/>
-            <a:ext cx="16396395" cy="2066896"/>
+            <a:off x="4043004" y="973149"/>
+            <a:ext cx="13895502" cy="1997240"/>
           </a:xfrm>
           <a:prstGeom prst="rect">
             <a:avLst/>
           </a:prstGeom>
         </p:spPr>
         <p:txBody>
-          <a:bodyPr vert="horz" lIns="91440" tIns="45720" rIns="91440" bIns="45720" rtlCol="0" anchor="ctr">
+          <a:bodyPr vert="horz" lIns="91440" tIns="45720" rIns="91440" bIns="45720" rtlCol="0" anchor="t">
             <a:normAutofit/>
           </a:bodyPr>
           <a:lstStyle/>
@@ -6384,8 +10799,8 @@
         </p:nvSpPr>
         <p:spPr>
           <a:xfrm>
-            <a:off x="1306959" y="2846623"/>
-            <a:ext cx="16396395" cy="6784864"/>
+            <a:off x="4037216" y="3326836"/>
+            <a:ext cx="13901291" cy="6059593"/>
           </a:xfrm>
           <a:prstGeom prst="rect">
             <a:avLst/>
@@ -6399,35 +10814,35 @@
           <a:p>
             <a:pPr lvl="0"/>
             <a:r>
-              <a:rPr lang="en-US"/>
+              <a:rPr lang="en-US" smtClean="0"/>
               <a:t>Edit Master text styles</a:t>
             </a:r>
           </a:p>
           <a:p>
             <a:pPr lvl="1"/>
             <a:r>
-              <a:rPr lang="en-US"/>
+              <a:rPr lang="en-US" smtClean="0"/>
               <a:t>Second level</a:t>
             </a:r>
           </a:p>
           <a:p>
             <a:pPr lvl="2"/>
             <a:r>
-              <a:rPr lang="en-US"/>
+              <a:rPr lang="en-US" smtClean="0"/>
               <a:t>Third level</a:t>
             </a:r>
           </a:p>
           <a:p>
             <a:pPr lvl="3"/>
             <a:r>
-              <a:rPr lang="en-US"/>
+              <a:rPr lang="en-US" smtClean="0"/>
               <a:t>Fourth level</a:t>
             </a:r>
           </a:p>
           <a:p>
             <a:pPr lvl="4"/>
             <a:r>
-              <a:rPr lang="en-US"/>
+              <a:rPr lang="en-US" smtClean="0"/>
               <a:t>Fifth level</a:t>
             </a:r>
             <a:endParaRPr lang="en-US" dirty="0"/>
@@ -6446,8 +10861,8 @@
         </p:nvSpPr>
         <p:spPr>
           <a:xfrm>
-            <a:off x="1306959" y="9911198"/>
-            <a:ext cx="4277320" cy="569325"/>
+            <a:off x="16156291" y="9558941"/>
+            <a:ext cx="1787336" cy="577543"/>
           </a:xfrm>
           <a:prstGeom prst="rect">
             <a:avLst/>
@@ -6456,8 +10871,8 @@
         <p:txBody>
           <a:bodyPr vert="horz" lIns="91440" tIns="45720" rIns="91440" bIns="45720" rtlCol="0" anchor="ctr"/>
           <a:lstStyle>
-            <a:lvl1pPr algn="l">
-              <a:defRPr sz="1871">
+            <a:lvl1pPr algn="r">
+              <a:defRPr sz="1403">
                 <a:solidFill>
                   <a:schemeClr val="tx1">
                     <a:tint val="75000"/>
@@ -6469,7 +10884,7 @@
           <a:p>
             <a:fld id="{1D8BD707-D9CF-40AE-B4C6-C98DA3205C09}" type="datetimeFigureOut">
               <a:rPr lang="en-US" smtClean="0"/>
-              <a:t>7/24/2023</a:t>
+              <a:t>8/20/2023</a:t>
             </a:fld>
             <a:endParaRPr lang="en-US" dirty="0"/>
           </a:p>
@@ -6487,8 +10902,8 @@
         </p:nvSpPr>
         <p:spPr>
           <a:xfrm>
-            <a:off x="6297166" y="9911198"/>
-            <a:ext cx="6415981" cy="569325"/>
+            <a:off x="4037216" y="9567316"/>
+            <a:ext cx="11881444" cy="569325"/>
           </a:xfrm>
           <a:prstGeom prst="rect">
             <a:avLst/>
@@ -6497,8 +10912,8 @@
         <p:txBody>
           <a:bodyPr vert="horz" lIns="91440" tIns="45720" rIns="91440" bIns="45720" rtlCol="0" anchor="ctr"/>
           <a:lstStyle>
-            <a:lvl1pPr algn="ctr">
-              <a:defRPr sz="1871">
+            <a:lvl1pPr algn="l">
+              <a:defRPr sz="1403">
                 <a:solidFill>
                   <a:schemeClr val="tx1">
                     <a:tint val="75000"/>
@@ -6522,10 +10937,10 @@
             <p:ph type="sldNum" sz="quarter" idx="4"/>
           </p:nvPr>
         </p:nvSpPr>
-        <p:spPr>
+        <p:spPr bwMode="gray">
           <a:xfrm>
-            <a:off x="13426034" y="9911198"/>
-            <a:ext cx="4277320" cy="569325"/>
+            <a:off x="829226" y="1228357"/>
+            <a:ext cx="1215848" cy="569325"/>
           </a:xfrm>
           <a:prstGeom prst="rect">
             <a:avLst/>
@@ -6535,11 +10950,9 @@
           <a:bodyPr vert="horz" lIns="91440" tIns="45720" rIns="91440" bIns="45720" rtlCol="0" anchor="ctr"/>
           <a:lstStyle>
             <a:lvl1pPr algn="r">
-              <a:defRPr sz="1871">
+              <a:defRPr sz="3118">
                 <a:solidFill>
-                  <a:schemeClr val="tx1">
-                    <a:tint val="75000"/>
-                  </a:schemeClr>
+                  <a:srgbClr val="FEFFFF"/>
                 </a:solidFill>
               </a:defRPr>
             </a:lvl1pPr>
@@ -6556,201 +10969,316 @@
     </p:spTree>
     <p:extLst>
       <p:ext uri="{BB962C8B-B14F-4D97-AF65-F5344CB8AC3E}">
-        <p14:creationId xmlns:p14="http://schemas.microsoft.com/office/powerpoint/2010/main" val="2711602623"/>
+        <p14:creationId xmlns:p14="http://schemas.microsoft.com/office/powerpoint/2010/main" val="3984276761"/>
       </p:ext>
     </p:extLst>
   </p:cSld>
   <p:clrMap bg1="lt1" tx1="dk1" bg2="lt2" tx2="dk2" accent1="accent1" accent2="accent2" accent3="accent3" accent4="accent4" accent5="accent5" accent6="accent6" hlink="hlink" folHlink="folHlink"/>
   <p:sldLayoutIdLst>
-    <p:sldLayoutId id="2147483691" r:id="rId1"/>
-    <p:sldLayoutId id="2147483692" r:id="rId2"/>
-    <p:sldLayoutId id="2147483693" r:id="rId3"/>
-    <p:sldLayoutId id="2147483694" r:id="rId4"/>
-    <p:sldLayoutId id="2147483695" r:id="rId5"/>
-    <p:sldLayoutId id="2147483696" r:id="rId6"/>
-    <p:sldLayoutId id="2147483697" r:id="rId7"/>
-    <p:sldLayoutId id="2147483698" r:id="rId8"/>
-    <p:sldLayoutId id="2147483699" r:id="rId9"/>
-    <p:sldLayoutId id="2147483700" r:id="rId10"/>
-    <p:sldLayoutId id="2147483701" r:id="rId11"/>
+    <p:sldLayoutId id="2147483733" r:id="rId1"/>
+    <p:sldLayoutId id="2147483734" r:id="rId2"/>
+    <p:sldLayoutId id="2147483735" r:id="rId3"/>
+    <p:sldLayoutId id="2147483736" r:id="rId4"/>
+    <p:sldLayoutId id="2147483737" r:id="rId5"/>
+    <p:sldLayoutId id="2147483738" r:id="rId6"/>
+    <p:sldLayoutId id="2147483739" r:id="rId7"/>
+    <p:sldLayoutId id="2147483740" r:id="rId8"/>
+    <p:sldLayoutId id="2147483741" r:id="rId9"/>
+    <p:sldLayoutId id="2147483742" r:id="rId10"/>
+    <p:sldLayoutId id="2147483743" r:id="rId11"/>
+    <p:sldLayoutId id="2147483744" r:id="rId12"/>
+    <p:sldLayoutId id="2147483745" r:id="rId13"/>
+    <p:sldLayoutId id="2147483746" r:id="rId14"/>
+    <p:sldLayoutId id="2147483747" r:id="rId15"/>
+    <p:sldLayoutId id="2147483748" r:id="rId16"/>
   </p:sldLayoutIdLst>
   <p:txStyles>
     <p:titleStyle>
-      <a:lvl1pPr algn="l" defTabSz="1425732" rtl="0" eaLnBrk="1" latinLnBrk="0" hangingPunct="1">
-        <a:lnSpc>
-          <a:spcPct val="90000"/>
-        </a:lnSpc>
+      <a:lvl1pPr algn="l" defTabSz="712866" rtl="0" eaLnBrk="1" latinLnBrk="0" hangingPunct="1">
         <a:spcBef>
           <a:spcPct val="0"/>
         </a:spcBef>
         <a:buNone/>
-        <a:defRPr sz="6860" kern="1200">
+        <a:defRPr sz="5613" kern="1200">
           <a:solidFill>
-            <a:schemeClr val="tx1"/>
+            <a:schemeClr val="tx1">
+              <a:lumMod val="85000"/>
+              <a:lumOff val="15000"/>
+            </a:schemeClr>
           </a:solidFill>
           <a:latin typeface="+mj-lt"/>
           <a:ea typeface="+mj-ea"/>
           <a:cs typeface="+mj-cs"/>
         </a:defRPr>
       </a:lvl1pPr>
+      <a:lvl2pPr eaLnBrk="1" hangingPunct="1">
+        <a:defRPr>
+          <a:solidFill>
+            <a:schemeClr val="tx2"/>
+          </a:solidFill>
+        </a:defRPr>
+      </a:lvl2pPr>
+      <a:lvl3pPr eaLnBrk="1" hangingPunct="1">
+        <a:defRPr>
+          <a:solidFill>
+            <a:schemeClr val="tx2"/>
+          </a:solidFill>
+        </a:defRPr>
+      </a:lvl3pPr>
+      <a:lvl4pPr eaLnBrk="1" hangingPunct="1">
+        <a:defRPr>
+          <a:solidFill>
+            <a:schemeClr val="tx2"/>
+          </a:solidFill>
+        </a:defRPr>
+      </a:lvl4pPr>
+      <a:lvl5pPr eaLnBrk="1" hangingPunct="1">
+        <a:defRPr>
+          <a:solidFill>
+            <a:schemeClr val="tx2"/>
+          </a:solidFill>
+        </a:defRPr>
+      </a:lvl5pPr>
+      <a:lvl6pPr eaLnBrk="1" hangingPunct="1">
+        <a:defRPr>
+          <a:solidFill>
+            <a:schemeClr val="tx2"/>
+          </a:solidFill>
+        </a:defRPr>
+      </a:lvl6pPr>
+      <a:lvl7pPr eaLnBrk="1" hangingPunct="1">
+        <a:defRPr>
+          <a:solidFill>
+            <a:schemeClr val="tx2"/>
+          </a:solidFill>
+        </a:defRPr>
+      </a:lvl7pPr>
+      <a:lvl8pPr eaLnBrk="1" hangingPunct="1">
+        <a:defRPr>
+          <a:solidFill>
+            <a:schemeClr val="tx2"/>
+          </a:solidFill>
+        </a:defRPr>
+      </a:lvl8pPr>
+      <a:lvl9pPr eaLnBrk="1" hangingPunct="1">
+        <a:defRPr>
+          <a:solidFill>
+            <a:schemeClr val="tx2"/>
+          </a:solidFill>
+        </a:defRPr>
+      </a:lvl9pPr>
     </p:titleStyle>
     <p:bodyStyle>
-      <a:lvl1pPr marL="356433" indent="-356433" algn="l" defTabSz="1425732" rtl="0" eaLnBrk="1" latinLnBrk="0" hangingPunct="1">
-        <a:lnSpc>
-          <a:spcPct val="90000"/>
-        </a:lnSpc>
+      <a:lvl1pPr marL="534650" indent="-534650" algn="l" defTabSz="712866" rtl="0" eaLnBrk="1" latinLnBrk="0" hangingPunct="1">
         <a:spcBef>
           <a:spcPts val="1559"/>
         </a:spcBef>
-        <a:buFont typeface="Arial" panose="020B0604020202020204" pitchFamily="34" charset="0"/>
-        <a:buChar char="•"/>
-        <a:defRPr sz="4366" kern="1200">
+        <a:spcAft>
+          <a:spcPts val="0"/>
+        </a:spcAft>
+        <a:buClr>
+          <a:schemeClr val="accent1"/>
+        </a:buClr>
+        <a:buFont typeface="Wingdings 3" charset="2"/>
+        <a:buChar char=""/>
+        <a:defRPr sz="2807" kern="1200">
           <a:solidFill>
-            <a:schemeClr val="tx1"/>
+            <a:schemeClr val="tx1">
+              <a:lumMod val="75000"/>
+              <a:lumOff val="25000"/>
+            </a:schemeClr>
           </a:solidFill>
           <a:latin typeface="+mn-lt"/>
           <a:ea typeface="+mn-ea"/>
           <a:cs typeface="+mn-cs"/>
         </a:defRPr>
       </a:lvl1pPr>
-      <a:lvl2pPr marL="1069299" indent="-356433" algn="l" defTabSz="1425732" rtl="0" eaLnBrk="1" latinLnBrk="0" hangingPunct="1">
-        <a:lnSpc>
-          <a:spcPct val="90000"/>
-        </a:lnSpc>
+      <a:lvl2pPr marL="1158408" indent="-445541" algn="l" defTabSz="712866" rtl="0" eaLnBrk="1" latinLnBrk="0" hangingPunct="1">
         <a:spcBef>
-          <a:spcPts val="780"/>
+          <a:spcPts val="1559"/>
         </a:spcBef>
-        <a:buFont typeface="Arial" panose="020B0604020202020204" pitchFamily="34" charset="0"/>
-        <a:buChar char="•"/>
-        <a:defRPr sz="3742" kern="1200">
+        <a:spcAft>
+          <a:spcPts val="0"/>
+        </a:spcAft>
+        <a:buClr>
+          <a:schemeClr val="accent1"/>
+        </a:buClr>
+        <a:buFont typeface="Wingdings 3" charset="2"/>
+        <a:buChar char=""/>
+        <a:defRPr sz="2495" kern="1200">
           <a:solidFill>
-            <a:schemeClr val="tx1"/>
+            <a:schemeClr val="tx1">
+              <a:lumMod val="75000"/>
+              <a:lumOff val="25000"/>
+            </a:schemeClr>
           </a:solidFill>
           <a:latin typeface="+mn-lt"/>
           <a:ea typeface="+mn-ea"/>
           <a:cs typeface="+mn-cs"/>
         </a:defRPr>
       </a:lvl2pPr>
-      <a:lvl3pPr marL="1782166" indent="-356433" algn="l" defTabSz="1425732" rtl="0" eaLnBrk="1" latinLnBrk="0" hangingPunct="1">
-        <a:lnSpc>
-          <a:spcPct val="90000"/>
-        </a:lnSpc>
+      <a:lvl3pPr marL="1782166" indent="-356433" algn="l" defTabSz="712866" rtl="0" eaLnBrk="1" latinLnBrk="0" hangingPunct="1">
         <a:spcBef>
-          <a:spcPts val="780"/>
+          <a:spcPts val="1559"/>
         </a:spcBef>
-        <a:buFont typeface="Arial" panose="020B0604020202020204" pitchFamily="34" charset="0"/>
-        <a:buChar char="•"/>
-        <a:defRPr sz="3118" kern="1200">
+        <a:spcAft>
+          <a:spcPts val="0"/>
+        </a:spcAft>
+        <a:buClr>
+          <a:schemeClr val="accent1"/>
+        </a:buClr>
+        <a:buFont typeface="Wingdings 3" charset="2"/>
+        <a:buChar char=""/>
+        <a:defRPr sz="2183" kern="1200">
           <a:solidFill>
-            <a:schemeClr val="tx1"/>
+            <a:schemeClr val="tx1">
+              <a:lumMod val="75000"/>
+              <a:lumOff val="25000"/>
+            </a:schemeClr>
           </a:solidFill>
           <a:latin typeface="+mn-lt"/>
           <a:ea typeface="+mn-ea"/>
           <a:cs typeface="+mn-cs"/>
         </a:defRPr>
       </a:lvl3pPr>
-      <a:lvl4pPr marL="2495032" indent="-356433" algn="l" defTabSz="1425732" rtl="0" eaLnBrk="1" latinLnBrk="0" hangingPunct="1">
-        <a:lnSpc>
-          <a:spcPct val="90000"/>
-        </a:lnSpc>
+      <a:lvl4pPr marL="2495032" indent="-356433" algn="l" defTabSz="712866" rtl="0" eaLnBrk="1" latinLnBrk="0" hangingPunct="1">
         <a:spcBef>
-          <a:spcPts val="780"/>
+          <a:spcPts val="1559"/>
         </a:spcBef>
-        <a:buFont typeface="Arial" panose="020B0604020202020204" pitchFamily="34" charset="0"/>
-        <a:buChar char="•"/>
-        <a:defRPr sz="2807" kern="1200">
+        <a:spcAft>
+          <a:spcPts val="0"/>
+        </a:spcAft>
+        <a:buClr>
+          <a:schemeClr val="accent1"/>
+        </a:buClr>
+        <a:buFont typeface="Wingdings 3" charset="2"/>
+        <a:buChar char=""/>
+        <a:defRPr sz="1871" kern="1200">
           <a:solidFill>
-            <a:schemeClr val="tx1"/>
+            <a:schemeClr val="tx1">
+              <a:lumMod val="75000"/>
+              <a:lumOff val="25000"/>
+            </a:schemeClr>
           </a:solidFill>
           <a:latin typeface="+mn-lt"/>
           <a:ea typeface="+mn-ea"/>
           <a:cs typeface="+mn-cs"/>
         </a:defRPr>
       </a:lvl4pPr>
-      <a:lvl5pPr marL="3207898" indent="-356433" algn="l" defTabSz="1425732" rtl="0" eaLnBrk="1" latinLnBrk="0" hangingPunct="1">
-        <a:lnSpc>
-          <a:spcPct val="90000"/>
-        </a:lnSpc>
+      <a:lvl5pPr marL="3207898" indent="-356433" algn="l" defTabSz="712866" rtl="0" eaLnBrk="1" latinLnBrk="0" hangingPunct="1">
         <a:spcBef>
-          <a:spcPts val="780"/>
+          <a:spcPts val="1559"/>
         </a:spcBef>
-        <a:buFont typeface="Arial" panose="020B0604020202020204" pitchFamily="34" charset="0"/>
-        <a:buChar char="•"/>
-        <a:defRPr sz="2807" kern="1200">
+        <a:spcAft>
+          <a:spcPts val="0"/>
+        </a:spcAft>
+        <a:buClr>
+          <a:schemeClr val="accent1"/>
+        </a:buClr>
+        <a:buFont typeface="Wingdings 3" charset="2"/>
+        <a:buChar char=""/>
+        <a:defRPr sz="1871" kern="1200">
           <a:solidFill>
-            <a:schemeClr val="tx1"/>
+            <a:schemeClr val="tx1">
+              <a:lumMod val="75000"/>
+              <a:lumOff val="25000"/>
+            </a:schemeClr>
           </a:solidFill>
           <a:latin typeface="+mn-lt"/>
           <a:ea typeface="+mn-ea"/>
           <a:cs typeface="+mn-cs"/>
         </a:defRPr>
       </a:lvl5pPr>
-      <a:lvl6pPr marL="3920764" indent="-356433" algn="l" defTabSz="1425732" rtl="0" eaLnBrk="1" latinLnBrk="0" hangingPunct="1">
-        <a:lnSpc>
-          <a:spcPct val="90000"/>
-        </a:lnSpc>
+      <a:lvl6pPr marL="3920764" indent="-356433" algn="l" defTabSz="712866" rtl="0" eaLnBrk="1" latinLnBrk="0" hangingPunct="1">
         <a:spcBef>
-          <a:spcPts val="780"/>
+          <a:spcPts val="1559"/>
         </a:spcBef>
-        <a:buFont typeface="Arial" panose="020B0604020202020204" pitchFamily="34" charset="0"/>
-        <a:buChar char="•"/>
-        <a:defRPr sz="2807" kern="1200">
+        <a:spcAft>
+          <a:spcPts val="0"/>
+        </a:spcAft>
+        <a:buClr>
+          <a:schemeClr val="accent1"/>
+        </a:buClr>
+        <a:buFont typeface="Wingdings 3" charset="2"/>
+        <a:buChar char=""/>
+        <a:defRPr sz="1871" kern="1200">
           <a:solidFill>
-            <a:schemeClr val="tx1"/>
+            <a:schemeClr val="tx1">
+              <a:lumMod val="75000"/>
+              <a:lumOff val="25000"/>
+            </a:schemeClr>
           </a:solidFill>
           <a:latin typeface="+mn-lt"/>
           <a:ea typeface="+mn-ea"/>
           <a:cs typeface="+mn-cs"/>
         </a:defRPr>
       </a:lvl6pPr>
-      <a:lvl7pPr marL="4633631" indent="-356433" algn="l" defTabSz="1425732" rtl="0" eaLnBrk="1" latinLnBrk="0" hangingPunct="1">
-        <a:lnSpc>
-          <a:spcPct val="90000"/>
-        </a:lnSpc>
+      <a:lvl7pPr marL="4633631" indent="-356433" algn="l" defTabSz="712866" rtl="0" eaLnBrk="1" latinLnBrk="0" hangingPunct="1">
         <a:spcBef>
-          <a:spcPts val="780"/>
+          <a:spcPts val="1559"/>
         </a:spcBef>
-        <a:buFont typeface="Arial" panose="020B0604020202020204" pitchFamily="34" charset="0"/>
-        <a:buChar char="•"/>
-        <a:defRPr sz="2807" kern="1200">
+        <a:spcAft>
+          <a:spcPts val="0"/>
+        </a:spcAft>
+        <a:buClr>
+          <a:schemeClr val="accent1"/>
+        </a:buClr>
+        <a:buFont typeface="Wingdings 3" charset="2"/>
+        <a:buChar char=""/>
+        <a:defRPr sz="1871" kern="1200">
           <a:solidFill>
-            <a:schemeClr val="tx1"/>
+            <a:schemeClr val="tx1">
+              <a:lumMod val="75000"/>
+              <a:lumOff val="25000"/>
+            </a:schemeClr>
           </a:solidFill>
           <a:latin typeface="+mn-lt"/>
           <a:ea typeface="+mn-ea"/>
           <a:cs typeface="+mn-cs"/>
         </a:defRPr>
       </a:lvl7pPr>
-      <a:lvl8pPr marL="5346497" indent="-356433" algn="l" defTabSz="1425732" rtl="0" eaLnBrk="1" latinLnBrk="0" hangingPunct="1">
-        <a:lnSpc>
-          <a:spcPct val="90000"/>
-        </a:lnSpc>
+      <a:lvl8pPr marL="5346497" indent="-356433" algn="l" defTabSz="712866" rtl="0" eaLnBrk="1" latinLnBrk="0" hangingPunct="1">
         <a:spcBef>
-          <a:spcPts val="780"/>
+          <a:spcPts val="1559"/>
         </a:spcBef>
-        <a:buFont typeface="Arial" panose="020B0604020202020204" pitchFamily="34" charset="0"/>
-        <a:buChar char="•"/>
-        <a:defRPr sz="2807" kern="1200">
+        <a:spcAft>
+          <a:spcPts val="0"/>
+        </a:spcAft>
+        <a:buClr>
+          <a:schemeClr val="accent1"/>
+        </a:buClr>
+        <a:buFont typeface="Wingdings 3" charset="2"/>
+        <a:buChar char=""/>
+        <a:defRPr sz="1871" kern="1200">
           <a:solidFill>
-            <a:schemeClr val="tx1"/>
+            <a:schemeClr val="tx1">
+              <a:lumMod val="75000"/>
+              <a:lumOff val="25000"/>
+            </a:schemeClr>
           </a:solidFill>
           <a:latin typeface="+mn-lt"/>
           <a:ea typeface="+mn-ea"/>
           <a:cs typeface="+mn-cs"/>
         </a:defRPr>
       </a:lvl8pPr>
-      <a:lvl9pPr marL="6059363" indent="-356433" algn="l" defTabSz="1425732" rtl="0" eaLnBrk="1" latinLnBrk="0" hangingPunct="1">
-        <a:lnSpc>
-          <a:spcPct val="90000"/>
-        </a:lnSpc>
+      <a:lvl9pPr marL="6059363" indent="-356433" algn="l" defTabSz="712866" rtl="0" eaLnBrk="1" latinLnBrk="0" hangingPunct="1">
         <a:spcBef>
-          <a:spcPts val="780"/>
+          <a:spcPts val="1559"/>
         </a:spcBef>
-        <a:buFont typeface="Arial" panose="020B0604020202020204" pitchFamily="34" charset="0"/>
-        <a:buChar char="•"/>
-        <a:defRPr sz="2807" kern="1200">
+        <a:spcAft>
+          <a:spcPts val="0"/>
+        </a:spcAft>
+        <a:buClr>
+          <a:schemeClr val="accent1"/>
+        </a:buClr>
+        <a:buFont typeface="Wingdings 3" charset="2"/>
+        <a:buChar char=""/>
+        <a:defRPr sz="1871" kern="1200">
           <a:solidFill>
-            <a:schemeClr val="tx1"/>
+            <a:schemeClr val="tx1">
+              <a:lumMod val="75000"/>
+              <a:lumOff val="25000"/>
+            </a:schemeClr>
           </a:solidFill>
           <a:latin typeface="+mn-lt"/>
           <a:ea typeface="+mn-ea"/>
@@ -6762,7 +11290,7 @@
       <a:defPPr>
         <a:defRPr lang="en-US"/>
       </a:defPPr>
-      <a:lvl1pPr marL="0" algn="l" defTabSz="1425732" rtl="0" eaLnBrk="1" latinLnBrk="0" hangingPunct="1">
+      <a:lvl1pPr marL="0" algn="l" defTabSz="712866" rtl="0" eaLnBrk="1" latinLnBrk="0" hangingPunct="1">
         <a:defRPr sz="2807" kern="1200">
           <a:solidFill>
             <a:schemeClr val="tx1"/>
@@ -6772,7 +11300,7 @@
           <a:cs typeface="+mn-cs"/>
         </a:defRPr>
       </a:lvl1pPr>
-      <a:lvl2pPr marL="712866" algn="l" defTabSz="1425732" rtl="0" eaLnBrk="1" latinLnBrk="0" hangingPunct="1">
+      <a:lvl2pPr marL="712866" algn="l" defTabSz="712866" rtl="0" eaLnBrk="1" latinLnBrk="0" hangingPunct="1">
         <a:defRPr sz="2807" kern="1200">
           <a:solidFill>
             <a:schemeClr val="tx1"/>
@@ -6782,7 +11310,7 @@
           <a:cs typeface="+mn-cs"/>
         </a:defRPr>
       </a:lvl2pPr>
-      <a:lvl3pPr marL="1425732" algn="l" defTabSz="1425732" rtl="0" eaLnBrk="1" latinLnBrk="0" hangingPunct="1">
+      <a:lvl3pPr marL="1425732" algn="l" defTabSz="712866" rtl="0" eaLnBrk="1" latinLnBrk="0" hangingPunct="1">
         <a:defRPr sz="2807" kern="1200">
           <a:solidFill>
             <a:schemeClr val="tx1"/>
@@ -6792,7 +11320,7 @@
           <a:cs typeface="+mn-cs"/>
         </a:defRPr>
       </a:lvl3pPr>
-      <a:lvl4pPr marL="2138599" algn="l" defTabSz="1425732" rtl="0" eaLnBrk="1" latinLnBrk="0" hangingPunct="1">
+      <a:lvl4pPr marL="2138599" algn="l" defTabSz="712866" rtl="0" eaLnBrk="1" latinLnBrk="0" hangingPunct="1">
         <a:defRPr sz="2807" kern="1200">
           <a:solidFill>
             <a:schemeClr val="tx1"/>
@@ -6802,7 +11330,7 @@
           <a:cs typeface="+mn-cs"/>
         </a:defRPr>
       </a:lvl4pPr>
-      <a:lvl5pPr marL="2851465" algn="l" defTabSz="1425732" rtl="0" eaLnBrk="1" latinLnBrk="0" hangingPunct="1">
+      <a:lvl5pPr marL="2851465" algn="l" defTabSz="712866" rtl="0" eaLnBrk="1" latinLnBrk="0" hangingPunct="1">
         <a:defRPr sz="2807" kern="1200">
           <a:solidFill>
             <a:schemeClr val="tx1"/>
@@ -6812,7 +11340,7 @@
           <a:cs typeface="+mn-cs"/>
         </a:defRPr>
       </a:lvl5pPr>
-      <a:lvl6pPr marL="3564331" algn="l" defTabSz="1425732" rtl="0" eaLnBrk="1" latinLnBrk="0" hangingPunct="1">
+      <a:lvl6pPr marL="3564331" algn="l" defTabSz="712866" rtl="0" eaLnBrk="1" latinLnBrk="0" hangingPunct="1">
         <a:defRPr sz="2807" kern="1200">
           <a:solidFill>
             <a:schemeClr val="tx1"/>
@@ -6822,7 +11350,7 @@
           <a:cs typeface="+mn-cs"/>
         </a:defRPr>
       </a:lvl6pPr>
-      <a:lvl7pPr marL="4277197" algn="l" defTabSz="1425732" rtl="0" eaLnBrk="1" latinLnBrk="0" hangingPunct="1">
+      <a:lvl7pPr marL="4277197" algn="l" defTabSz="712866" rtl="0" eaLnBrk="1" latinLnBrk="0" hangingPunct="1">
         <a:defRPr sz="2807" kern="1200">
           <a:solidFill>
             <a:schemeClr val="tx1"/>
@@ -6832,7 +11360,7 @@
           <a:cs typeface="+mn-cs"/>
         </a:defRPr>
       </a:lvl7pPr>
-      <a:lvl8pPr marL="4990064" algn="l" defTabSz="1425732" rtl="0" eaLnBrk="1" latinLnBrk="0" hangingPunct="1">
+      <a:lvl8pPr marL="4990064" algn="l" defTabSz="712866" rtl="0" eaLnBrk="1" latinLnBrk="0" hangingPunct="1">
         <a:defRPr sz="2807" kern="1200">
           <a:solidFill>
             <a:schemeClr val="tx1"/>
@@ -6842,7 +11370,7 @@
           <a:cs typeface="+mn-cs"/>
         </a:defRPr>
       </a:lvl8pPr>
-      <a:lvl9pPr marL="5702930" algn="l" defTabSz="1425732" rtl="0" eaLnBrk="1" latinLnBrk="0" hangingPunct="1">
+      <a:lvl9pPr marL="5702930" algn="l" defTabSz="712866" rtl="0" eaLnBrk="1" latinLnBrk="0" hangingPunct="1">
         <a:defRPr sz="2807" kern="1200">
           <a:solidFill>
             <a:schemeClr val="tx1"/>
@@ -6874,6 +11402,35 @@
           <a:chExt cx="0" cy="0"/>
         </a:xfrm>
       </p:grpSpPr>
+      <p:sp>
+        <p:nvSpPr>
+          <p:cNvPr id="8" name="object 8"/>
+          <p:cNvSpPr/>
+          <p:nvPr/>
+        </p:nvSpPr>
+        <p:spPr>
+          <a:xfrm>
+            <a:off x="-4819" y="3906540"/>
+            <a:ext cx="19010313" cy="6945503"/>
+          </a:xfrm>
+          <a:prstGeom prst="rect">
+            <a:avLst/>
+          </a:prstGeom>
+          <a:blipFill>
+            <a:blip r:embed="rId3" cstate="print"/>
+            <a:stretch>
+              <a:fillRect/>
+            </a:stretch>
+          </a:blipFill>
+        </p:spPr>
+        <p:txBody>
+          <a:bodyPr wrap="square" lIns="0" tIns="0" rIns="0" bIns="0" rtlCol="0"/>
+          <a:lstStyle/>
+          <a:p>
+            <a:endParaRPr dirty="0"/>
+          </a:p>
+        </p:txBody>
+      </p:sp>
       <p:grpSp>
         <p:nvGrpSpPr>
           <p:cNvPr id="24" name="Group 23">
@@ -7109,35 +11666,6 @@
       </p:grpSp>
       <p:sp>
         <p:nvSpPr>
-          <p:cNvPr id="8" name="object 8"/>
-          <p:cNvSpPr/>
-          <p:nvPr/>
-        </p:nvSpPr>
-        <p:spPr>
-          <a:xfrm>
-            <a:off x="-4819" y="3906540"/>
-            <a:ext cx="19010313" cy="6945503"/>
-          </a:xfrm>
-          <a:prstGeom prst="rect">
-            <a:avLst/>
-          </a:prstGeom>
-          <a:blipFill>
-            <a:blip r:embed="rId3" cstate="print"/>
-            <a:stretch>
-              <a:fillRect/>
-            </a:stretch>
-          </a:blipFill>
-        </p:spPr>
-        <p:txBody>
-          <a:bodyPr wrap="square" lIns="0" tIns="0" rIns="0" bIns="0" rtlCol="0"/>
-          <a:lstStyle/>
-          <a:p>
-            <a:endParaRPr dirty="0"/>
-          </a:p>
-        </p:txBody>
-      </p:sp>
-      <p:sp>
-        <p:nvSpPr>
           <p:cNvPr id="18" name="object 18"/>
           <p:cNvSpPr txBox="1"/>
           <p:nvPr/>
@@ -7379,13 +11907,7 @@
               <a:rPr lang="en-US" sz="3200">
                 <a:ea typeface="Calibri" panose="020F0502020204030204" pitchFamily="34" charset="0"/>
               </a:rPr>
-              <a:t>Integration: Developers regularly merge their code changes into a central repository, where automated build and test processes are triggered. This ensures that the codebase is always up-to-date and any conflicts or issues are </a:t>
-            </a:r>
-            <a:r>
-              <a:rPr lang="en-US" sz="3200">
-                <a:ea typeface="Calibri" panose="020F0502020204030204" pitchFamily="34" charset="0"/>
-              </a:rPr>
-              <a:t>identified </a:t>
+              <a:t>Integration: Developers regularly merge their code changes into a central repository, where automated build and test processes are triggered. This ensures that the codebase is always up-to-date and any conflicts or issues are identified </a:t>
             </a:r>
             <a:r>
               <a:rPr lang="en-US" sz="3200" smtClean="0">
@@ -8944,7 +13466,7 @@
         <p:spPr>
           <a:xfrm>
             <a:off x="504156" y="707462"/>
-            <a:ext cx="6264696" cy="505267"/>
+            <a:ext cx="11521280" cy="505267"/>
           </a:xfrm>
           <a:prstGeom prst="rect">
             <a:avLst/>
@@ -8968,7 +13490,13 @@
               <a:rPr lang="en-US" sz="3200" spc="-5">
                 <a:cs typeface="Source Sans Pro Light"/>
               </a:rPr>
-              <a:t>The benefits of implementing CI/CD </a:t>
+              <a:t>The benefits of implementing </a:t>
+            </a:r>
+            <a:r>
+              <a:rPr lang="en-US" sz="3200" spc="-5" smtClean="0">
+                <a:cs typeface="Source Sans Pro Light"/>
+              </a:rPr>
+              <a:t>CI/CD into business values</a:t>
             </a:r>
             <a:endParaRPr lang="cs-CZ" sz="3200" dirty="0">
               <a:cs typeface="Source Sans Pro Light"/>
@@ -8983,7 +13511,7 @@
           <p:nvPr>
             <p:extLst>
               <p:ext uri="{D42A27DB-BD31-4B8C-83A1-F6EECF244321}">
-                <p14:modId xmlns:p14="http://schemas.microsoft.com/office/powerpoint/2010/main" val="821189161"/>
+                <p14:modId xmlns:p14="http://schemas.microsoft.com/office/powerpoint/2010/main" val="2900104956"/>
               </p:ext>
             </p:extLst>
           </p:nvPr>
@@ -9018,10 +13546,102 @@
 </p:sld>
 </file>
 
+<file path=ppt/slides/slide5.xml><?xml version="1.0" encoding="utf-8"?>
+<p:sld xmlns:a="http://schemas.openxmlformats.org/drawingml/2006/main" xmlns:r="http://schemas.openxmlformats.org/officeDocument/2006/relationships" xmlns:p="http://schemas.openxmlformats.org/presentationml/2006/main">
+  <p:cSld>
+    <p:spTree>
+      <p:nvGrpSpPr>
+        <p:cNvPr id="1" name=""/>
+        <p:cNvGrpSpPr/>
+        <p:nvPr/>
+      </p:nvGrpSpPr>
+      <p:grpSpPr>
+        <a:xfrm>
+          <a:off x="0" y="0"/>
+          <a:ext cx="0" cy="0"/>
+          <a:chOff x="0" y="0"/>
+          <a:chExt cx="0" cy="0"/>
+        </a:xfrm>
+      </p:grpSpPr>
+      <p:sp>
+        <p:nvSpPr>
+          <p:cNvPr id="4" name="Rectangle 3"/>
+          <p:cNvSpPr/>
+          <p:nvPr/>
+        </p:nvSpPr>
+        <p:spPr>
+          <a:xfrm>
+            <a:off x="5539172" y="4885035"/>
+            <a:ext cx="7931980" cy="923330"/>
+          </a:xfrm>
+          <a:prstGeom prst="rect">
+            <a:avLst/>
+          </a:prstGeom>
+          <a:noFill/>
+        </p:spPr>
+        <p:txBody>
+          <a:bodyPr wrap="none" lIns="91440" tIns="45720" rIns="91440" bIns="45720">
+            <a:spAutoFit/>
+          </a:bodyPr>
+          <a:lstStyle/>
+          <a:p>
+            <a:pPr algn="ctr"/>
+            <a:r>
+              <a:rPr lang="en-US" sz="5400" b="0" cap="none" spc="0" smtClean="0">
+                <a:ln w="0"/>
+                <a:solidFill>
+                  <a:schemeClr val="tx1"/>
+                </a:solidFill>
+                <a:effectLst>
+                  <a:outerShdw blurRad="38100" dist="19050" dir="2700000" algn="tl" rotWithShape="0">
+                    <a:schemeClr val="dk1">
+                      <a:alpha val="40000"/>
+                    </a:schemeClr>
+                  </a:outerShdw>
+                </a:effectLst>
+              </a:rPr>
+              <a:t>Thank you for listening!!</a:t>
+            </a:r>
+            <a:endParaRPr lang="en-US" sz="5400" b="0" cap="none" spc="0">
+              <a:ln w="0"/>
+              <a:solidFill>
+                <a:schemeClr val="tx1"/>
+              </a:solidFill>
+              <a:effectLst>
+                <a:outerShdw blurRad="38100" dist="19050" dir="2700000" algn="tl" rotWithShape="0">
+                  <a:schemeClr val="dk1">
+                    <a:alpha val="40000"/>
+                  </a:schemeClr>
+                </a:outerShdw>
+              </a:effectLst>
+            </a:endParaRPr>
+          </a:p>
+        </p:txBody>
+      </p:sp>
+    </p:spTree>
+    <p:extLst>
+      <p:ext uri="{BB962C8B-B14F-4D97-AF65-F5344CB8AC3E}">
+        <p14:creationId xmlns:p14="http://schemas.microsoft.com/office/powerpoint/2010/main" val="2134706686"/>
+      </p:ext>
+    </p:extLst>
+  </p:cSld>
+  <p:clrMapOvr>
+    <a:masterClrMapping/>
+  </p:clrMapOvr>
+  <p:timing>
+    <p:tnLst>
+      <p:par>
+        <p:cTn id="1" dur="indefinite" restart="never" nodeType="tmRoot"/>
+      </p:par>
+    </p:tnLst>
+  </p:timing>
+</p:sld>
+</file>
+
 <file path=ppt/theme/theme1.xml><?xml version="1.0" encoding="utf-8"?>
-<a:theme xmlns:a="http://schemas.openxmlformats.org/drawingml/2006/main" name="Office Theme">
+<a:theme xmlns:a="http://schemas.openxmlformats.org/drawingml/2006/main" name="Wisp">
   <a:themeElements>
-    <a:clrScheme name="Office Theme">
+    <a:clrScheme name="Wisp">
       <a:dk1>
         <a:sysClr val="windowText" lastClr="000000"/>
       </a:dk1>
@@ -9029,83 +13649,48 @@
         <a:sysClr val="window" lastClr="FFFFFF"/>
       </a:lt1>
       <a:dk2>
-        <a:srgbClr val="44546A"/>
+        <a:srgbClr val="766F54"/>
       </a:dk2>
       <a:lt2>
-        <a:srgbClr val="E7E6E6"/>
+        <a:srgbClr val="E3EACF"/>
       </a:lt2>
       <a:accent1>
-        <a:srgbClr val="4472C4"/>
+        <a:srgbClr val="A53010"/>
       </a:accent1>
       <a:accent2>
-        <a:srgbClr val="ED7D31"/>
+        <a:srgbClr val="DE7E18"/>
       </a:accent2>
       <a:accent3>
-        <a:srgbClr val="A5A5A5"/>
+        <a:srgbClr val="9F8351"/>
       </a:accent3>
       <a:accent4>
-        <a:srgbClr val="FFC000"/>
+        <a:srgbClr val="728653"/>
       </a:accent4>
       <a:accent5>
-        <a:srgbClr val="5B9BD5"/>
+        <a:srgbClr val="92AA4C"/>
       </a:accent5>
       <a:accent6>
-        <a:srgbClr val="70AD47"/>
+        <a:srgbClr val="6AAC91"/>
       </a:accent6>
       <a:hlink>
-        <a:srgbClr val="0563C1"/>
+        <a:srgbClr val="FB4A18"/>
       </a:hlink>
       <a:folHlink>
-        <a:srgbClr val="954F72"/>
+        <a:srgbClr val="FB9318"/>
       </a:folHlink>
     </a:clrScheme>
-    <a:fontScheme name="Office Theme">
+    <a:fontScheme name="Wisp">
       <a:majorFont>
-        <a:latin typeface="Calibri Light" panose="020F0302020204030204"/>
+        <a:latin typeface="Century Gothic" panose="020B0502020202020204"/>
         <a:ea typeface=""/>
         <a:cs typeface=""/>
-        <a:font script="Jpan" typeface="游ゴシック Light"/>
-        <a:font script="Hang" typeface="맑은 고딕"/>
-        <a:font script="Hans" typeface="等线 Light"/>
-        <a:font script="Hant" typeface="新細明體"/>
-        <a:font script="Arab" typeface="Times New Roman"/>
-        <a:font script="Hebr" typeface="Times New Roman"/>
-        <a:font script="Thai" typeface="Angsana New"/>
-        <a:font script="Ethi" typeface="Nyala"/>
-        <a:font script="Beng" typeface="Vrinda"/>
-        <a:font script="Gujr" typeface="Shruti"/>
-        <a:font script="Khmr" typeface="MoolBoran"/>
-        <a:font script="Knda" typeface="Tunga"/>
-        <a:font script="Guru" typeface="Raavi"/>
-        <a:font script="Cans" typeface="Euphemia"/>
-        <a:font script="Cher" typeface="Plantagenet Cherokee"/>
-        <a:font script="Yiii" typeface="Microsoft Yi Baiti"/>
-        <a:font script="Tibt" typeface="Microsoft Himalaya"/>
-        <a:font script="Thaa" typeface="MV Boli"/>
-        <a:font script="Deva" typeface="Mangal"/>
-        <a:font script="Telu" typeface="Gautami"/>
-        <a:font script="Taml" typeface="Latha"/>
-        <a:font script="Syrc" typeface="Estrangelo Edessa"/>
-        <a:font script="Orya" typeface="Kalinga"/>
-        <a:font script="Mlym" typeface="Kartika"/>
-        <a:font script="Laoo" typeface="DokChampa"/>
-        <a:font script="Sinh" typeface="Iskoola Pota"/>
-        <a:font script="Mong" typeface="Mongolian Baiti"/>
-        <a:font script="Viet" typeface="Times New Roman"/>
-        <a:font script="Uigh" typeface="Microsoft Uighur"/>
-        <a:font script="Geor" typeface="Sylfaen"/>
-      </a:majorFont>
-      <a:minorFont>
-        <a:latin typeface="Calibri" panose="020F0502020204030204"/>
-        <a:ea typeface=""/>
-        <a:cs typeface=""/>
-        <a:font script="Jpan" typeface="游ゴシック"/>
-        <a:font script="Hang" typeface="맑은 고딕"/>
-        <a:font script="Hans" typeface="等线"/>
-        <a:font script="Hant" typeface="新細明體"/>
-        <a:font script="Arab" typeface="Arial"/>
-        <a:font script="Hebr" typeface="Arial"/>
-        <a:font script="Thai" typeface="Cordia New"/>
+        <a:font script="Jpan" typeface="メイリオ"/>
+        <a:font script="Hang" typeface="HY중고딕"/>
+        <a:font script="Hans" typeface="幼圆"/>
+        <a:font script="Hant" typeface="微軟正黑體"/>
+        <a:font script="Arab" typeface="Tahoma"/>
+        <a:font script="Hebr" typeface="Gisha"/>
+        <a:font script="Thai" typeface="DilleniaUPC"/>
         <a:font script="Ethi" typeface="Nyala"/>
         <a:font script="Beng" typeface="Vrinda"/>
         <a:font script="Gujr" typeface="Shruti"/>
@@ -9126,13 +13711,121 @@
         <a:font script="Laoo" typeface="DokChampa"/>
         <a:font script="Sinh" typeface="Iskoola Pota"/>
         <a:font script="Mong" typeface="Mongolian Baiti"/>
-        <a:font script="Viet" typeface="Arial"/>
+        <a:font script="Viet" typeface="Tahoma"/>
+        <a:font script="Uigh" typeface="Microsoft Uighur"/>
+        <a:font script="Geor" typeface="Sylfaen"/>
+      </a:majorFont>
+      <a:minorFont>
+        <a:latin typeface="Century Gothic" panose="020B0502020202020204"/>
+        <a:ea typeface=""/>
+        <a:cs typeface=""/>
+        <a:font script="Jpan" typeface="メイリオ"/>
+        <a:font script="Hang" typeface="HY중고딕"/>
+        <a:font script="Hans" typeface="幼圆"/>
+        <a:font script="Hant" typeface="微軟正黑體"/>
+        <a:font script="Arab" typeface="Tahoma"/>
+        <a:font script="Hebr" typeface="Gisha"/>
+        <a:font script="Thai" typeface="DilleniaUPC"/>
+        <a:font script="Ethi" typeface="Nyala"/>
+        <a:font script="Beng" typeface="Vrinda"/>
+        <a:font script="Gujr" typeface="Shruti"/>
+        <a:font script="Khmr" typeface="DaunPenh"/>
+        <a:font script="Knda" typeface="Tunga"/>
+        <a:font script="Guru" typeface="Raavi"/>
+        <a:font script="Cans" typeface="Euphemia"/>
+        <a:font script="Cher" typeface="Plantagenet Cherokee"/>
+        <a:font script="Yiii" typeface="Microsoft Yi Baiti"/>
+        <a:font script="Tibt" typeface="Microsoft Himalaya"/>
+        <a:font script="Thaa" typeface="MV Boli"/>
+        <a:font script="Deva" typeface="Mangal"/>
+        <a:font script="Telu" typeface="Gautami"/>
+        <a:font script="Taml" typeface="Latha"/>
+        <a:font script="Syrc" typeface="Estrangelo Edessa"/>
+        <a:font script="Orya" typeface="Kalinga"/>
+        <a:font script="Mlym" typeface="Kartika"/>
+        <a:font script="Laoo" typeface="DokChampa"/>
+        <a:font script="Sinh" typeface="Iskoola Pota"/>
+        <a:font script="Mong" typeface="Mongolian Baiti"/>
+        <a:font script="Viet" typeface="Tahoma"/>
         <a:font script="Uigh" typeface="Microsoft Uighur"/>
         <a:font script="Geor" typeface="Sylfaen"/>
       </a:minorFont>
     </a:fontScheme>
-    <a:fmtScheme name="Office Theme">
+    <a:fmtScheme name="Wisp">
       <a:fillStyleLst>
+        <a:solidFill>
+          <a:schemeClr val="phClr"/>
+        </a:solidFill>
+        <a:solidFill>
+          <a:schemeClr val="phClr">
+            <a:tint val="70000"/>
+            <a:lumMod val="104000"/>
+          </a:schemeClr>
+        </a:solidFill>
+        <a:gradFill rotWithShape="1">
+          <a:gsLst>
+            <a:gs pos="0">
+              <a:schemeClr val="phClr">
+                <a:tint val="96000"/>
+                <a:lumMod val="104000"/>
+              </a:schemeClr>
+            </a:gs>
+            <a:gs pos="100000">
+              <a:schemeClr val="phClr">
+                <a:shade val="98000"/>
+                <a:lumMod val="94000"/>
+              </a:schemeClr>
+            </a:gs>
+          </a:gsLst>
+          <a:lin ang="5400000" scaled="0"/>
+        </a:gradFill>
+      </a:fillStyleLst>
+      <a:lnStyleLst>
+        <a:ln w="9525" cap="rnd" cmpd="sng" algn="ctr">
+          <a:solidFill>
+            <a:schemeClr val="phClr">
+              <a:shade val="90000"/>
+            </a:schemeClr>
+          </a:solidFill>
+          <a:prstDash val="solid"/>
+        </a:ln>
+        <a:ln w="15875" cap="rnd" cmpd="sng" algn="ctr">
+          <a:solidFill>
+            <a:schemeClr val="phClr"/>
+          </a:solidFill>
+          <a:prstDash val="solid"/>
+        </a:ln>
+        <a:ln w="22225" cap="rnd" cmpd="sng" algn="ctr">
+          <a:solidFill>
+            <a:schemeClr val="phClr"/>
+          </a:solidFill>
+          <a:prstDash val="solid"/>
+        </a:ln>
+      </a:lnStyleLst>
+      <a:effectStyleLst>
+        <a:effectStyle>
+          <a:effectLst/>
+        </a:effectStyle>
+        <a:effectStyle>
+          <a:effectLst>
+            <a:outerShdw blurRad="38100" dist="25400" dir="5400000" rotWithShape="0">
+              <a:srgbClr val="000000">
+                <a:alpha val="25000"/>
+              </a:srgbClr>
+            </a:outerShdw>
+          </a:effectLst>
+        </a:effectStyle>
+        <a:effectStyle>
+          <a:effectLst>
+            <a:outerShdw blurRad="50800" dist="38100" dir="5400000" rotWithShape="0">
+              <a:srgbClr val="000000">
+                <a:alpha val="60000"/>
+              </a:srgbClr>
+            </a:outerShdw>
+          </a:effectLst>
+        </a:effectStyle>
+      </a:effectStyleLst>
+      <a:bgFillStyleLst>
         <a:solidFill>
           <a:schemeClr val="phClr"/>
         </a:solidFill>
@@ -9140,23 +13833,15 @@
           <a:gsLst>
             <a:gs pos="0">
               <a:schemeClr val="phClr">
-                <a:lumMod val="110000"/>
-                <a:satMod val="105000"/>
-                <a:tint val="67000"/>
-              </a:schemeClr>
-            </a:gs>
-            <a:gs pos="50000">
-              <a:schemeClr val="phClr">
-                <a:lumMod val="105000"/>
-                <a:satMod val="103000"/>
-                <a:tint val="73000"/>
+                <a:tint val="90000"/>
+                <a:lumMod val="120000"/>
               </a:schemeClr>
             </a:gs>
             <a:gs pos="100000">
               <a:schemeClr val="phClr">
-                <a:lumMod val="105000"/>
-                <a:satMod val="109000"/>
-                <a:tint val="81000"/>
+                <a:shade val="98000"/>
+                <a:satMod val="120000"/>
+                <a:lumMod val="98000"/>
               </a:schemeClr>
             </a:gs>
           </a:gsLst>
@@ -9166,105 +13851,22 @@
           <a:gsLst>
             <a:gs pos="0">
               <a:schemeClr val="phClr">
-                <a:satMod val="103000"/>
-                <a:lumMod val="102000"/>
-                <a:tint val="94000"/>
-              </a:schemeClr>
-            </a:gs>
-            <a:gs pos="50000">
-              <a:schemeClr val="phClr">
-                <a:satMod val="110000"/>
-                <a:lumMod val="100000"/>
-                <a:shade val="100000"/>
+                <a:tint val="90000"/>
+                <a:satMod val="92000"/>
+                <a:lumMod val="120000"/>
               </a:schemeClr>
             </a:gs>
             <a:gs pos="100000">
               <a:schemeClr val="phClr">
-                <a:lumMod val="99000"/>
+                <a:shade val="98000"/>
                 <a:satMod val="120000"/>
-                <a:shade val="78000"/>
+                <a:lumMod val="98000"/>
               </a:schemeClr>
             </a:gs>
           </a:gsLst>
-          <a:lin ang="5400000" scaled="0"/>
-        </a:gradFill>
-      </a:fillStyleLst>
-      <a:lnStyleLst>
-        <a:ln w="6350" cap="flat" cmpd="sng" algn="ctr">
-          <a:solidFill>
-            <a:schemeClr val="phClr"/>
-          </a:solidFill>
-          <a:prstDash val="solid"/>
-          <a:miter lim="800000"/>
-        </a:ln>
-        <a:ln w="12700" cap="flat" cmpd="sng" algn="ctr">
-          <a:solidFill>
-            <a:schemeClr val="phClr"/>
-          </a:solidFill>
-          <a:prstDash val="solid"/>
-          <a:miter lim="800000"/>
-        </a:ln>
-        <a:ln w="19050" cap="flat" cmpd="sng" algn="ctr">
-          <a:solidFill>
-            <a:schemeClr val="phClr"/>
-          </a:solidFill>
-          <a:prstDash val="solid"/>
-          <a:miter lim="800000"/>
-        </a:ln>
-      </a:lnStyleLst>
-      <a:effectStyleLst>
-        <a:effectStyle>
-          <a:effectLst/>
-        </a:effectStyle>
-        <a:effectStyle>
-          <a:effectLst/>
-        </a:effectStyle>
-        <a:effectStyle>
-          <a:effectLst>
-            <a:outerShdw blurRad="57150" dist="19050" dir="5400000" algn="ctr" rotWithShape="0">
-              <a:srgbClr val="000000">
-                <a:alpha val="63000"/>
-              </a:srgbClr>
-            </a:outerShdw>
-          </a:effectLst>
-        </a:effectStyle>
-      </a:effectStyleLst>
-      <a:bgFillStyleLst>
-        <a:solidFill>
-          <a:schemeClr val="phClr"/>
-        </a:solidFill>
-        <a:solidFill>
-          <a:schemeClr val="phClr">
-            <a:tint val="95000"/>
-            <a:satMod val="170000"/>
-          </a:schemeClr>
-        </a:solidFill>
-        <a:gradFill rotWithShape="1">
-          <a:gsLst>
-            <a:gs pos="0">
-              <a:schemeClr val="phClr">
-                <a:tint val="93000"/>
-                <a:satMod val="150000"/>
-                <a:shade val="98000"/>
-                <a:lumMod val="102000"/>
-              </a:schemeClr>
-            </a:gs>
-            <a:gs pos="50000">
-              <a:schemeClr val="phClr">
-                <a:tint val="98000"/>
-                <a:satMod val="130000"/>
-                <a:shade val="90000"/>
-                <a:lumMod val="103000"/>
-              </a:schemeClr>
-            </a:gs>
-            <a:gs pos="100000">
-              <a:schemeClr val="phClr">
-                <a:shade val="63000"/>
-                <a:satMod val="120000"/>
-              </a:schemeClr>
-            </a:gs>
-          </a:gsLst>
-          <a:lin ang="5400000" scaled="0"/>
+          <a:path path="circle">
+            <a:fillToRect l="50000" t="50000" r="100000" b="100000"/>
+          </a:path>
         </a:gradFill>
       </a:bgFillStyleLst>
     </a:fmtScheme>
@@ -9273,7 +13875,7 @@
   <a:extraClrSchemeLst/>
   <a:extLst>
     <a:ext uri="{05A4C25C-085E-4340-85A3-A5531E510DB2}">
-      <thm15:themeFamily xmlns:thm15="http://schemas.microsoft.com/office/thememl/2012/main" name="Magnetic Fields - by Lifeliqe autor Michael Carter.pptx" id="{1CD8B0ED-503E-4F9D-BE1F-EA91A594AAD6}" vid="{DDA4976A-1FAE-4427-8059-0A415774D08D}"/>
+      <thm15:themeFamily xmlns:thm15="http://schemas.microsoft.com/office/thememl/2012/main" name="Wisp" id="{7CB32D59-10C0-40DD-B7BD-2E94284A981C}" vid="{24B1A44C-C006-48B2-A4D7-E5549B3D8CD4}"/>
     </a:ext>
   </a:extLst>
 </a:theme>
